--- a/Slides/Basketball 5/Basketball_5_Lecture.pptx
+++ b/Slides/Basketball 5/Basketball_5_Lecture.pptx
@@ -219,7 +219,7 @@
           <a:p>
             <a:fld id="{C04E5E84-956F-4423-97B3-5936A6D8EEEE}" type="datetimeFigureOut">
               <a:rPr lang="en-US" smtClean="0"/>
-              <a:t>10/4/2019</a:t>
+              <a:t>10/5/2020</a:t>
             </a:fld>
             <a:endParaRPr lang="en-US"/>
           </a:p>
@@ -680,7 +680,7 @@
           <a:p>
             <a:fld id="{3881C039-66A3-4640-815B-3B5A8B7D868D}" type="datetimeFigureOut">
               <a:rPr lang="en-US" smtClean="0"/>
-              <a:t>10/4/2019</a:t>
+              <a:t>10/5/2020</a:t>
             </a:fld>
             <a:endParaRPr lang="en-US"/>
           </a:p>
@@ -850,7 +850,7 @@
           <a:p>
             <a:fld id="{3881C039-66A3-4640-815B-3B5A8B7D868D}" type="datetimeFigureOut">
               <a:rPr lang="en-US" smtClean="0"/>
-              <a:t>10/4/2019</a:t>
+              <a:t>10/5/2020</a:t>
             </a:fld>
             <a:endParaRPr lang="en-US"/>
           </a:p>
@@ -1071,7 +1071,7 @@
           <a:p>
             <a:fld id="{3881C039-66A3-4640-815B-3B5A8B7D868D}" type="datetimeFigureOut">
               <a:rPr lang="en-US" smtClean="0"/>
-              <a:t>10/4/2019</a:t>
+              <a:t>10/5/2020</a:t>
             </a:fld>
             <a:endParaRPr lang="en-US"/>
           </a:p>
@@ -1282,7 +1282,7 @@
           <a:p>
             <a:fld id="{3881C039-66A3-4640-815B-3B5A8B7D868D}" type="datetimeFigureOut">
               <a:rPr lang="en-US" smtClean="0"/>
-              <a:t>10/4/2019</a:t>
+              <a:t>10/5/2020</a:t>
             </a:fld>
             <a:endParaRPr lang="en-US"/>
           </a:p>
@@ -1577,7 +1577,7 @@
           <a:p>
             <a:fld id="{3881C039-66A3-4640-815B-3B5A8B7D868D}" type="datetimeFigureOut">
               <a:rPr lang="en-US" smtClean="0"/>
-              <a:t>10/4/2019</a:t>
+              <a:t>10/5/2020</a:t>
             </a:fld>
             <a:endParaRPr lang="en-US"/>
           </a:p>
@@ -1906,7 +1906,7 @@
           <a:p>
             <a:fld id="{3881C039-66A3-4640-815B-3B5A8B7D868D}" type="datetimeFigureOut">
               <a:rPr lang="en-US" smtClean="0"/>
-              <a:t>10/4/2019</a:t>
+              <a:t>10/5/2020</a:t>
             </a:fld>
             <a:endParaRPr lang="en-US"/>
           </a:p>
@@ -2398,7 +2398,7 @@
           <a:p>
             <a:fld id="{3881C039-66A3-4640-815B-3B5A8B7D868D}" type="datetimeFigureOut">
               <a:rPr lang="en-US" smtClean="0"/>
-              <a:t>10/4/2019</a:t>
+              <a:t>10/5/2020</a:t>
             </a:fld>
             <a:endParaRPr lang="en-US"/>
           </a:p>
@@ -2557,7 +2557,7 @@
           <a:p>
             <a:fld id="{3881C039-66A3-4640-815B-3B5A8B7D868D}" type="datetimeFigureOut">
               <a:rPr lang="en-US" smtClean="0"/>
-              <a:t>10/4/2019</a:t>
+              <a:t>10/5/2020</a:t>
             </a:fld>
             <a:endParaRPr lang="en-US"/>
           </a:p>
@@ -2693,7 +2693,7 @@
           <a:p>
             <a:fld id="{3881C039-66A3-4640-815B-3B5A8B7D868D}" type="datetimeFigureOut">
               <a:rPr lang="en-US" smtClean="0"/>
-              <a:t>10/4/2019</a:t>
+              <a:t>10/5/2020</a:t>
             </a:fld>
             <a:endParaRPr lang="en-US"/>
           </a:p>
@@ -3021,7 +3021,7 @@
           <a:p>
             <a:fld id="{3881C039-66A3-4640-815B-3B5A8B7D868D}" type="datetimeFigureOut">
               <a:rPr lang="en-US" smtClean="0"/>
-              <a:t>10/4/2019</a:t>
+              <a:t>10/5/2020</a:t>
             </a:fld>
             <a:endParaRPr lang="en-US"/>
           </a:p>
@@ -3336,7 +3336,7 @@
           <a:p>
             <a:fld id="{3881C039-66A3-4640-815B-3B5A8B7D868D}" type="datetimeFigureOut">
               <a:rPr lang="en-US" smtClean="0"/>
-              <a:t>10/4/2019</a:t>
+              <a:t>10/5/2020</a:t>
             </a:fld>
             <a:endParaRPr lang="en-US"/>
           </a:p>
@@ -3588,7 +3588,7 @@
           <a:p>
             <a:fld id="{3881C039-66A3-4640-815B-3B5A8B7D868D}" type="datetimeFigureOut">
               <a:rPr lang="en-US" smtClean="0"/>
-              <a:t>10/4/2019</a:t>
+              <a:t>10/5/2020</a:t>
             </a:fld>
             <a:endParaRPr lang="en-US"/>
           </a:p>
@@ -8498,8 +8498,8 @@
           </a:fontRef>
         </p:style>
       </p:cxnSp>
-      <mc:AlternateContent xmlns:mc="http://schemas.openxmlformats.org/markup-compatibility/2006">
-        <mc:Choice xmlns:a14="http://schemas.microsoft.com/office/drawing/2010/main" Requires="a14">
+      <mc:AlternateContent xmlns:mc="http://schemas.openxmlformats.org/markup-compatibility/2006" xmlns:a14="http://schemas.microsoft.com/office/drawing/2010/main">
+        <mc:Choice Requires="a14">
           <p:sp>
             <p:nvSpPr>
               <p:cNvPr id="22" name="TextBox 21">
@@ -8644,7 +8644,7 @@
             </p:txBody>
           </p:sp>
         </mc:Choice>
-        <mc:Fallback>
+        <mc:Fallback xmlns="">
           <p:sp>
             <p:nvSpPr>
               <p:cNvPr id="22" name="TextBox 21">
@@ -9661,8 +9661,8 @@
           </a:fontRef>
         </p:style>
       </p:cxnSp>
-      <mc:AlternateContent xmlns:mc="http://schemas.openxmlformats.org/markup-compatibility/2006">
-        <mc:Choice xmlns:a14="http://schemas.microsoft.com/office/drawing/2010/main" Requires="a14">
+      <mc:AlternateContent xmlns:mc="http://schemas.openxmlformats.org/markup-compatibility/2006" xmlns:a14="http://schemas.microsoft.com/office/drawing/2010/main">
+        <mc:Choice Requires="a14">
           <p:sp>
             <p:nvSpPr>
               <p:cNvPr id="25" name="TextBox 24">
@@ -9834,7 +9834,7 @@
             </p:txBody>
           </p:sp>
         </mc:Choice>
-        <mc:Fallback>
+        <mc:Fallback xmlns="">
           <p:sp>
             <p:nvSpPr>
               <p:cNvPr id="25" name="TextBox 24">
@@ -13253,7 +13253,25 @@
                 </a:solidFill>
                 <a:latin typeface="Selawik Semibold" panose="020B0702040204020203" pitchFamily="34" charset="0"/>
               </a:rPr>
-              <a:t>Examined Strong Favorites Where the Spread Didn’t Change or Decreased from the Opening Line</a:t>
+              <a:t>Examined Strong Favorites Where the </a:t>
+            </a:r>
+            <a:r>
+              <a:rPr lang="en-US" sz="2000">
+                <a:solidFill>
+                  <a:schemeClr val="bg1"/>
+                </a:solidFill>
+                <a:latin typeface="Selawik Semibold" panose="020B0702040204020203" pitchFamily="34" charset="0"/>
+              </a:rPr>
+              <a:t>Spread Decreased </a:t>
+            </a:r>
+            <a:r>
+              <a:rPr lang="en-US" sz="2000" dirty="0">
+                <a:solidFill>
+                  <a:schemeClr val="bg1"/>
+                </a:solidFill>
+                <a:latin typeface="Selawik Semibold" panose="020B0702040204020203" pitchFamily="34" charset="0"/>
+              </a:rPr>
+              <a:t>from the Opening Line</a:t>
             </a:r>
           </a:p>
           <a:p>

--- a/Slides/Basketball 5/Basketball_5_Lecture.pptx
+++ b/Slides/Basketball 5/Basketball_5_Lecture.pptx
@@ -219,7 +219,7 @@
           <a:p>
             <a:fld id="{C04E5E84-956F-4423-97B3-5936A6D8EEEE}" type="datetimeFigureOut">
               <a:rPr lang="en-US" smtClean="0"/>
-              <a:t>10/5/2020</a:t>
+              <a:t>10/7/2020</a:t>
             </a:fld>
             <a:endParaRPr lang="en-US"/>
           </a:p>
@@ -680,7 +680,7 @@
           <a:p>
             <a:fld id="{3881C039-66A3-4640-815B-3B5A8B7D868D}" type="datetimeFigureOut">
               <a:rPr lang="en-US" smtClean="0"/>
-              <a:t>10/5/2020</a:t>
+              <a:t>10/7/2020</a:t>
             </a:fld>
             <a:endParaRPr lang="en-US"/>
           </a:p>
@@ -850,7 +850,7 @@
           <a:p>
             <a:fld id="{3881C039-66A3-4640-815B-3B5A8B7D868D}" type="datetimeFigureOut">
               <a:rPr lang="en-US" smtClean="0"/>
-              <a:t>10/5/2020</a:t>
+              <a:t>10/7/2020</a:t>
             </a:fld>
             <a:endParaRPr lang="en-US"/>
           </a:p>
@@ -1071,7 +1071,7 @@
           <a:p>
             <a:fld id="{3881C039-66A3-4640-815B-3B5A8B7D868D}" type="datetimeFigureOut">
               <a:rPr lang="en-US" smtClean="0"/>
-              <a:t>10/5/2020</a:t>
+              <a:t>10/7/2020</a:t>
             </a:fld>
             <a:endParaRPr lang="en-US"/>
           </a:p>
@@ -1282,7 +1282,7 @@
           <a:p>
             <a:fld id="{3881C039-66A3-4640-815B-3B5A8B7D868D}" type="datetimeFigureOut">
               <a:rPr lang="en-US" smtClean="0"/>
-              <a:t>10/5/2020</a:t>
+              <a:t>10/7/2020</a:t>
             </a:fld>
             <a:endParaRPr lang="en-US"/>
           </a:p>
@@ -1577,7 +1577,7 @@
           <a:p>
             <a:fld id="{3881C039-66A3-4640-815B-3B5A8B7D868D}" type="datetimeFigureOut">
               <a:rPr lang="en-US" smtClean="0"/>
-              <a:t>10/5/2020</a:t>
+              <a:t>10/7/2020</a:t>
             </a:fld>
             <a:endParaRPr lang="en-US"/>
           </a:p>
@@ -1906,7 +1906,7 @@
           <a:p>
             <a:fld id="{3881C039-66A3-4640-815B-3B5A8B7D868D}" type="datetimeFigureOut">
               <a:rPr lang="en-US" smtClean="0"/>
-              <a:t>10/5/2020</a:t>
+              <a:t>10/7/2020</a:t>
             </a:fld>
             <a:endParaRPr lang="en-US"/>
           </a:p>
@@ -2398,7 +2398,7 @@
           <a:p>
             <a:fld id="{3881C039-66A3-4640-815B-3B5A8B7D868D}" type="datetimeFigureOut">
               <a:rPr lang="en-US" smtClean="0"/>
-              <a:t>10/5/2020</a:t>
+              <a:t>10/7/2020</a:t>
             </a:fld>
             <a:endParaRPr lang="en-US"/>
           </a:p>
@@ -2557,7 +2557,7 @@
           <a:p>
             <a:fld id="{3881C039-66A3-4640-815B-3B5A8B7D868D}" type="datetimeFigureOut">
               <a:rPr lang="en-US" smtClean="0"/>
-              <a:t>10/5/2020</a:t>
+              <a:t>10/7/2020</a:t>
             </a:fld>
             <a:endParaRPr lang="en-US"/>
           </a:p>
@@ -2693,7 +2693,7 @@
           <a:p>
             <a:fld id="{3881C039-66A3-4640-815B-3B5A8B7D868D}" type="datetimeFigureOut">
               <a:rPr lang="en-US" smtClean="0"/>
-              <a:t>10/5/2020</a:t>
+              <a:t>10/7/2020</a:t>
             </a:fld>
             <a:endParaRPr lang="en-US"/>
           </a:p>
@@ -3021,7 +3021,7 @@
           <a:p>
             <a:fld id="{3881C039-66A3-4640-815B-3B5A8B7D868D}" type="datetimeFigureOut">
               <a:rPr lang="en-US" smtClean="0"/>
-              <a:t>10/5/2020</a:t>
+              <a:t>10/7/2020</a:t>
             </a:fld>
             <a:endParaRPr lang="en-US"/>
           </a:p>
@@ -3336,7 +3336,7 @@
           <a:p>
             <a:fld id="{3881C039-66A3-4640-815B-3B5A8B7D868D}" type="datetimeFigureOut">
               <a:rPr lang="en-US" smtClean="0"/>
-              <a:t>10/5/2020</a:t>
+              <a:t>10/7/2020</a:t>
             </a:fld>
             <a:endParaRPr lang="en-US"/>
           </a:p>
@@ -3588,7 +3588,7 @@
           <a:p>
             <a:fld id="{3881C039-66A3-4640-815B-3B5A8B7D868D}" type="datetimeFigureOut">
               <a:rPr lang="en-US" smtClean="0"/>
-              <a:t>10/5/2020</a:t>
+              <a:t>10/7/2020</a:t>
             </a:fld>
             <a:endParaRPr lang="en-US"/>
           </a:p>
@@ -13253,25 +13253,7 @@
                 </a:solidFill>
                 <a:latin typeface="Selawik Semibold" panose="020B0702040204020203" pitchFamily="34" charset="0"/>
               </a:rPr>
-              <a:t>Examined Strong Favorites Where the </a:t>
-            </a:r>
-            <a:r>
-              <a:rPr lang="en-US" sz="2000">
-                <a:solidFill>
-                  <a:schemeClr val="bg1"/>
-                </a:solidFill>
-                <a:latin typeface="Selawik Semibold" panose="020B0702040204020203" pitchFamily="34" charset="0"/>
-              </a:rPr>
-              <a:t>Spread Decreased </a:t>
-            </a:r>
-            <a:r>
-              <a:rPr lang="en-US" sz="2000" dirty="0">
-                <a:solidFill>
-                  <a:schemeClr val="bg1"/>
-                </a:solidFill>
-                <a:latin typeface="Selawik Semibold" panose="020B0702040204020203" pitchFamily="34" charset="0"/>
-              </a:rPr>
-              <a:t>from the Opening Line</a:t>
+              <a:t>Examined Strong Favorites Where the Spread Decreased from the Opening Line</a:t>
             </a:r>
           </a:p>
           <a:p>
@@ -13285,7 +13267,7 @@
                 </a:solidFill>
                 <a:latin typeface="Selawik Semibold" panose="020B0702040204020203" pitchFamily="34" charset="0"/>
               </a:rPr>
-              <a:t>Gamblers on the Underdog May Pressure Players to Play Worse</a:t>
+              <a:t>More Betting on the Underdog Causes this Decrease Which Would Lead to an Incentive for Point Shaving</a:t>
             </a:r>
           </a:p>
           <a:p>
@@ -14059,8 +14041,8 @@
           </p:sp>
         </mc:Fallback>
       </mc:AlternateContent>
-      <mc:AlternateContent xmlns:mc="http://schemas.openxmlformats.org/markup-compatibility/2006" xmlns:a14="http://schemas.microsoft.com/office/drawing/2010/main">
-        <mc:Choice Requires="a14">
+      <mc:AlternateContent xmlns:mc="http://schemas.openxmlformats.org/markup-compatibility/2006">
+        <mc:Choice xmlns:a14="http://schemas.microsoft.com/office/drawing/2010/main" Requires="a14">
           <p:sp>
             <p:nvSpPr>
               <p:cNvPr id="26" name="TextBox 25">
@@ -14075,7 +14057,7 @@
             </p:nvSpPr>
             <p:spPr>
               <a:xfrm>
-                <a:off x="1885553" y="6015304"/>
+                <a:off x="1808388" y="6238439"/>
                 <a:ext cx="6283666" cy="400110"/>
               </a:xfrm>
               <a:prstGeom prst="rect">
@@ -14221,7 +14203,7 @@
             </p:txBody>
           </p:sp>
         </mc:Choice>
-        <mc:Fallback xmlns="">
+        <mc:Fallback>
           <p:sp>
             <p:nvSpPr>
               <p:cNvPr id="26" name="TextBox 25">
@@ -14238,7 +14220,7 @@
             </p:nvSpPr>
             <p:spPr>
               <a:xfrm>
-                <a:off x="1885553" y="6015304"/>
+                <a:off x="1808388" y="6238439"/>
                 <a:ext cx="6283666" cy="400110"/>
               </a:xfrm>
               <a:prstGeom prst="rect">
@@ -14247,7 +14229,7 @@
               <a:blipFill>
                 <a:blip r:embed="rId7"/>
                 <a:stretch>
-                  <a:fillRect b="-18462"/>
+                  <a:fillRect b="-18182"/>
                 </a:stretch>
               </a:blipFill>
             </p:spPr>

--- a/Slides/Basketball 5/Basketball_5_Lecture.pptx
+++ b/Slides/Basketball 5/Basketball_5_Lecture.pptx
@@ -219,7 +219,7 @@
           <a:p>
             <a:fld id="{C04E5E84-956F-4423-97B3-5936A6D8EEEE}" type="datetimeFigureOut">
               <a:rPr lang="en-US" smtClean="0"/>
-              <a:t>10/7/2020</a:t>
+              <a:t>3/18/2021</a:t>
             </a:fld>
             <a:endParaRPr lang="en-US"/>
           </a:p>
@@ -680,7 +680,7 @@
           <a:p>
             <a:fld id="{3881C039-66A3-4640-815B-3B5A8B7D868D}" type="datetimeFigureOut">
               <a:rPr lang="en-US" smtClean="0"/>
-              <a:t>10/7/2020</a:t>
+              <a:t>3/18/2021</a:t>
             </a:fld>
             <a:endParaRPr lang="en-US"/>
           </a:p>
@@ -850,7 +850,7 @@
           <a:p>
             <a:fld id="{3881C039-66A3-4640-815B-3B5A8B7D868D}" type="datetimeFigureOut">
               <a:rPr lang="en-US" smtClean="0"/>
-              <a:t>10/7/2020</a:t>
+              <a:t>3/18/2021</a:t>
             </a:fld>
             <a:endParaRPr lang="en-US"/>
           </a:p>
@@ -1071,7 +1071,7 @@
           <a:p>
             <a:fld id="{3881C039-66A3-4640-815B-3B5A8B7D868D}" type="datetimeFigureOut">
               <a:rPr lang="en-US" smtClean="0"/>
-              <a:t>10/7/2020</a:t>
+              <a:t>3/18/2021</a:t>
             </a:fld>
             <a:endParaRPr lang="en-US"/>
           </a:p>
@@ -1282,7 +1282,7 @@
           <a:p>
             <a:fld id="{3881C039-66A3-4640-815B-3B5A8B7D868D}" type="datetimeFigureOut">
               <a:rPr lang="en-US" smtClean="0"/>
-              <a:t>10/7/2020</a:t>
+              <a:t>3/18/2021</a:t>
             </a:fld>
             <a:endParaRPr lang="en-US"/>
           </a:p>
@@ -1577,7 +1577,7 @@
           <a:p>
             <a:fld id="{3881C039-66A3-4640-815B-3B5A8B7D868D}" type="datetimeFigureOut">
               <a:rPr lang="en-US" smtClean="0"/>
-              <a:t>10/7/2020</a:t>
+              <a:t>3/18/2021</a:t>
             </a:fld>
             <a:endParaRPr lang="en-US"/>
           </a:p>
@@ -1906,7 +1906,7 @@
           <a:p>
             <a:fld id="{3881C039-66A3-4640-815B-3B5A8B7D868D}" type="datetimeFigureOut">
               <a:rPr lang="en-US" smtClean="0"/>
-              <a:t>10/7/2020</a:t>
+              <a:t>3/18/2021</a:t>
             </a:fld>
             <a:endParaRPr lang="en-US"/>
           </a:p>
@@ -2398,7 +2398,7 @@
           <a:p>
             <a:fld id="{3881C039-66A3-4640-815B-3B5A8B7D868D}" type="datetimeFigureOut">
               <a:rPr lang="en-US" smtClean="0"/>
-              <a:t>10/7/2020</a:t>
+              <a:t>3/18/2021</a:t>
             </a:fld>
             <a:endParaRPr lang="en-US"/>
           </a:p>
@@ -2557,7 +2557,7 @@
           <a:p>
             <a:fld id="{3881C039-66A3-4640-815B-3B5A8B7D868D}" type="datetimeFigureOut">
               <a:rPr lang="en-US" smtClean="0"/>
-              <a:t>10/7/2020</a:t>
+              <a:t>3/18/2021</a:t>
             </a:fld>
             <a:endParaRPr lang="en-US"/>
           </a:p>
@@ -2693,7 +2693,7 @@
           <a:p>
             <a:fld id="{3881C039-66A3-4640-815B-3B5A8B7D868D}" type="datetimeFigureOut">
               <a:rPr lang="en-US" smtClean="0"/>
-              <a:t>10/7/2020</a:t>
+              <a:t>3/18/2021</a:t>
             </a:fld>
             <a:endParaRPr lang="en-US"/>
           </a:p>
@@ -3021,7 +3021,7 @@
           <a:p>
             <a:fld id="{3881C039-66A3-4640-815B-3B5A8B7D868D}" type="datetimeFigureOut">
               <a:rPr lang="en-US" smtClean="0"/>
-              <a:t>10/7/2020</a:t>
+              <a:t>3/18/2021</a:t>
             </a:fld>
             <a:endParaRPr lang="en-US"/>
           </a:p>
@@ -3336,7 +3336,7 @@
           <a:p>
             <a:fld id="{3881C039-66A3-4640-815B-3B5A8B7D868D}" type="datetimeFigureOut">
               <a:rPr lang="en-US" smtClean="0"/>
-              <a:t>10/7/2020</a:t>
+              <a:t>3/18/2021</a:t>
             </a:fld>
             <a:endParaRPr lang="en-US"/>
           </a:p>
@@ -3588,7 +3588,7 @@
           <a:p>
             <a:fld id="{3881C039-66A3-4640-815B-3B5A8B7D868D}" type="datetimeFigureOut">
               <a:rPr lang="en-US" smtClean="0"/>
-              <a:t>10/7/2020</a:t>
+              <a:t>3/18/2021</a:t>
             </a:fld>
             <a:endParaRPr lang="en-US"/>
           </a:p>
@@ -4204,8 +4204,17 @@
               <a:rPr lang="en-US" dirty="0">
                 <a:latin typeface="Selawik Semibold" panose="020B0702040204020203" pitchFamily="34" charset="0"/>
               </a:rPr>
-              <a:t>UNC STOR 390</a:t>
+              <a:t>UNC </a:t>
             </a:r>
+            <a:r>
+              <a:rPr lang="en-US">
+                <a:latin typeface="Selawik Semibold" panose="020B0702040204020203" pitchFamily="34" charset="0"/>
+              </a:rPr>
+              <a:t>STOR 538</a:t>
+            </a:r>
+            <a:endParaRPr lang="en-US" dirty="0">
+              <a:latin typeface="Selawik Semibold" panose="020B0702040204020203" pitchFamily="34" charset="0"/>
+            </a:endParaRPr>
           </a:p>
         </p:txBody>
       </p:sp>
@@ -14041,8 +14050,8 @@
           </p:sp>
         </mc:Fallback>
       </mc:AlternateContent>
-      <mc:AlternateContent xmlns:mc="http://schemas.openxmlformats.org/markup-compatibility/2006">
-        <mc:Choice xmlns:a14="http://schemas.microsoft.com/office/drawing/2010/main" Requires="a14">
+      <mc:AlternateContent xmlns:mc="http://schemas.openxmlformats.org/markup-compatibility/2006" xmlns:a14="http://schemas.microsoft.com/office/drawing/2010/main">
+        <mc:Choice Requires="a14">
           <p:sp>
             <p:nvSpPr>
               <p:cNvPr id="26" name="TextBox 25">
@@ -14203,7 +14212,7 @@
             </p:txBody>
           </p:sp>
         </mc:Choice>
-        <mc:Fallback>
+        <mc:Fallback xmlns="">
           <p:sp>
             <p:nvSpPr>
               <p:cNvPr id="26" name="TextBox 25">

--- a/Slides/Basketball 5/Basketball_5_Lecture.pptx
+++ b/Slides/Basketball 5/Basketball_5_Lecture.pptx
@@ -219,7 +219,7 @@
           <a:p>
             <a:fld id="{C04E5E84-956F-4423-97B3-5936A6D8EEEE}" type="datetimeFigureOut">
               <a:rPr lang="en-US" smtClean="0"/>
-              <a:t>3/18/2021</a:t>
+              <a:t>3/21/2021</a:t>
             </a:fld>
             <a:endParaRPr lang="en-US"/>
           </a:p>
@@ -680,7 +680,7 @@
           <a:p>
             <a:fld id="{3881C039-66A3-4640-815B-3B5A8B7D868D}" type="datetimeFigureOut">
               <a:rPr lang="en-US" smtClean="0"/>
-              <a:t>3/18/2021</a:t>
+              <a:t>3/21/2021</a:t>
             </a:fld>
             <a:endParaRPr lang="en-US"/>
           </a:p>
@@ -850,7 +850,7 @@
           <a:p>
             <a:fld id="{3881C039-66A3-4640-815B-3B5A8B7D868D}" type="datetimeFigureOut">
               <a:rPr lang="en-US" smtClean="0"/>
-              <a:t>3/18/2021</a:t>
+              <a:t>3/21/2021</a:t>
             </a:fld>
             <a:endParaRPr lang="en-US"/>
           </a:p>
@@ -1071,7 +1071,7 @@
           <a:p>
             <a:fld id="{3881C039-66A3-4640-815B-3B5A8B7D868D}" type="datetimeFigureOut">
               <a:rPr lang="en-US" smtClean="0"/>
-              <a:t>3/18/2021</a:t>
+              <a:t>3/21/2021</a:t>
             </a:fld>
             <a:endParaRPr lang="en-US"/>
           </a:p>
@@ -1282,7 +1282,7 @@
           <a:p>
             <a:fld id="{3881C039-66A3-4640-815B-3B5A8B7D868D}" type="datetimeFigureOut">
               <a:rPr lang="en-US" smtClean="0"/>
-              <a:t>3/18/2021</a:t>
+              <a:t>3/21/2021</a:t>
             </a:fld>
             <a:endParaRPr lang="en-US"/>
           </a:p>
@@ -1577,7 +1577,7 @@
           <a:p>
             <a:fld id="{3881C039-66A3-4640-815B-3B5A8B7D868D}" type="datetimeFigureOut">
               <a:rPr lang="en-US" smtClean="0"/>
-              <a:t>3/18/2021</a:t>
+              <a:t>3/21/2021</a:t>
             </a:fld>
             <a:endParaRPr lang="en-US"/>
           </a:p>
@@ -1906,7 +1906,7 @@
           <a:p>
             <a:fld id="{3881C039-66A3-4640-815B-3B5A8B7D868D}" type="datetimeFigureOut">
               <a:rPr lang="en-US" smtClean="0"/>
-              <a:t>3/18/2021</a:t>
+              <a:t>3/21/2021</a:t>
             </a:fld>
             <a:endParaRPr lang="en-US"/>
           </a:p>
@@ -2398,7 +2398,7 @@
           <a:p>
             <a:fld id="{3881C039-66A3-4640-815B-3B5A8B7D868D}" type="datetimeFigureOut">
               <a:rPr lang="en-US" smtClean="0"/>
-              <a:t>3/18/2021</a:t>
+              <a:t>3/21/2021</a:t>
             </a:fld>
             <a:endParaRPr lang="en-US"/>
           </a:p>
@@ -2557,7 +2557,7 @@
           <a:p>
             <a:fld id="{3881C039-66A3-4640-815B-3B5A8B7D868D}" type="datetimeFigureOut">
               <a:rPr lang="en-US" smtClean="0"/>
-              <a:t>3/18/2021</a:t>
+              <a:t>3/21/2021</a:t>
             </a:fld>
             <a:endParaRPr lang="en-US"/>
           </a:p>
@@ -2693,7 +2693,7 @@
           <a:p>
             <a:fld id="{3881C039-66A3-4640-815B-3B5A8B7D868D}" type="datetimeFigureOut">
               <a:rPr lang="en-US" smtClean="0"/>
-              <a:t>3/18/2021</a:t>
+              <a:t>3/21/2021</a:t>
             </a:fld>
             <a:endParaRPr lang="en-US"/>
           </a:p>
@@ -3021,7 +3021,7 @@
           <a:p>
             <a:fld id="{3881C039-66A3-4640-815B-3B5A8B7D868D}" type="datetimeFigureOut">
               <a:rPr lang="en-US" smtClean="0"/>
-              <a:t>3/18/2021</a:t>
+              <a:t>3/21/2021</a:t>
             </a:fld>
             <a:endParaRPr lang="en-US"/>
           </a:p>
@@ -3336,7 +3336,7 @@
           <a:p>
             <a:fld id="{3881C039-66A3-4640-815B-3B5A8B7D868D}" type="datetimeFigureOut">
               <a:rPr lang="en-US" smtClean="0"/>
-              <a:t>3/18/2021</a:t>
+              <a:t>3/21/2021</a:t>
             </a:fld>
             <a:endParaRPr lang="en-US"/>
           </a:p>
@@ -3588,7 +3588,7 @@
           <a:p>
             <a:fld id="{3881C039-66A3-4640-815B-3B5A8B7D868D}" type="datetimeFigureOut">
               <a:rPr lang="en-US" smtClean="0"/>
-              <a:t>3/18/2021</a:t>
+              <a:t>3/21/2021</a:t>
             </a:fld>
             <a:endParaRPr lang="en-US"/>
           </a:p>
@@ -7377,6 +7377,204 @@
           <a:chExt cx="0" cy="0"/>
         </a:xfrm>
       </p:grpSpPr>
+      <p:sp>
+        <p:nvSpPr>
+          <p:cNvPr id="24" name="Content Placeholder 2">
+            <a:extLst>
+              <a:ext uri="{FF2B5EF4-FFF2-40B4-BE49-F238E27FC236}">
+                <a16:creationId xmlns:a16="http://schemas.microsoft.com/office/drawing/2014/main" id="{52313B83-B214-43D7-AC39-182CE4FA3E53}"/>
+              </a:ext>
+            </a:extLst>
+          </p:cNvPr>
+          <p:cNvSpPr>
+            <a:spLocks noGrp="1"/>
+          </p:cNvSpPr>
+          <p:nvPr>
+            <p:ph idx="1"/>
+          </p:nvPr>
+        </p:nvSpPr>
+        <p:spPr>
+          <a:xfrm>
+            <a:off x="2071468" y="1275565"/>
+            <a:ext cx="7577236" cy="5541546"/>
+          </a:xfrm>
+        </p:spPr>
+        <p:txBody>
+          <a:bodyPr>
+            <a:normAutofit/>
+          </a:bodyPr>
+          <a:lstStyle/>
+          <a:p>
+            <a:pPr>
+              <a:buSzPct val="100000"/>
+            </a:pPr>
+            <a:r>
+              <a:rPr lang="en-US" sz="2400" dirty="0">
+                <a:solidFill>
+                  <a:schemeClr val="bg1"/>
+                </a:solidFill>
+                <a:latin typeface="Selawik Semibold" panose="020B0702040204020203" pitchFamily="34" charset="0"/>
+              </a:rPr>
+              <a:t>Fouls Per 48 Minutes</a:t>
+            </a:r>
+          </a:p>
+          <a:p>
+            <a:pPr lvl="1">
+              <a:buSzPct val="100000"/>
+            </a:pPr>
+            <a:r>
+              <a:rPr lang="en-US" sz="2000" dirty="0">
+                <a:solidFill>
+                  <a:schemeClr val="bg1"/>
+                </a:solidFill>
+                <a:latin typeface="Selawik Semibold" panose="020B0702040204020203" pitchFamily="34" charset="0"/>
+              </a:rPr>
+              <a:t>Summary Table</a:t>
+            </a:r>
+          </a:p>
+          <a:p>
+            <a:pPr lvl="1">
+              <a:buSzPct val="100000"/>
+            </a:pPr>
+            <a:endParaRPr lang="en-US" sz="2000" dirty="0">
+              <a:solidFill>
+                <a:schemeClr val="bg1"/>
+              </a:solidFill>
+              <a:latin typeface="Selawik Semibold" panose="020B0702040204020203" pitchFamily="34" charset="0"/>
+            </a:endParaRPr>
+          </a:p>
+          <a:p>
+            <a:pPr lvl="1">
+              <a:buSzPct val="100000"/>
+            </a:pPr>
+            <a:endParaRPr lang="en-US" sz="2000" dirty="0">
+              <a:solidFill>
+                <a:schemeClr val="bg1"/>
+              </a:solidFill>
+              <a:latin typeface="Selawik Semibold" panose="020B0702040204020203" pitchFamily="34" charset="0"/>
+            </a:endParaRPr>
+          </a:p>
+          <a:p>
+            <a:pPr lvl="1">
+              <a:buSzPct val="100000"/>
+            </a:pPr>
+            <a:endParaRPr lang="en-US" sz="2000" dirty="0">
+              <a:solidFill>
+                <a:schemeClr val="bg1"/>
+              </a:solidFill>
+              <a:latin typeface="Selawik Semibold" panose="020B0702040204020203" pitchFamily="34" charset="0"/>
+            </a:endParaRPr>
+          </a:p>
+          <a:p>
+            <a:pPr lvl="1">
+              <a:buSzPct val="100000"/>
+            </a:pPr>
+            <a:endParaRPr lang="en-US" sz="2000" dirty="0">
+              <a:solidFill>
+                <a:schemeClr val="bg1"/>
+              </a:solidFill>
+              <a:latin typeface="Selawik Semibold" panose="020B0702040204020203" pitchFamily="34" charset="0"/>
+            </a:endParaRPr>
+          </a:p>
+          <a:p>
+            <a:pPr lvl="1">
+              <a:buSzPct val="100000"/>
+            </a:pPr>
+            <a:endParaRPr lang="en-US" sz="2000" dirty="0">
+              <a:solidFill>
+                <a:schemeClr val="bg1"/>
+              </a:solidFill>
+              <a:latin typeface="Selawik Semibold" panose="020B0702040204020203" pitchFamily="34" charset="0"/>
+            </a:endParaRPr>
+          </a:p>
+          <a:p>
+            <a:pPr lvl="1">
+              <a:buSzPct val="100000"/>
+            </a:pPr>
+            <a:r>
+              <a:rPr lang="en-US" sz="2000" dirty="0">
+                <a:solidFill>
+                  <a:schemeClr val="bg1"/>
+                </a:solidFill>
+                <a:latin typeface="Selawik Semibold" panose="020B0702040204020203" pitchFamily="34" charset="0"/>
+              </a:rPr>
+              <a:t>Estimation: </a:t>
+            </a:r>
+          </a:p>
+          <a:p>
+            <a:pPr lvl="2">
+              <a:buSzPct val="100000"/>
+            </a:pPr>
+            <a:r>
+              <a:rPr lang="en-US" sz="1800" dirty="0">
+                <a:solidFill>
+                  <a:schemeClr val="bg1"/>
+                </a:solidFill>
+                <a:latin typeface="Selawik Semibold" panose="020B0702040204020203" pitchFamily="34" charset="0"/>
+              </a:rPr>
+              <a:t>9,024 Fouls Called by Black Officials Against Black Players</a:t>
+            </a:r>
+          </a:p>
+          <a:p>
+            <a:pPr lvl="2">
+              <a:buSzPct val="100000"/>
+            </a:pPr>
+            <a:r>
+              <a:rPr lang="en-US" sz="1800" dirty="0">
+                <a:solidFill>
+                  <a:schemeClr val="bg1"/>
+                </a:solidFill>
+                <a:latin typeface="Selawik Semibold" panose="020B0702040204020203" pitchFamily="34" charset="0"/>
+              </a:rPr>
+              <a:t>310,413 Minutes for Black Players When Black Official on Court</a:t>
+            </a:r>
+          </a:p>
+          <a:p>
+            <a:pPr>
+              <a:buSzPct val="100000"/>
+            </a:pPr>
+            <a:endParaRPr lang="en-US" sz="2400" dirty="0">
+              <a:solidFill>
+                <a:schemeClr val="bg1"/>
+              </a:solidFill>
+              <a:latin typeface="Selawik Semibold" panose="020B0702040204020203" pitchFamily="34" charset="0"/>
+            </a:endParaRPr>
+          </a:p>
+          <a:p>
+            <a:pPr>
+              <a:buSzPct val="100000"/>
+            </a:pPr>
+            <a:endParaRPr lang="en-US" sz="2400" dirty="0">
+              <a:solidFill>
+                <a:schemeClr val="bg1"/>
+              </a:solidFill>
+              <a:latin typeface="Selawik Semibold" panose="020B0702040204020203" pitchFamily="34" charset="0"/>
+            </a:endParaRPr>
+          </a:p>
+          <a:p>
+            <a:pPr>
+              <a:buSzPct val="100000"/>
+            </a:pPr>
+            <a:endParaRPr lang="en-US" sz="2400" dirty="0">
+              <a:solidFill>
+                <a:schemeClr val="bg1"/>
+              </a:solidFill>
+              <a:latin typeface="Selawik Semibold" panose="020B0702040204020203" pitchFamily="34" charset="0"/>
+            </a:endParaRPr>
+          </a:p>
+          <a:p>
+            <a:pPr lvl="1">
+              <a:buSzPct val="100000"/>
+            </a:pPr>
+            <a:endParaRPr lang="en-US" dirty="0">
+              <a:solidFill>
+                <a:schemeClr val="bg1"/>
+              </a:solidFill>
+              <a:latin typeface="Selawik Semibold" panose="020B0702040204020203" pitchFamily="34" charset="0"/>
+            </a:endParaRPr>
+          </a:p>
+        </p:txBody>
+      </p:sp>
       <p:graphicFrame>
         <p:nvGraphicFramePr>
           <p:cNvPr id="4" name="Table 4">
@@ -7392,13 +7590,13 @@
           <p:nvPr>
             <p:extLst>
               <p:ext uri="{D42A27DB-BD31-4B8C-83A1-F6EECF244321}">
-                <p14:modId xmlns:p14="http://schemas.microsoft.com/office/powerpoint/2010/main" val="3436000610"/>
+                <p14:modId xmlns:p14="http://schemas.microsoft.com/office/powerpoint/2010/main" val="4168101763"/>
               </p:ext>
             </p:extLst>
           </p:nvPr>
         </p:nvGraphicFramePr>
         <p:xfrm>
-          <a:off x="2623253" y="2168121"/>
+          <a:off x="2616556" y="2144971"/>
           <a:ext cx="8127999" cy="1188720"/>
         </p:xfrm>
         <a:graphic>
@@ -7526,7 +7724,7 @@
                           <a:latin typeface="Calibri" panose="020F0502020204030204" pitchFamily="34" charset="0"/>
                           <a:cs typeface="Calibri" panose="020F0502020204030204" pitchFamily="34" charset="0"/>
                         </a:rPr>
-                        <a:t>1.708</a:t>
+                        <a:t>1.665</a:t>
                       </a:r>
                     </a:p>
                   </a:txBody>
@@ -7584,7 +7782,7 @@
                           <a:latin typeface="Calibri" panose="020F0502020204030204" pitchFamily="34" charset="0"/>
                           <a:cs typeface="Calibri" panose="020F0502020204030204" pitchFamily="34" charset="0"/>
                         </a:rPr>
-                        <a:t>1.665</a:t>
+                        <a:t>1.708</a:t>
                       </a:r>
                     </a:p>
                   </a:txBody>
@@ -7770,204 +7968,6 @@
           </a:prstGeom>
         </p:spPr>
       </p:pic>
-      <p:sp>
-        <p:nvSpPr>
-          <p:cNvPr id="24" name="Content Placeholder 2">
-            <a:extLst>
-              <a:ext uri="{FF2B5EF4-FFF2-40B4-BE49-F238E27FC236}">
-                <a16:creationId xmlns:a16="http://schemas.microsoft.com/office/drawing/2014/main" id="{52313B83-B214-43D7-AC39-182CE4FA3E53}"/>
-              </a:ext>
-            </a:extLst>
-          </p:cNvPr>
-          <p:cNvSpPr>
-            <a:spLocks noGrp="1"/>
-          </p:cNvSpPr>
-          <p:nvPr>
-            <p:ph idx="1"/>
-          </p:nvPr>
-        </p:nvSpPr>
-        <p:spPr>
-          <a:xfrm>
-            <a:off x="2071468" y="1275565"/>
-            <a:ext cx="7577236" cy="5541546"/>
-          </a:xfrm>
-        </p:spPr>
-        <p:txBody>
-          <a:bodyPr>
-            <a:normAutofit/>
-          </a:bodyPr>
-          <a:lstStyle/>
-          <a:p>
-            <a:pPr>
-              <a:buSzPct val="100000"/>
-            </a:pPr>
-            <a:r>
-              <a:rPr lang="en-US" sz="2400" dirty="0">
-                <a:solidFill>
-                  <a:schemeClr val="bg1"/>
-                </a:solidFill>
-                <a:latin typeface="Selawik Semibold" panose="020B0702040204020203" pitchFamily="34" charset="0"/>
-              </a:rPr>
-              <a:t>Fouls Per 48 Minutes</a:t>
-            </a:r>
-          </a:p>
-          <a:p>
-            <a:pPr lvl="1">
-              <a:buSzPct val="100000"/>
-            </a:pPr>
-            <a:r>
-              <a:rPr lang="en-US" sz="2000" dirty="0">
-                <a:solidFill>
-                  <a:schemeClr val="bg1"/>
-                </a:solidFill>
-                <a:latin typeface="Selawik Semibold" panose="020B0702040204020203" pitchFamily="34" charset="0"/>
-              </a:rPr>
-              <a:t>Summary Table</a:t>
-            </a:r>
-          </a:p>
-          <a:p>
-            <a:pPr lvl="1">
-              <a:buSzPct val="100000"/>
-            </a:pPr>
-            <a:endParaRPr lang="en-US" sz="2000" dirty="0">
-              <a:solidFill>
-                <a:schemeClr val="bg1"/>
-              </a:solidFill>
-              <a:latin typeface="Selawik Semibold" panose="020B0702040204020203" pitchFamily="34" charset="0"/>
-            </a:endParaRPr>
-          </a:p>
-          <a:p>
-            <a:pPr lvl="1">
-              <a:buSzPct val="100000"/>
-            </a:pPr>
-            <a:endParaRPr lang="en-US" sz="2000" dirty="0">
-              <a:solidFill>
-                <a:schemeClr val="bg1"/>
-              </a:solidFill>
-              <a:latin typeface="Selawik Semibold" panose="020B0702040204020203" pitchFamily="34" charset="0"/>
-            </a:endParaRPr>
-          </a:p>
-          <a:p>
-            <a:pPr lvl="1">
-              <a:buSzPct val="100000"/>
-            </a:pPr>
-            <a:endParaRPr lang="en-US" sz="2000" dirty="0">
-              <a:solidFill>
-                <a:schemeClr val="bg1"/>
-              </a:solidFill>
-              <a:latin typeface="Selawik Semibold" panose="020B0702040204020203" pitchFamily="34" charset="0"/>
-            </a:endParaRPr>
-          </a:p>
-          <a:p>
-            <a:pPr lvl="1">
-              <a:buSzPct val="100000"/>
-            </a:pPr>
-            <a:endParaRPr lang="en-US" sz="2000" dirty="0">
-              <a:solidFill>
-                <a:schemeClr val="bg1"/>
-              </a:solidFill>
-              <a:latin typeface="Selawik Semibold" panose="020B0702040204020203" pitchFamily="34" charset="0"/>
-            </a:endParaRPr>
-          </a:p>
-          <a:p>
-            <a:pPr lvl="1">
-              <a:buSzPct val="100000"/>
-            </a:pPr>
-            <a:endParaRPr lang="en-US" sz="2000" dirty="0">
-              <a:solidFill>
-                <a:schemeClr val="bg1"/>
-              </a:solidFill>
-              <a:latin typeface="Selawik Semibold" panose="020B0702040204020203" pitchFamily="34" charset="0"/>
-            </a:endParaRPr>
-          </a:p>
-          <a:p>
-            <a:pPr lvl="1">
-              <a:buSzPct val="100000"/>
-            </a:pPr>
-            <a:r>
-              <a:rPr lang="en-US" sz="2000" dirty="0">
-                <a:solidFill>
-                  <a:schemeClr val="bg1"/>
-                </a:solidFill>
-                <a:latin typeface="Selawik Semibold" panose="020B0702040204020203" pitchFamily="34" charset="0"/>
-              </a:rPr>
-              <a:t>Estimation: </a:t>
-            </a:r>
-          </a:p>
-          <a:p>
-            <a:pPr lvl="2">
-              <a:buSzPct val="100000"/>
-            </a:pPr>
-            <a:r>
-              <a:rPr lang="en-US" sz="1800" dirty="0">
-                <a:solidFill>
-                  <a:schemeClr val="bg1"/>
-                </a:solidFill>
-                <a:latin typeface="Selawik Semibold" panose="020B0702040204020203" pitchFamily="34" charset="0"/>
-              </a:rPr>
-              <a:t>9,024 Fouls Called by Black Officials Against Black Players</a:t>
-            </a:r>
-          </a:p>
-          <a:p>
-            <a:pPr lvl="2">
-              <a:buSzPct val="100000"/>
-            </a:pPr>
-            <a:r>
-              <a:rPr lang="en-US" sz="1800" dirty="0">
-                <a:solidFill>
-                  <a:schemeClr val="bg1"/>
-                </a:solidFill>
-                <a:latin typeface="Selawik Semibold" panose="020B0702040204020203" pitchFamily="34" charset="0"/>
-              </a:rPr>
-              <a:t>310,413 Minutes for Black Players When Black Official on Court</a:t>
-            </a:r>
-          </a:p>
-          <a:p>
-            <a:pPr>
-              <a:buSzPct val="100000"/>
-            </a:pPr>
-            <a:endParaRPr lang="en-US" sz="2400" dirty="0">
-              <a:solidFill>
-                <a:schemeClr val="bg1"/>
-              </a:solidFill>
-              <a:latin typeface="Selawik Semibold" panose="020B0702040204020203" pitchFamily="34" charset="0"/>
-            </a:endParaRPr>
-          </a:p>
-          <a:p>
-            <a:pPr>
-              <a:buSzPct val="100000"/>
-            </a:pPr>
-            <a:endParaRPr lang="en-US" sz="2400" dirty="0">
-              <a:solidFill>
-                <a:schemeClr val="bg1"/>
-              </a:solidFill>
-              <a:latin typeface="Selawik Semibold" panose="020B0702040204020203" pitchFamily="34" charset="0"/>
-            </a:endParaRPr>
-          </a:p>
-          <a:p>
-            <a:pPr>
-              <a:buSzPct val="100000"/>
-            </a:pPr>
-            <a:endParaRPr lang="en-US" sz="2400" dirty="0">
-              <a:solidFill>
-                <a:schemeClr val="bg1"/>
-              </a:solidFill>
-              <a:latin typeface="Selawik Semibold" panose="020B0702040204020203" pitchFamily="34" charset="0"/>
-            </a:endParaRPr>
-          </a:p>
-          <a:p>
-            <a:pPr lvl="1">
-              <a:buSzPct val="100000"/>
-            </a:pPr>
-            <a:endParaRPr lang="en-US" dirty="0">
-              <a:solidFill>
-                <a:schemeClr val="bg1"/>
-              </a:solidFill>
-              <a:latin typeface="Selawik Semibold" panose="020B0702040204020203" pitchFamily="34" charset="0"/>
-            </a:endParaRPr>
-          </a:p>
-        </p:txBody>
-      </p:sp>
       <p:cxnSp>
         <p:nvCxnSpPr>
           <p:cNvPr id="33" name="Straight Connector 32">

--- a/Slides/Basketball 5/Basketball_5_Lecture.pptx
+++ b/Slides/Basketball 5/Basketball_5_Lecture.pptx
@@ -5,7 +5,7 @@
     <p:sldMasterId id="2147483713" r:id="rId1"/>
   </p:sldMasterIdLst>
   <p:notesMasterIdLst>
-    <p:notesMasterId r:id="rId13"/>
+    <p:notesMasterId r:id="rId9"/>
   </p:notesMasterIdLst>
   <p:sldIdLst>
     <p:sldId id="298" r:id="rId2"/>
@@ -14,11 +14,7 @@
     <p:sldId id="309" r:id="rId5"/>
     <p:sldId id="310" r:id="rId6"/>
     <p:sldId id="311" r:id="rId7"/>
-    <p:sldId id="304" r:id="rId8"/>
-    <p:sldId id="306" r:id="rId9"/>
-    <p:sldId id="305" r:id="rId10"/>
-    <p:sldId id="307" r:id="rId11"/>
-    <p:sldId id="281" r:id="rId12"/>
+    <p:sldId id="281" r:id="rId8"/>
   </p:sldIdLst>
   <p:sldSz cx="12192000" cy="6858000"/>
   <p:notesSz cx="6858000" cy="9144000"/>
@@ -219,7 +215,7 @@
           <a:p>
             <a:fld id="{C04E5E84-956F-4423-97B3-5936A6D8EEEE}" type="datetimeFigureOut">
               <a:rPr lang="en-US" smtClean="0"/>
-              <a:t>3/21/2021</a:t>
+              <a:t>3/6/2023</a:t>
             </a:fld>
             <a:endParaRPr lang="en-US"/>
           </a:p>
@@ -680,7 +676,7 @@
           <a:p>
             <a:fld id="{3881C039-66A3-4640-815B-3B5A8B7D868D}" type="datetimeFigureOut">
               <a:rPr lang="en-US" smtClean="0"/>
-              <a:t>3/21/2021</a:t>
+              <a:t>3/6/2023</a:t>
             </a:fld>
             <a:endParaRPr lang="en-US"/>
           </a:p>
@@ -850,7 +846,7 @@
           <a:p>
             <a:fld id="{3881C039-66A3-4640-815B-3B5A8B7D868D}" type="datetimeFigureOut">
               <a:rPr lang="en-US" smtClean="0"/>
-              <a:t>3/21/2021</a:t>
+              <a:t>3/6/2023</a:t>
             </a:fld>
             <a:endParaRPr lang="en-US"/>
           </a:p>
@@ -1071,7 +1067,7 @@
           <a:p>
             <a:fld id="{3881C039-66A3-4640-815B-3B5A8B7D868D}" type="datetimeFigureOut">
               <a:rPr lang="en-US" smtClean="0"/>
-              <a:t>3/21/2021</a:t>
+              <a:t>3/6/2023</a:t>
             </a:fld>
             <a:endParaRPr lang="en-US"/>
           </a:p>
@@ -1282,7 +1278,7 @@
           <a:p>
             <a:fld id="{3881C039-66A3-4640-815B-3B5A8B7D868D}" type="datetimeFigureOut">
               <a:rPr lang="en-US" smtClean="0"/>
-              <a:t>3/21/2021</a:t>
+              <a:t>3/6/2023</a:t>
             </a:fld>
             <a:endParaRPr lang="en-US"/>
           </a:p>
@@ -1577,7 +1573,7 @@
           <a:p>
             <a:fld id="{3881C039-66A3-4640-815B-3B5A8B7D868D}" type="datetimeFigureOut">
               <a:rPr lang="en-US" smtClean="0"/>
-              <a:t>3/21/2021</a:t>
+              <a:t>3/6/2023</a:t>
             </a:fld>
             <a:endParaRPr lang="en-US"/>
           </a:p>
@@ -1906,7 +1902,7 @@
           <a:p>
             <a:fld id="{3881C039-66A3-4640-815B-3B5A8B7D868D}" type="datetimeFigureOut">
               <a:rPr lang="en-US" smtClean="0"/>
-              <a:t>3/21/2021</a:t>
+              <a:t>3/6/2023</a:t>
             </a:fld>
             <a:endParaRPr lang="en-US"/>
           </a:p>
@@ -2398,7 +2394,7 @@
           <a:p>
             <a:fld id="{3881C039-66A3-4640-815B-3B5A8B7D868D}" type="datetimeFigureOut">
               <a:rPr lang="en-US" smtClean="0"/>
-              <a:t>3/21/2021</a:t>
+              <a:t>3/6/2023</a:t>
             </a:fld>
             <a:endParaRPr lang="en-US"/>
           </a:p>
@@ -2557,7 +2553,7 @@
           <a:p>
             <a:fld id="{3881C039-66A3-4640-815B-3B5A8B7D868D}" type="datetimeFigureOut">
               <a:rPr lang="en-US" smtClean="0"/>
-              <a:t>3/21/2021</a:t>
+              <a:t>3/6/2023</a:t>
             </a:fld>
             <a:endParaRPr lang="en-US"/>
           </a:p>
@@ -2693,7 +2689,7 @@
           <a:p>
             <a:fld id="{3881C039-66A3-4640-815B-3B5A8B7D868D}" type="datetimeFigureOut">
               <a:rPr lang="en-US" smtClean="0"/>
-              <a:t>3/21/2021</a:t>
+              <a:t>3/6/2023</a:t>
             </a:fld>
             <a:endParaRPr lang="en-US"/>
           </a:p>
@@ -3021,7 +3017,7 @@
           <a:p>
             <a:fld id="{3881C039-66A3-4640-815B-3B5A8B7D868D}" type="datetimeFigureOut">
               <a:rPr lang="en-US" smtClean="0"/>
-              <a:t>3/21/2021</a:t>
+              <a:t>3/6/2023</a:t>
             </a:fld>
             <a:endParaRPr lang="en-US"/>
           </a:p>
@@ -3336,7 +3332,7 @@
           <a:p>
             <a:fld id="{3881C039-66A3-4640-815B-3B5A8B7D868D}" type="datetimeFigureOut">
               <a:rPr lang="en-US" smtClean="0"/>
-              <a:t>3/21/2021</a:t>
+              <a:t>3/6/2023</a:t>
             </a:fld>
             <a:endParaRPr lang="en-US"/>
           </a:p>
@@ -3588,7 +3584,7 @@
           <a:p>
             <a:fld id="{3881C039-66A3-4640-815B-3B5A8B7D868D}" type="datetimeFigureOut">
               <a:rPr lang="en-US" smtClean="0"/>
-              <a:t>3/21/2021</a:t>
+              <a:t>3/6/2023</a:t>
             </a:fld>
             <a:endParaRPr lang="en-US"/>
           </a:p>
@@ -4383,1250 +4379,6 @@
 </p:sld>
 </file>
 
-<file path=ppt/slides/slide10.xml><?xml version="1.0" encoding="utf-8"?>
-<p:sld xmlns:a="http://schemas.openxmlformats.org/drawingml/2006/main" xmlns:r="http://schemas.openxmlformats.org/officeDocument/2006/relationships" xmlns:p="http://schemas.openxmlformats.org/presentationml/2006/main">
-  <p:cSld>
-    <p:bg>
-      <p:bgPr>
-        <a:solidFill>
-          <a:srgbClr val="395583"/>
-        </a:solidFill>
-        <a:effectLst/>
-      </p:bgPr>
-    </p:bg>
-    <p:spTree>
-      <p:nvGrpSpPr>
-        <p:cNvPr id="1" name=""/>
-        <p:cNvGrpSpPr/>
-        <p:nvPr/>
-      </p:nvGrpSpPr>
-      <p:grpSpPr>
-        <a:xfrm>
-          <a:off x="0" y="0"/>
-          <a:ext cx="0" cy="0"/>
-          <a:chOff x="0" y="0"/>
-          <a:chExt cx="0" cy="0"/>
-        </a:xfrm>
-      </p:grpSpPr>
-      <p:pic>
-        <p:nvPicPr>
-          <p:cNvPr id="23" name="Graphic 22" descr="Basketball">
-            <a:extLst>
-              <a:ext uri="{FF2B5EF4-FFF2-40B4-BE49-F238E27FC236}">
-                <a16:creationId xmlns:a16="http://schemas.microsoft.com/office/drawing/2014/main" id="{E9648A1B-FAF4-4D5E-A5FA-056876B6D1ED}"/>
-              </a:ext>
-            </a:extLst>
-          </p:cNvPr>
-          <p:cNvPicPr>
-            <a:picLocks noChangeAspect="1"/>
-          </p:cNvPicPr>
-          <p:nvPr/>
-        </p:nvPicPr>
-        <p:blipFill>
-          <a:blip r:embed="rId2">
-            <a:extLst>
-              <a:ext uri="{28A0092B-C50C-407E-A947-70E740481C1C}">
-                <a14:useLocalDpi xmlns:a14="http://schemas.microsoft.com/office/drawing/2010/main" val="0"/>
-              </a:ext>
-              <a:ext uri="{96DAC541-7B7A-43D3-8B79-37D633B846F1}">
-                <asvg:svgBlip xmlns:asvg="http://schemas.microsoft.com/office/drawing/2016/SVG/main" r:embed="rId3"/>
-              </a:ext>
-            </a:extLst>
-          </a:blip>
-          <a:stretch>
-            <a:fillRect/>
-          </a:stretch>
-        </p:blipFill>
-        <p:spPr>
-          <a:xfrm>
-            <a:off x="744683" y="-47773"/>
-            <a:ext cx="1236707" cy="1236707"/>
-          </a:xfrm>
-          <a:prstGeom prst="rect">
-            <a:avLst/>
-          </a:prstGeom>
-        </p:spPr>
-      </p:pic>
-      <p:sp>
-        <p:nvSpPr>
-          <p:cNvPr id="2" name="Title 1">
-            <a:extLst>
-              <a:ext uri="{FF2B5EF4-FFF2-40B4-BE49-F238E27FC236}">
-                <a16:creationId xmlns:a16="http://schemas.microsoft.com/office/drawing/2014/main" id="{9DA33D13-A6DD-4F70-90E0-B2FBF766CA6D}"/>
-              </a:ext>
-            </a:extLst>
-          </p:cNvPr>
-          <p:cNvSpPr>
-            <a:spLocks noGrp="1"/>
-          </p:cNvSpPr>
-          <p:nvPr>
-            <p:ph type="title"/>
-          </p:nvPr>
-        </p:nvSpPr>
-        <p:spPr>
-          <a:xfrm>
-            <a:off x="2146146" y="288168"/>
-            <a:ext cx="9746927" cy="772006"/>
-          </a:xfrm>
-        </p:spPr>
-        <p:txBody>
-          <a:bodyPr>
-            <a:normAutofit/>
-          </a:bodyPr>
-          <a:lstStyle/>
-          <a:p>
-            <a:r>
-              <a:rPr lang="en-US" dirty="0">
-                <a:solidFill>
-                  <a:schemeClr val="bg1"/>
-                </a:solidFill>
-                <a:latin typeface="Selawik Semibold" panose="020B0702040204020203" pitchFamily="34" charset="0"/>
-              </a:rPr>
-              <a:t>Fixing College Basketball Games</a:t>
-            </a:r>
-          </a:p>
-        </p:txBody>
-      </p:sp>
-      <p:pic>
-        <p:nvPicPr>
-          <p:cNvPr id="27" name="Picture 26" descr="A close up of a toy&#10;&#10;Description automatically generated">
-            <a:extLst>
-              <a:ext uri="{FF2B5EF4-FFF2-40B4-BE49-F238E27FC236}">
-                <a16:creationId xmlns:a16="http://schemas.microsoft.com/office/drawing/2014/main" id="{F3F65D40-5045-4F6A-881C-5E044D5BEB71}"/>
-              </a:ext>
-            </a:extLst>
-          </p:cNvPr>
-          <p:cNvPicPr>
-            <a:picLocks noChangeAspect="1"/>
-          </p:cNvPicPr>
-          <p:nvPr/>
-        </p:nvPicPr>
-        <p:blipFill rotWithShape="1">
-          <a:blip r:embed="rId4">
-            <a:extLst>
-              <a:ext uri="{28A0092B-C50C-407E-A947-70E740481C1C}">
-                <a14:useLocalDpi xmlns:a14="http://schemas.microsoft.com/office/drawing/2010/main" val="0"/>
-              </a:ext>
-            </a:extLst>
-          </a:blip>
-          <a:srcRect t="11405" r="-2" b="25800"/>
-          <a:stretch/>
-        </p:blipFill>
-        <p:spPr>
-          <a:xfrm>
-            <a:off x="455571" y="3932600"/>
-            <a:ext cx="1598646" cy="1115388"/>
-          </a:xfrm>
-          <a:prstGeom prst="rect">
-            <a:avLst/>
-          </a:prstGeom>
-        </p:spPr>
-      </p:pic>
-      <p:sp>
-        <p:nvSpPr>
-          <p:cNvPr id="24" name="Content Placeholder 2">
-            <a:extLst>
-              <a:ext uri="{FF2B5EF4-FFF2-40B4-BE49-F238E27FC236}">
-                <a16:creationId xmlns:a16="http://schemas.microsoft.com/office/drawing/2014/main" id="{52313B83-B214-43D7-AC39-182CE4FA3E53}"/>
-              </a:ext>
-            </a:extLst>
-          </p:cNvPr>
-          <p:cNvSpPr>
-            <a:spLocks noGrp="1"/>
-          </p:cNvSpPr>
-          <p:nvPr>
-            <p:ph idx="1"/>
-          </p:nvPr>
-        </p:nvSpPr>
-        <p:spPr>
-          <a:xfrm>
-            <a:off x="2071468" y="1275565"/>
-            <a:ext cx="8588810" cy="5541546"/>
-          </a:xfrm>
-        </p:spPr>
-        <p:txBody>
-          <a:bodyPr>
-            <a:normAutofit/>
-          </a:bodyPr>
-          <a:lstStyle/>
-          <a:p>
-            <a:pPr>
-              <a:buSzPct val="100000"/>
-            </a:pPr>
-            <a:r>
-              <a:rPr lang="en-US" sz="2400" dirty="0">
-                <a:solidFill>
-                  <a:schemeClr val="bg1"/>
-                </a:solidFill>
-                <a:latin typeface="Selawik Semibold" panose="020B0702040204020203" pitchFamily="34" charset="0"/>
-              </a:rPr>
-              <a:t>Conclusion</a:t>
-            </a:r>
-          </a:p>
-          <a:p>
-            <a:pPr lvl="1">
-              <a:buSzPct val="100000"/>
-            </a:pPr>
-            <a:r>
-              <a:rPr lang="en-US" sz="2000" dirty="0">
-                <a:solidFill>
-                  <a:schemeClr val="bg1"/>
-                </a:solidFill>
-                <a:latin typeface="Selawik Semibold" panose="020B0702040204020203" pitchFamily="34" charset="0"/>
-              </a:rPr>
-              <a:t>Discrepancy Existed Under Both Scenarios</a:t>
-            </a:r>
-          </a:p>
-          <a:p>
-            <a:pPr lvl="1">
-              <a:buSzPct val="100000"/>
-            </a:pPr>
-            <a:r>
-              <a:rPr lang="en-US" sz="2000" dirty="0">
-                <a:solidFill>
-                  <a:schemeClr val="bg1"/>
-                </a:solidFill>
-                <a:latin typeface="Selawik Semibold" panose="020B0702040204020203" pitchFamily="34" charset="0"/>
-              </a:rPr>
-              <a:t>Indicates Another Reason For This Phenomenon</a:t>
-            </a:r>
-          </a:p>
-          <a:p>
-            <a:pPr lvl="1">
-              <a:buSzPct val="100000"/>
-            </a:pPr>
-            <a:r>
-              <a:rPr lang="en-US" sz="2000" dirty="0">
-                <a:solidFill>
-                  <a:schemeClr val="bg1"/>
-                </a:solidFill>
-                <a:latin typeface="Selawik Semibold" panose="020B0702040204020203" pitchFamily="34" charset="0"/>
-              </a:rPr>
-              <a:t>Strong Favorites May Actually Care About Winning the Game More Than They Care About Making Vegas Happy</a:t>
-            </a:r>
-          </a:p>
-          <a:p>
-            <a:pPr lvl="1">
-              <a:buSzPct val="100000"/>
-            </a:pPr>
-            <a:r>
-              <a:rPr lang="en-US" sz="2000" dirty="0">
-                <a:solidFill>
-                  <a:schemeClr val="bg1"/>
-                </a:solidFill>
-                <a:latin typeface="Selawik Semibold" panose="020B0702040204020203" pitchFamily="34" charset="0"/>
-              </a:rPr>
-              <a:t>Teams Leading By a Wide Margin May Relax the Increase in Points and Focus on Defense and Slowing the Game Down</a:t>
-            </a:r>
-          </a:p>
-          <a:p>
-            <a:pPr marL="0" indent="0">
-              <a:buSzPct val="100000"/>
-              <a:buNone/>
-            </a:pPr>
-            <a:endParaRPr lang="en-US" sz="2400" dirty="0">
-              <a:solidFill>
-                <a:schemeClr val="bg1"/>
-              </a:solidFill>
-              <a:latin typeface="Selawik Semibold" panose="020B0702040204020203" pitchFamily="34" charset="0"/>
-            </a:endParaRPr>
-          </a:p>
-          <a:p>
-            <a:pPr lvl="1">
-              <a:buSzPct val="100000"/>
-            </a:pPr>
-            <a:endParaRPr lang="en-US" sz="2000" dirty="0">
-              <a:solidFill>
-                <a:schemeClr val="bg1"/>
-              </a:solidFill>
-              <a:latin typeface="Selawik Semibold" panose="020B0702040204020203" pitchFamily="34" charset="0"/>
-            </a:endParaRPr>
-          </a:p>
-        </p:txBody>
-      </p:sp>
-      <p:cxnSp>
-        <p:nvCxnSpPr>
-          <p:cNvPr id="33" name="Straight Connector 32">
-            <a:extLst>
-              <a:ext uri="{FF2B5EF4-FFF2-40B4-BE49-F238E27FC236}">
-                <a16:creationId xmlns:a16="http://schemas.microsoft.com/office/drawing/2014/main" id="{1164AB91-DF9B-4348-85B4-B3DBD68D0AB8}"/>
-              </a:ext>
-            </a:extLst>
-          </p:cNvPr>
-          <p:cNvCxnSpPr>
-            <a:cxnSpLocks/>
-          </p:cNvCxnSpPr>
-          <p:nvPr/>
-        </p:nvCxnSpPr>
-        <p:spPr>
-          <a:xfrm flipV="1">
-            <a:off x="1772959" y="1060174"/>
-            <a:ext cx="9513948" cy="40889"/>
-          </a:xfrm>
-          <a:prstGeom prst="line">
-            <a:avLst/>
-          </a:prstGeom>
-          <a:ln w="101600">
-            <a:solidFill>
-              <a:schemeClr val="bg1"/>
-            </a:solidFill>
-          </a:ln>
-        </p:spPr>
-        <p:style>
-          <a:lnRef idx="1">
-            <a:schemeClr val="accent1"/>
-          </a:lnRef>
-          <a:fillRef idx="0">
-            <a:schemeClr val="accent1"/>
-          </a:fillRef>
-          <a:effectRef idx="0">
-            <a:schemeClr val="accent1"/>
-          </a:effectRef>
-          <a:fontRef idx="minor">
-            <a:schemeClr val="tx1"/>
-          </a:fontRef>
-        </p:style>
-      </p:cxnSp>
-      <p:pic>
-        <p:nvPicPr>
-          <p:cNvPr id="35" name="Picture 34" descr="A picture containing clipart&#10;&#10;Description automatically generated">
-            <a:extLst>
-              <a:ext uri="{FF2B5EF4-FFF2-40B4-BE49-F238E27FC236}">
-                <a16:creationId xmlns:a16="http://schemas.microsoft.com/office/drawing/2014/main" id="{36A4252C-FA56-4DE4-B601-DA4D32813E54}"/>
-              </a:ext>
-            </a:extLst>
-          </p:cNvPr>
-          <p:cNvPicPr>
-            <a:picLocks noChangeAspect="1"/>
-          </p:cNvPicPr>
-          <p:nvPr/>
-        </p:nvPicPr>
-        <p:blipFill rotWithShape="1">
-          <a:blip r:embed="rId5">
-            <a:extLst>
-              <a:ext uri="{28A0092B-C50C-407E-A947-70E740481C1C}">
-                <a14:useLocalDpi xmlns:a14="http://schemas.microsoft.com/office/drawing/2010/main" val="0"/>
-              </a:ext>
-            </a:extLst>
-          </a:blip>
-          <a:srcRect l="11332" r="8033" b="-1"/>
-          <a:stretch/>
-        </p:blipFill>
-        <p:spPr>
-          <a:xfrm>
-            <a:off x="450297" y="2817212"/>
-            <a:ext cx="1598904" cy="1115388"/>
-          </a:xfrm>
-          <a:prstGeom prst="rect">
-            <a:avLst/>
-          </a:prstGeom>
-        </p:spPr>
-      </p:pic>
-      <p:cxnSp>
-        <p:nvCxnSpPr>
-          <p:cNvPr id="42" name="Straight Connector 41">
-            <a:extLst>
-              <a:ext uri="{FF2B5EF4-FFF2-40B4-BE49-F238E27FC236}">
-                <a16:creationId xmlns:a16="http://schemas.microsoft.com/office/drawing/2014/main" id="{0AC0AF4A-02B5-401B-9183-DFBDCAC17CB5}"/>
-              </a:ext>
-            </a:extLst>
-          </p:cNvPr>
-          <p:cNvCxnSpPr>
-            <a:cxnSpLocks/>
-          </p:cNvCxnSpPr>
-          <p:nvPr/>
-        </p:nvCxnSpPr>
-        <p:spPr>
-          <a:xfrm flipV="1">
-            <a:off x="1443448" y="1087104"/>
-            <a:ext cx="364940" cy="567192"/>
-          </a:xfrm>
-          <a:prstGeom prst="line">
-            <a:avLst/>
-          </a:prstGeom>
-          <a:ln w="101600">
-            <a:solidFill>
-              <a:schemeClr val="bg1"/>
-            </a:solidFill>
-          </a:ln>
-        </p:spPr>
-        <p:style>
-          <a:lnRef idx="1">
-            <a:schemeClr val="accent1"/>
-          </a:lnRef>
-          <a:fillRef idx="0">
-            <a:schemeClr val="accent1"/>
-          </a:fillRef>
-          <a:effectRef idx="0">
-            <a:schemeClr val="accent1"/>
-          </a:effectRef>
-          <a:fontRef idx="minor">
-            <a:schemeClr val="tx1"/>
-          </a:fontRef>
-        </p:style>
-      </p:cxnSp>
-      <p:cxnSp>
-        <p:nvCxnSpPr>
-          <p:cNvPr id="44" name="Straight Connector 43">
-            <a:extLst>
-              <a:ext uri="{FF2B5EF4-FFF2-40B4-BE49-F238E27FC236}">
-                <a16:creationId xmlns:a16="http://schemas.microsoft.com/office/drawing/2014/main" id="{3C0D842E-CE3C-450F-A5A5-11DDD6118C09}"/>
-              </a:ext>
-            </a:extLst>
-          </p:cNvPr>
-          <p:cNvCxnSpPr>
-            <a:cxnSpLocks/>
-          </p:cNvCxnSpPr>
-          <p:nvPr/>
-        </p:nvCxnSpPr>
-        <p:spPr>
-          <a:xfrm>
-            <a:off x="443317" y="-93164"/>
-            <a:ext cx="1000131" cy="1802428"/>
-          </a:xfrm>
-          <a:prstGeom prst="line">
-            <a:avLst/>
-          </a:prstGeom>
-          <a:ln w="101600">
-            <a:solidFill>
-              <a:schemeClr val="bg1"/>
-            </a:solidFill>
-          </a:ln>
-        </p:spPr>
-        <p:style>
-          <a:lnRef idx="1">
-            <a:schemeClr val="accent1"/>
-          </a:lnRef>
-          <a:fillRef idx="0">
-            <a:schemeClr val="accent1"/>
-          </a:fillRef>
-          <a:effectRef idx="0">
-            <a:schemeClr val="accent1"/>
-          </a:effectRef>
-          <a:fontRef idx="minor">
-            <a:schemeClr val="tx1"/>
-          </a:fontRef>
-        </p:style>
-      </p:cxnSp>
-      <p:cxnSp>
-        <p:nvCxnSpPr>
-          <p:cNvPr id="52" name="Straight Connector 51">
-            <a:extLst>
-              <a:ext uri="{FF2B5EF4-FFF2-40B4-BE49-F238E27FC236}">
-                <a16:creationId xmlns:a16="http://schemas.microsoft.com/office/drawing/2014/main" id="{67D3C56B-D516-4628-8E26-F56918CF8C92}"/>
-              </a:ext>
-            </a:extLst>
-          </p:cNvPr>
-          <p:cNvCxnSpPr>
-            <a:cxnSpLocks/>
-          </p:cNvCxnSpPr>
-          <p:nvPr/>
-        </p:nvCxnSpPr>
-        <p:spPr>
-          <a:xfrm>
-            <a:off x="369948" y="3889614"/>
-            <a:ext cx="1590634" cy="0"/>
-          </a:xfrm>
-          <a:prstGeom prst="line">
-            <a:avLst/>
-          </a:prstGeom>
-          <a:ln w="101600">
-            <a:solidFill>
-              <a:srgbClr val="A6A1A1"/>
-            </a:solidFill>
-          </a:ln>
-        </p:spPr>
-        <p:style>
-          <a:lnRef idx="1">
-            <a:schemeClr val="accent1"/>
-          </a:lnRef>
-          <a:fillRef idx="0">
-            <a:schemeClr val="accent1"/>
-          </a:fillRef>
-          <a:effectRef idx="0">
-            <a:schemeClr val="accent1"/>
-          </a:effectRef>
-          <a:fontRef idx="minor">
-            <a:schemeClr val="tx1"/>
-          </a:fontRef>
-        </p:style>
-      </p:cxnSp>
-      <p:cxnSp>
-        <p:nvCxnSpPr>
-          <p:cNvPr id="57" name="Straight Connector 56">
-            <a:extLst>
-              <a:ext uri="{FF2B5EF4-FFF2-40B4-BE49-F238E27FC236}">
-                <a16:creationId xmlns:a16="http://schemas.microsoft.com/office/drawing/2014/main" id="{B290DB4C-815D-42FC-98C1-898CC129644A}"/>
-              </a:ext>
-            </a:extLst>
-          </p:cNvPr>
-          <p:cNvCxnSpPr>
-            <a:cxnSpLocks/>
-          </p:cNvCxnSpPr>
-          <p:nvPr/>
-        </p:nvCxnSpPr>
-        <p:spPr>
-          <a:xfrm>
-            <a:off x="373606" y="2789797"/>
-            <a:ext cx="1590634" cy="0"/>
-          </a:xfrm>
-          <a:prstGeom prst="line">
-            <a:avLst/>
-          </a:prstGeom>
-          <a:ln w="101600">
-            <a:solidFill>
-              <a:srgbClr val="A6A1A1"/>
-            </a:solidFill>
-          </a:ln>
-        </p:spPr>
-        <p:style>
-          <a:lnRef idx="1">
-            <a:schemeClr val="accent1"/>
-          </a:lnRef>
-          <a:fillRef idx="0">
-            <a:schemeClr val="accent1"/>
-          </a:fillRef>
-          <a:effectRef idx="0">
-            <a:schemeClr val="accent1"/>
-          </a:effectRef>
-          <a:fontRef idx="minor">
-            <a:schemeClr val="tx1"/>
-          </a:fontRef>
-        </p:style>
-      </p:cxnSp>
-      <p:cxnSp>
-        <p:nvCxnSpPr>
-          <p:cNvPr id="58" name="Straight Connector 57">
-            <a:extLst>
-              <a:ext uri="{FF2B5EF4-FFF2-40B4-BE49-F238E27FC236}">
-                <a16:creationId xmlns:a16="http://schemas.microsoft.com/office/drawing/2014/main" id="{B7FDB3DF-10DC-4872-BCF3-6F2CC6DD0F1C}"/>
-              </a:ext>
-            </a:extLst>
-          </p:cNvPr>
-          <p:cNvCxnSpPr>
-            <a:cxnSpLocks/>
-          </p:cNvCxnSpPr>
-          <p:nvPr/>
-        </p:nvCxnSpPr>
-        <p:spPr>
-          <a:xfrm>
-            <a:off x="373606" y="5047988"/>
-            <a:ext cx="1590634" cy="0"/>
-          </a:xfrm>
-          <a:prstGeom prst="line">
-            <a:avLst/>
-          </a:prstGeom>
-          <a:ln w="101600">
-            <a:solidFill>
-              <a:schemeClr val="bg1">
-                <a:lumMod val="65000"/>
-              </a:schemeClr>
-            </a:solidFill>
-          </a:ln>
-        </p:spPr>
-        <p:style>
-          <a:lnRef idx="1">
-            <a:schemeClr val="accent1"/>
-          </a:lnRef>
-          <a:fillRef idx="0">
-            <a:schemeClr val="accent1"/>
-          </a:fillRef>
-          <a:effectRef idx="0">
-            <a:schemeClr val="accent1"/>
-          </a:effectRef>
-          <a:fontRef idx="minor">
-            <a:schemeClr val="tx1"/>
-          </a:fontRef>
-        </p:style>
-      </p:cxnSp>
-      <p:pic>
-        <p:nvPicPr>
-          <p:cNvPr id="61" name="Picture 60" descr="A close up of a toy&#10;&#10;Description automatically generated">
-            <a:extLst>
-              <a:ext uri="{FF2B5EF4-FFF2-40B4-BE49-F238E27FC236}">
-                <a16:creationId xmlns:a16="http://schemas.microsoft.com/office/drawing/2014/main" id="{96AE0023-E4EA-4D16-8B99-96DA8E83150F}"/>
-              </a:ext>
-            </a:extLst>
-          </p:cNvPr>
-          <p:cNvPicPr>
-            <a:picLocks noChangeAspect="1"/>
-          </p:cNvPicPr>
-          <p:nvPr/>
-        </p:nvPicPr>
-        <p:blipFill rotWithShape="1">
-          <a:blip r:embed="rId4">
-            <a:extLst>
-              <a:ext uri="{28A0092B-C50C-407E-A947-70E740481C1C}">
-                <a14:useLocalDpi xmlns:a14="http://schemas.microsoft.com/office/drawing/2010/main" val="0"/>
-              </a:ext>
-            </a:extLst>
-          </a:blip>
-          <a:srcRect t="11405" r="-2" b="25800"/>
-          <a:stretch/>
-        </p:blipFill>
-        <p:spPr>
-          <a:xfrm>
-            <a:off x="455571" y="6190676"/>
-            <a:ext cx="1598646" cy="1115388"/>
-          </a:xfrm>
-          <a:prstGeom prst="rect">
-            <a:avLst/>
-          </a:prstGeom>
-        </p:spPr>
-      </p:pic>
-      <p:pic>
-        <p:nvPicPr>
-          <p:cNvPr id="62" name="Picture 61" descr="A picture containing clipart&#10;&#10;Description automatically generated">
-            <a:extLst>
-              <a:ext uri="{FF2B5EF4-FFF2-40B4-BE49-F238E27FC236}">
-                <a16:creationId xmlns:a16="http://schemas.microsoft.com/office/drawing/2014/main" id="{569B3D08-70E8-4C8B-A239-7C18FB492C6D}"/>
-              </a:ext>
-            </a:extLst>
-          </p:cNvPr>
-          <p:cNvPicPr>
-            <a:picLocks noChangeAspect="1"/>
-          </p:cNvPicPr>
-          <p:nvPr/>
-        </p:nvPicPr>
-        <p:blipFill rotWithShape="1">
-          <a:blip r:embed="rId5">
-            <a:extLst>
-              <a:ext uri="{28A0092B-C50C-407E-A947-70E740481C1C}">
-                <a14:useLocalDpi xmlns:a14="http://schemas.microsoft.com/office/drawing/2010/main" val="0"/>
-              </a:ext>
-            </a:extLst>
-          </a:blip>
-          <a:srcRect l="11332" r="8033" b="-1"/>
-          <a:stretch/>
-        </p:blipFill>
-        <p:spPr>
-          <a:xfrm>
-            <a:off x="450297" y="5075288"/>
-            <a:ext cx="1598904" cy="1115388"/>
-          </a:xfrm>
-          <a:prstGeom prst="rect">
-            <a:avLst/>
-          </a:prstGeom>
-        </p:spPr>
-      </p:pic>
-      <p:cxnSp>
-        <p:nvCxnSpPr>
-          <p:cNvPr id="63" name="Straight Connector 62">
-            <a:extLst>
-              <a:ext uri="{FF2B5EF4-FFF2-40B4-BE49-F238E27FC236}">
-                <a16:creationId xmlns:a16="http://schemas.microsoft.com/office/drawing/2014/main" id="{20DB3758-374A-4C64-B771-E4915100FBBC}"/>
-              </a:ext>
-            </a:extLst>
-          </p:cNvPr>
-          <p:cNvCxnSpPr>
-            <a:cxnSpLocks/>
-          </p:cNvCxnSpPr>
-          <p:nvPr/>
-        </p:nvCxnSpPr>
-        <p:spPr>
-          <a:xfrm>
-            <a:off x="369948" y="6147690"/>
-            <a:ext cx="1590634" cy="0"/>
-          </a:xfrm>
-          <a:prstGeom prst="line">
-            <a:avLst/>
-          </a:prstGeom>
-          <a:ln w="101600">
-            <a:solidFill>
-              <a:srgbClr val="A6A1A1"/>
-            </a:solidFill>
-          </a:ln>
-        </p:spPr>
-        <p:style>
-          <a:lnRef idx="1">
-            <a:schemeClr val="accent1"/>
-          </a:lnRef>
-          <a:fillRef idx="0">
-            <a:schemeClr val="accent1"/>
-          </a:fillRef>
-          <a:effectRef idx="0">
-            <a:schemeClr val="accent1"/>
-          </a:effectRef>
-          <a:fontRef idx="minor">
-            <a:schemeClr val="tx1"/>
-          </a:fontRef>
-        </p:style>
-      </p:cxnSp>
-      <p:cxnSp>
-        <p:nvCxnSpPr>
-          <p:cNvPr id="64" name="Straight Connector 63">
-            <a:extLst>
-              <a:ext uri="{FF2B5EF4-FFF2-40B4-BE49-F238E27FC236}">
-                <a16:creationId xmlns:a16="http://schemas.microsoft.com/office/drawing/2014/main" id="{3BDADCEE-4407-4364-B613-6D0D45453CB7}"/>
-              </a:ext>
-            </a:extLst>
-          </p:cNvPr>
-          <p:cNvCxnSpPr>
-            <a:cxnSpLocks/>
-          </p:cNvCxnSpPr>
-          <p:nvPr/>
-        </p:nvCxnSpPr>
-        <p:spPr>
-          <a:xfrm>
-            <a:off x="373606" y="5047873"/>
-            <a:ext cx="1590634" cy="0"/>
-          </a:xfrm>
-          <a:prstGeom prst="line">
-            <a:avLst/>
-          </a:prstGeom>
-          <a:ln w="101600">
-            <a:solidFill>
-              <a:srgbClr val="A6A1A1"/>
-            </a:solidFill>
-          </a:ln>
-        </p:spPr>
-        <p:style>
-          <a:lnRef idx="1">
-            <a:schemeClr val="accent1"/>
-          </a:lnRef>
-          <a:fillRef idx="0">
-            <a:schemeClr val="accent1"/>
-          </a:fillRef>
-          <a:effectRef idx="0">
-            <a:schemeClr val="accent1"/>
-          </a:effectRef>
-          <a:fontRef idx="minor">
-            <a:schemeClr val="tx1"/>
-          </a:fontRef>
-        </p:style>
-      </p:cxnSp>
-      <p:cxnSp>
-        <p:nvCxnSpPr>
-          <p:cNvPr id="65" name="Straight Connector 64">
-            <a:extLst>
-              <a:ext uri="{FF2B5EF4-FFF2-40B4-BE49-F238E27FC236}">
-                <a16:creationId xmlns:a16="http://schemas.microsoft.com/office/drawing/2014/main" id="{DFF830B1-81C0-4325-8FC2-FD52D52FBC55}"/>
-              </a:ext>
-            </a:extLst>
-          </p:cNvPr>
-          <p:cNvCxnSpPr>
-            <a:cxnSpLocks/>
-          </p:cNvCxnSpPr>
-          <p:nvPr/>
-        </p:nvCxnSpPr>
-        <p:spPr>
-          <a:xfrm>
-            <a:off x="373606" y="7306064"/>
-            <a:ext cx="1590634" cy="0"/>
-          </a:xfrm>
-          <a:prstGeom prst="line">
-            <a:avLst/>
-          </a:prstGeom>
-          <a:ln w="101600">
-            <a:solidFill>
-              <a:schemeClr val="bg1">
-                <a:lumMod val="65000"/>
-              </a:schemeClr>
-            </a:solidFill>
-          </a:ln>
-        </p:spPr>
-        <p:style>
-          <a:lnRef idx="1">
-            <a:schemeClr val="accent1"/>
-          </a:lnRef>
-          <a:fillRef idx="0">
-            <a:schemeClr val="accent1"/>
-          </a:fillRef>
-          <a:effectRef idx="0">
-            <a:schemeClr val="accent1"/>
-          </a:effectRef>
-          <a:fontRef idx="minor">
-            <a:schemeClr val="tx1"/>
-          </a:fontRef>
-        </p:style>
-      </p:cxnSp>
-      <p:cxnSp>
-        <p:nvCxnSpPr>
-          <p:cNvPr id="37" name="Straight Connector 36">
-            <a:extLst>
-              <a:ext uri="{FF2B5EF4-FFF2-40B4-BE49-F238E27FC236}">
-                <a16:creationId xmlns:a16="http://schemas.microsoft.com/office/drawing/2014/main" id="{AD695731-30B6-474A-893D-D960E2F39AF9}"/>
-              </a:ext>
-            </a:extLst>
-          </p:cNvPr>
-          <p:cNvCxnSpPr>
-            <a:cxnSpLocks/>
-          </p:cNvCxnSpPr>
-          <p:nvPr/>
-        </p:nvCxnSpPr>
-        <p:spPr>
-          <a:xfrm flipV="1">
-            <a:off x="2010803" y="1087104"/>
-            <a:ext cx="0" cy="5770896"/>
-          </a:xfrm>
-          <a:prstGeom prst="line">
-            <a:avLst/>
-          </a:prstGeom>
-          <a:ln w="101600">
-            <a:solidFill>
-              <a:schemeClr val="bg1"/>
-            </a:solidFill>
-          </a:ln>
-        </p:spPr>
-        <p:style>
-          <a:lnRef idx="1">
-            <a:schemeClr val="accent1"/>
-          </a:lnRef>
-          <a:fillRef idx="0">
-            <a:schemeClr val="accent1"/>
-          </a:fillRef>
-          <a:effectRef idx="0">
-            <a:schemeClr val="accent1"/>
-          </a:effectRef>
-          <a:fontRef idx="minor">
-            <a:schemeClr val="tx1"/>
-          </a:fontRef>
-        </p:style>
-      </p:cxnSp>
-    </p:spTree>
-    <p:extLst>
-      <p:ext uri="{BB962C8B-B14F-4D97-AF65-F5344CB8AC3E}">
-        <p14:creationId xmlns:p14="http://schemas.microsoft.com/office/powerpoint/2010/main" val="4226797833"/>
-      </p:ext>
-    </p:extLst>
-  </p:cSld>
-  <p:clrMapOvr>
-    <a:masterClrMapping/>
-  </p:clrMapOvr>
-</p:sld>
-</file>
-
-<file path=ppt/slides/slide11.xml><?xml version="1.0" encoding="utf-8"?>
-<p:sld xmlns:a="http://schemas.openxmlformats.org/drawingml/2006/main" xmlns:r="http://schemas.openxmlformats.org/officeDocument/2006/relationships" xmlns:p="http://schemas.openxmlformats.org/presentationml/2006/main">
-  <p:cSld>
-    <p:bg>
-      <p:bgPr>
-        <a:solidFill>
-          <a:srgbClr val="395583"/>
-        </a:solidFill>
-        <a:effectLst/>
-      </p:bgPr>
-    </p:bg>
-    <p:spTree>
-      <p:nvGrpSpPr>
-        <p:cNvPr id="1" name=""/>
-        <p:cNvGrpSpPr/>
-        <p:nvPr/>
-      </p:nvGrpSpPr>
-      <p:grpSpPr>
-        <a:xfrm>
-          <a:off x="0" y="0"/>
-          <a:ext cx="0" cy="0"/>
-          <a:chOff x="0" y="0"/>
-          <a:chExt cx="0" cy="0"/>
-        </a:xfrm>
-      </p:grpSpPr>
-      <p:pic>
-        <p:nvPicPr>
-          <p:cNvPr id="5" name="Picture 4" descr="A picture containing indoor&#10;&#10;Description automatically generated">
-            <a:extLst>
-              <a:ext uri="{FF2B5EF4-FFF2-40B4-BE49-F238E27FC236}">
-                <a16:creationId xmlns:a16="http://schemas.microsoft.com/office/drawing/2014/main" id="{48589EA3-03B9-4D42-8282-8AC52D63CBF3}"/>
-              </a:ext>
-            </a:extLst>
-          </p:cNvPr>
-          <p:cNvPicPr>
-            <a:picLocks noChangeAspect="1"/>
-          </p:cNvPicPr>
-          <p:nvPr/>
-        </p:nvPicPr>
-        <p:blipFill rotWithShape="1">
-          <a:blip r:embed="rId2">
-            <a:extLst>
-              <a:ext uri="{28A0092B-C50C-407E-A947-70E740481C1C}">
-                <a14:useLocalDpi xmlns:a14="http://schemas.microsoft.com/office/drawing/2010/main" val="0"/>
-              </a:ext>
-            </a:extLst>
-          </a:blip>
-          <a:srcRect l="19805" r="19804" b="-1"/>
-          <a:stretch/>
-        </p:blipFill>
-        <p:spPr>
-          <a:xfrm>
-            <a:off x="450320" y="0"/>
-            <a:ext cx="6024144" cy="6858000"/>
-          </a:xfrm>
-          <a:custGeom>
-            <a:avLst/>
-            <a:gdLst>
-              <a:gd name="connsiteX0" fmla="*/ 0 w 6024154"/>
-              <a:gd name="connsiteY0" fmla="*/ 0 h 6858000"/>
-              <a:gd name="connsiteX1" fmla="*/ 5953780 w 6024154"/>
-              <a:gd name="connsiteY1" fmla="*/ 0 h 6858000"/>
-              <a:gd name="connsiteX2" fmla="*/ 5989880 w 6024154"/>
-              <a:gd name="connsiteY2" fmla="*/ 284091 h 6858000"/>
-              <a:gd name="connsiteX3" fmla="*/ 6024154 w 6024154"/>
-              <a:gd name="connsiteY3" fmla="*/ 962844 h 6858000"/>
-              <a:gd name="connsiteX4" fmla="*/ 2549934 w 6024154"/>
-              <a:gd name="connsiteY4" fmla="*/ 6800152 h 6858000"/>
-              <a:gd name="connsiteX5" fmla="*/ 2436987 w 6024154"/>
-              <a:gd name="connsiteY5" fmla="*/ 6858000 h 6858000"/>
-              <a:gd name="connsiteX6" fmla="*/ 0 w 6024154"/>
-              <a:gd name="connsiteY6" fmla="*/ 6858000 h 6858000"/>
-            </a:gdLst>
-            <a:ahLst/>
-            <a:cxnLst>
-              <a:cxn ang="0">
-                <a:pos x="connsiteX0" y="connsiteY0"/>
-              </a:cxn>
-              <a:cxn ang="0">
-                <a:pos x="connsiteX1" y="connsiteY1"/>
-              </a:cxn>
-              <a:cxn ang="0">
-                <a:pos x="connsiteX2" y="connsiteY2"/>
-              </a:cxn>
-              <a:cxn ang="0">
-                <a:pos x="connsiteX3" y="connsiteY3"/>
-              </a:cxn>
-              <a:cxn ang="0">
-                <a:pos x="connsiteX4" y="connsiteY4"/>
-              </a:cxn>
-              <a:cxn ang="0">
-                <a:pos x="connsiteX5" y="connsiteY5"/>
-              </a:cxn>
-              <a:cxn ang="0">
-                <a:pos x="connsiteX6" y="connsiteY6"/>
-              </a:cxn>
-            </a:cxnLst>
-            <a:rect l="l" t="t" r="r" b="b"/>
-            <a:pathLst>
-              <a:path w="6024154" h="6858000">
-                <a:moveTo>
-                  <a:pt x="0" y="0"/>
-                </a:moveTo>
-                <a:lnTo>
-                  <a:pt x="5953780" y="0"/>
-                </a:lnTo>
-                <a:lnTo>
-                  <a:pt x="5989880" y="284091"/>
-                </a:lnTo>
-                <a:cubicBezTo>
-                  <a:pt x="6012544" y="507260"/>
-                  <a:pt x="6024154" y="733696"/>
-                  <a:pt x="6024154" y="962844"/>
-                </a:cubicBezTo>
-                <a:cubicBezTo>
-                  <a:pt x="6024154" y="3483472"/>
-                  <a:pt x="4619336" y="5675986"/>
-                  <a:pt x="2549934" y="6800152"/>
-                </a:cubicBezTo>
-                <a:lnTo>
-                  <a:pt x="2436987" y="6858000"/>
-                </a:lnTo>
-                <a:lnTo>
-                  <a:pt x="0" y="6858000"/>
-                </a:lnTo>
-                <a:close/>
-              </a:path>
-            </a:pathLst>
-          </a:custGeom>
-          <a:ln w="28575">
-            <a:noFill/>
-          </a:ln>
-        </p:spPr>
-      </p:pic>
-      <p:sp>
-        <p:nvSpPr>
-          <p:cNvPr id="12" name="Title 1">
-            <a:extLst>
-              <a:ext uri="{FF2B5EF4-FFF2-40B4-BE49-F238E27FC236}">
-                <a16:creationId xmlns:a16="http://schemas.microsoft.com/office/drawing/2014/main" id="{0B9C460C-DD3D-4F1C-9FEE-8EC7228DF8C8}"/>
-              </a:ext>
-            </a:extLst>
-          </p:cNvPr>
-          <p:cNvSpPr>
-            <a:spLocks noGrp="1"/>
-          </p:cNvSpPr>
-          <p:nvPr>
-            <p:ph type="ctrTitle"/>
-          </p:nvPr>
-        </p:nvSpPr>
-        <p:spPr>
-          <a:xfrm>
-            <a:off x="6630235" y="890427"/>
-            <a:ext cx="4577335" cy="1264588"/>
-          </a:xfrm>
-        </p:spPr>
-        <p:txBody>
-          <a:bodyPr anchor="ctr">
-            <a:normAutofit fontScale="90000"/>
-          </a:bodyPr>
-          <a:lstStyle/>
-          <a:p>
-            <a:pPr algn="ctr"/>
-            <a:r>
-              <a:rPr lang="en-US" sz="6000" dirty="0">
-                <a:latin typeface="Selawik Semibold" panose="020B0702040204020203" pitchFamily="34" charset="0"/>
-              </a:rPr>
-              <a:t>Final </a:t>
-            </a:r>
-            <a:br>
-              <a:rPr lang="en-US" sz="6000" dirty="0">
-                <a:latin typeface="Selawik Semibold" panose="020B0702040204020203" pitchFamily="34" charset="0"/>
-              </a:rPr>
-            </a:br>
-            <a:r>
-              <a:rPr lang="en-US" sz="6000" dirty="0">
-                <a:latin typeface="Selawik Semibold" panose="020B0702040204020203" pitchFamily="34" charset="0"/>
-              </a:rPr>
-              <a:t>Inspiration</a:t>
-            </a:r>
-          </a:p>
-        </p:txBody>
-      </p:sp>
-      <p:sp>
-        <p:nvSpPr>
-          <p:cNvPr id="16" name="Content Placeholder 8">
-            <a:extLst>
-              <a:ext uri="{FF2B5EF4-FFF2-40B4-BE49-F238E27FC236}">
-                <a16:creationId xmlns:a16="http://schemas.microsoft.com/office/drawing/2014/main" id="{EFC1D832-5298-413A-ACCB-93C0C72C636D}"/>
-              </a:ext>
-            </a:extLst>
-          </p:cNvPr>
-          <p:cNvSpPr txBox="1">
-            <a:spLocks/>
-          </p:cNvSpPr>
-          <p:nvPr/>
-        </p:nvSpPr>
-        <p:spPr>
-          <a:xfrm>
-            <a:off x="5478102" y="4344069"/>
-            <a:ext cx="5729468" cy="3247008"/>
-          </a:xfrm>
-          <a:prstGeom prst="rect">
-            <a:avLst/>
-          </a:prstGeom>
-        </p:spPr>
-        <p:txBody>
-          <a:bodyPr vert="horz" lIns="91440" tIns="45720" rIns="91440" bIns="45720" rtlCol="0">
-            <a:normAutofit/>
-          </a:bodyPr>
-          <a:lstStyle>
-            <a:lvl1pPr marL="0" indent="0" algn="ctr" defTabSz="914400" rtl="0" eaLnBrk="1" latinLnBrk="0" hangingPunct="1">
-              <a:lnSpc>
-                <a:spcPct val="90000"/>
-              </a:lnSpc>
-              <a:spcBef>
-                <a:spcPts val="1000"/>
-              </a:spcBef>
-              <a:buFont typeface="Arial" panose="020B0604020202020204" pitchFamily="34" charset="0"/>
-              <a:buNone/>
-              <a:defRPr sz="2400" kern="1200">
-                <a:solidFill>
-                  <a:schemeClr val="tx1"/>
-                </a:solidFill>
-                <a:latin typeface="+mn-lt"/>
-                <a:ea typeface="+mn-ea"/>
-                <a:cs typeface="+mn-cs"/>
-              </a:defRPr>
-            </a:lvl1pPr>
-            <a:lvl2pPr marL="457200" indent="0" algn="ctr" defTabSz="914400" rtl="0" eaLnBrk="1" latinLnBrk="0" hangingPunct="1">
-              <a:lnSpc>
-                <a:spcPct val="90000"/>
-              </a:lnSpc>
-              <a:spcBef>
-                <a:spcPts val="500"/>
-              </a:spcBef>
-              <a:buFont typeface="Arial" panose="020B0604020202020204" pitchFamily="34" charset="0"/>
-              <a:buNone/>
-              <a:defRPr sz="2000" kern="1200">
-                <a:solidFill>
-                  <a:schemeClr val="tx1"/>
-                </a:solidFill>
-                <a:latin typeface="+mn-lt"/>
-                <a:ea typeface="+mn-ea"/>
-                <a:cs typeface="+mn-cs"/>
-              </a:defRPr>
-            </a:lvl2pPr>
-            <a:lvl3pPr marL="914400" indent="0" algn="ctr" defTabSz="914400" rtl="0" eaLnBrk="1" latinLnBrk="0" hangingPunct="1">
-              <a:lnSpc>
-                <a:spcPct val="90000"/>
-              </a:lnSpc>
-              <a:spcBef>
-                <a:spcPts val="500"/>
-              </a:spcBef>
-              <a:buFont typeface="Arial" panose="020B0604020202020204" pitchFamily="34" charset="0"/>
-              <a:buNone/>
-              <a:defRPr sz="1800" kern="1200">
-                <a:solidFill>
-                  <a:schemeClr val="tx1"/>
-                </a:solidFill>
-                <a:latin typeface="+mn-lt"/>
-                <a:ea typeface="+mn-ea"/>
-                <a:cs typeface="+mn-cs"/>
-              </a:defRPr>
-            </a:lvl3pPr>
-            <a:lvl4pPr marL="1371600" indent="0" algn="ctr" defTabSz="914400" rtl="0" eaLnBrk="1" latinLnBrk="0" hangingPunct="1">
-              <a:lnSpc>
-                <a:spcPct val="90000"/>
-              </a:lnSpc>
-              <a:spcBef>
-                <a:spcPts val="500"/>
-              </a:spcBef>
-              <a:buFont typeface="Arial" panose="020B0604020202020204" pitchFamily="34" charset="0"/>
-              <a:buNone/>
-              <a:defRPr sz="1600" kern="1200">
-                <a:solidFill>
-                  <a:schemeClr val="tx1"/>
-                </a:solidFill>
-                <a:latin typeface="+mn-lt"/>
-                <a:ea typeface="+mn-ea"/>
-                <a:cs typeface="+mn-cs"/>
-              </a:defRPr>
-            </a:lvl4pPr>
-            <a:lvl5pPr marL="1828800" indent="0" algn="ctr" defTabSz="914400" rtl="0" eaLnBrk="1" latinLnBrk="0" hangingPunct="1">
-              <a:lnSpc>
-                <a:spcPct val="90000"/>
-              </a:lnSpc>
-              <a:spcBef>
-                <a:spcPts val="500"/>
-              </a:spcBef>
-              <a:buFont typeface="Arial" panose="020B0604020202020204" pitchFamily="34" charset="0"/>
-              <a:buNone/>
-              <a:defRPr sz="1600" kern="1200">
-                <a:solidFill>
-                  <a:schemeClr val="tx1"/>
-                </a:solidFill>
-                <a:latin typeface="+mn-lt"/>
-                <a:ea typeface="+mn-ea"/>
-                <a:cs typeface="+mn-cs"/>
-              </a:defRPr>
-            </a:lvl5pPr>
-            <a:lvl6pPr marL="2286000" indent="0" algn="ctr" defTabSz="914400" rtl="0" eaLnBrk="1" latinLnBrk="0" hangingPunct="1">
-              <a:lnSpc>
-                <a:spcPct val="90000"/>
-              </a:lnSpc>
-              <a:spcBef>
-                <a:spcPts val="500"/>
-              </a:spcBef>
-              <a:buFont typeface="Arial" panose="020B0604020202020204" pitchFamily="34" charset="0"/>
-              <a:buNone/>
-              <a:defRPr sz="1600" kern="1200">
-                <a:solidFill>
-                  <a:schemeClr val="tx1"/>
-                </a:solidFill>
-                <a:latin typeface="+mn-lt"/>
-                <a:ea typeface="+mn-ea"/>
-                <a:cs typeface="+mn-cs"/>
-              </a:defRPr>
-            </a:lvl6pPr>
-            <a:lvl7pPr marL="2743200" indent="0" algn="ctr" defTabSz="914400" rtl="0" eaLnBrk="1" latinLnBrk="0" hangingPunct="1">
-              <a:lnSpc>
-                <a:spcPct val="90000"/>
-              </a:lnSpc>
-              <a:spcBef>
-                <a:spcPts val="500"/>
-              </a:spcBef>
-              <a:buFont typeface="Arial" panose="020B0604020202020204" pitchFamily="34" charset="0"/>
-              <a:buNone/>
-              <a:defRPr sz="1600" kern="1200">
-                <a:solidFill>
-                  <a:schemeClr val="tx1"/>
-                </a:solidFill>
-                <a:latin typeface="+mn-lt"/>
-                <a:ea typeface="+mn-ea"/>
-                <a:cs typeface="+mn-cs"/>
-              </a:defRPr>
-            </a:lvl7pPr>
-            <a:lvl8pPr marL="3200400" indent="0" algn="ctr" defTabSz="914400" rtl="0" eaLnBrk="1" latinLnBrk="0" hangingPunct="1">
-              <a:lnSpc>
-                <a:spcPct val="90000"/>
-              </a:lnSpc>
-              <a:spcBef>
-                <a:spcPts val="500"/>
-              </a:spcBef>
-              <a:buFont typeface="Arial" panose="020B0604020202020204" pitchFamily="34" charset="0"/>
-              <a:buNone/>
-              <a:defRPr sz="1600" kern="1200">
-                <a:solidFill>
-                  <a:schemeClr val="tx1"/>
-                </a:solidFill>
-                <a:latin typeface="+mn-lt"/>
-                <a:ea typeface="+mn-ea"/>
-                <a:cs typeface="+mn-cs"/>
-              </a:defRPr>
-            </a:lvl8pPr>
-            <a:lvl9pPr marL="3657600" indent="0" algn="ctr" defTabSz="914400" rtl="0" eaLnBrk="1" latinLnBrk="0" hangingPunct="1">
-              <a:lnSpc>
-                <a:spcPct val="90000"/>
-              </a:lnSpc>
-              <a:spcBef>
-                <a:spcPts val="500"/>
-              </a:spcBef>
-              <a:buFont typeface="Arial" panose="020B0604020202020204" pitchFamily="34" charset="0"/>
-              <a:buNone/>
-              <a:defRPr sz="1600" kern="1200">
-                <a:solidFill>
-                  <a:schemeClr val="tx1"/>
-                </a:solidFill>
-                <a:latin typeface="+mn-lt"/>
-                <a:ea typeface="+mn-ea"/>
-                <a:cs typeface="+mn-cs"/>
-              </a:defRPr>
-            </a:lvl9pPr>
-          </a:lstStyle>
-          <a:p>
-            <a:pPr algn="r"/>
-            <a:r>
-              <a:rPr lang="en-US" sz="2800" dirty="0">
-                <a:latin typeface="Selawik Semibold" panose="020B0702040204020203" pitchFamily="34" charset="0"/>
-              </a:rPr>
-              <a:t>The greatest thing that happened to Cleveland is the worst thing that happened to Lebron James.</a:t>
-            </a:r>
-          </a:p>
-          <a:p>
-            <a:pPr algn="r"/>
-            <a:endParaRPr lang="en-US" sz="2800" dirty="0">
-              <a:latin typeface="Selawik Semibold" panose="020B0702040204020203" pitchFamily="34" charset="0"/>
-            </a:endParaRPr>
-          </a:p>
-          <a:p>
-            <a:pPr algn="r"/>
-            <a:r>
-              <a:rPr lang="en-US" sz="2800" dirty="0">
-                <a:latin typeface="Selawik Semibold" panose="020B0702040204020203" pitchFamily="34" charset="0"/>
-              </a:rPr>
-              <a:t>- Mahatma Mario </a:t>
-            </a:r>
-          </a:p>
-          <a:p>
-            <a:pPr lvl="2" algn="r"/>
-            <a:endParaRPr lang="en-US" sz="2800" dirty="0">
-              <a:latin typeface="Selawik Semibold" panose="020B0702040204020203" pitchFamily="34" charset="0"/>
-            </a:endParaRPr>
-          </a:p>
-          <a:p>
-            <a:pPr lvl="2" algn="r"/>
-            <a:endParaRPr lang="en-US" sz="2800" dirty="0">
-              <a:latin typeface="Selawik Semibold" panose="020B0702040204020203" pitchFamily="34" charset="0"/>
-            </a:endParaRPr>
-          </a:p>
-          <a:p>
-            <a:pPr lvl="2" algn="r"/>
-            <a:endParaRPr lang="en-US" sz="2800" dirty="0">
-              <a:latin typeface="Selawik Semibold" panose="020B0702040204020203" pitchFamily="34" charset="0"/>
-            </a:endParaRPr>
-          </a:p>
-        </p:txBody>
-      </p:sp>
-    </p:spTree>
-    <p:extLst>
-      <p:ext uri="{BB962C8B-B14F-4D97-AF65-F5344CB8AC3E}">
-        <p14:creationId xmlns:p14="http://schemas.microsoft.com/office/powerpoint/2010/main" val="1593475065"/>
-      </p:ext>
-    </p:extLst>
-  </p:cSld>
-  <p:clrMapOvr>
-    <a:overrideClrMapping bg1="dk1" tx1="lt1" bg2="dk2" tx2="lt2" accent1="accent1" accent2="accent2" accent3="accent3" accent4="accent4" accent5="accent5" accent6="accent6" hlink="hlink" folHlink="folHlink"/>
-  </p:clrMapOvr>
-</p:sld>
-</file>
-
 <file path=ppt/slides/slide2.xml><?xml version="1.0" encoding="utf-8"?>
 <p:sld xmlns:a="http://schemas.openxmlformats.org/drawingml/2006/main" xmlns:r="http://schemas.openxmlformats.org/officeDocument/2006/relationships" xmlns:p="http://schemas.openxmlformats.org/presentationml/2006/main">
   <p:cSld>
@@ -10929,89 +9681,10 @@
       </p:grpSpPr>
       <p:pic>
         <p:nvPicPr>
-          <p:cNvPr id="23" name="Graphic 22" descr="Basketball">
+          <p:cNvPr id="5" name="Picture 4" descr="A picture containing indoor&#10;&#10;Description automatically generated">
             <a:extLst>
               <a:ext uri="{FF2B5EF4-FFF2-40B4-BE49-F238E27FC236}">
-                <a16:creationId xmlns:a16="http://schemas.microsoft.com/office/drawing/2014/main" id="{E9648A1B-FAF4-4D5E-A5FA-056876B6D1ED}"/>
-              </a:ext>
-            </a:extLst>
-          </p:cNvPr>
-          <p:cNvPicPr>
-            <a:picLocks noChangeAspect="1"/>
-          </p:cNvPicPr>
-          <p:nvPr/>
-        </p:nvPicPr>
-        <p:blipFill>
-          <a:blip r:embed="rId2">
-            <a:extLst>
-              <a:ext uri="{28A0092B-C50C-407E-A947-70E740481C1C}">
-                <a14:useLocalDpi xmlns:a14="http://schemas.microsoft.com/office/drawing/2010/main" val="0"/>
-              </a:ext>
-              <a:ext uri="{96DAC541-7B7A-43D3-8B79-37D633B846F1}">
-                <asvg:svgBlip xmlns:asvg="http://schemas.microsoft.com/office/drawing/2016/SVG/main" r:embed="rId3"/>
-              </a:ext>
-            </a:extLst>
-          </a:blip>
-          <a:stretch>
-            <a:fillRect/>
-          </a:stretch>
-        </p:blipFill>
-        <p:spPr>
-          <a:xfrm>
-            <a:off x="744683" y="-47773"/>
-            <a:ext cx="1236707" cy="1236707"/>
-          </a:xfrm>
-          <a:prstGeom prst="rect">
-            <a:avLst/>
-          </a:prstGeom>
-        </p:spPr>
-      </p:pic>
-      <p:sp>
-        <p:nvSpPr>
-          <p:cNvPr id="2" name="Title 1">
-            <a:extLst>
-              <a:ext uri="{FF2B5EF4-FFF2-40B4-BE49-F238E27FC236}">
-                <a16:creationId xmlns:a16="http://schemas.microsoft.com/office/drawing/2014/main" id="{9DA33D13-A6DD-4F70-90E0-B2FBF766CA6D}"/>
-              </a:ext>
-            </a:extLst>
-          </p:cNvPr>
-          <p:cNvSpPr>
-            <a:spLocks noGrp="1"/>
-          </p:cNvSpPr>
-          <p:nvPr>
-            <p:ph type="title"/>
-          </p:nvPr>
-        </p:nvSpPr>
-        <p:spPr>
-          <a:xfrm>
-            <a:off x="2146146" y="288168"/>
-            <a:ext cx="9746927" cy="772006"/>
-          </a:xfrm>
-        </p:spPr>
-        <p:txBody>
-          <a:bodyPr>
-            <a:normAutofit/>
-          </a:bodyPr>
-          <a:lstStyle/>
-          <a:p>
-            <a:r>
-              <a:rPr lang="en-US" dirty="0">
-                <a:solidFill>
-                  <a:schemeClr val="bg1"/>
-                </a:solidFill>
-                <a:latin typeface="Selawik Semibold" panose="020B0702040204020203" pitchFamily="34" charset="0"/>
-              </a:rPr>
-              <a:t>Fixing College Basketball Games</a:t>
-            </a:r>
-          </a:p>
-        </p:txBody>
-      </p:sp>
-      <p:pic>
-        <p:nvPicPr>
-          <p:cNvPr id="27" name="Picture 26" descr="A close up of a toy&#10;&#10;Description automatically generated">
-            <a:extLst>
-              <a:ext uri="{FF2B5EF4-FFF2-40B4-BE49-F238E27FC236}">
-                <a16:creationId xmlns:a16="http://schemas.microsoft.com/office/drawing/2014/main" id="{F3F65D40-5045-4F6A-881C-5E044D5BEB71}"/>
+                <a16:creationId xmlns:a16="http://schemas.microsoft.com/office/drawing/2014/main" id="{48589EA3-03B9-4D42-8282-8AC52D63CBF3}"/>
               </a:ext>
             </a:extLst>
           </p:cNvPr>
@@ -11021,32 +9694,106 @@
           <p:nvPr/>
         </p:nvPicPr>
         <p:blipFill rotWithShape="1">
-          <a:blip r:embed="rId4">
+          <a:blip r:embed="rId2">
             <a:extLst>
               <a:ext uri="{28A0092B-C50C-407E-A947-70E740481C1C}">
                 <a14:useLocalDpi xmlns:a14="http://schemas.microsoft.com/office/drawing/2010/main" val="0"/>
               </a:ext>
             </a:extLst>
           </a:blip>
-          <a:srcRect t="11405" r="-2" b="25800"/>
+          <a:srcRect l="19805" r="19804" b="-1"/>
           <a:stretch/>
         </p:blipFill>
         <p:spPr>
           <a:xfrm>
-            <a:off x="455571" y="3932600"/>
-            <a:ext cx="1598646" cy="1115388"/>
-          </a:xfrm>
-          <a:prstGeom prst="rect">
-            <a:avLst/>
-          </a:prstGeom>
+            <a:off x="450320" y="0"/>
+            <a:ext cx="6024144" cy="6858000"/>
+          </a:xfrm>
+          <a:custGeom>
+            <a:avLst/>
+            <a:gdLst>
+              <a:gd name="connsiteX0" fmla="*/ 0 w 6024154"/>
+              <a:gd name="connsiteY0" fmla="*/ 0 h 6858000"/>
+              <a:gd name="connsiteX1" fmla="*/ 5953780 w 6024154"/>
+              <a:gd name="connsiteY1" fmla="*/ 0 h 6858000"/>
+              <a:gd name="connsiteX2" fmla="*/ 5989880 w 6024154"/>
+              <a:gd name="connsiteY2" fmla="*/ 284091 h 6858000"/>
+              <a:gd name="connsiteX3" fmla="*/ 6024154 w 6024154"/>
+              <a:gd name="connsiteY3" fmla="*/ 962844 h 6858000"/>
+              <a:gd name="connsiteX4" fmla="*/ 2549934 w 6024154"/>
+              <a:gd name="connsiteY4" fmla="*/ 6800152 h 6858000"/>
+              <a:gd name="connsiteX5" fmla="*/ 2436987 w 6024154"/>
+              <a:gd name="connsiteY5" fmla="*/ 6858000 h 6858000"/>
+              <a:gd name="connsiteX6" fmla="*/ 0 w 6024154"/>
+              <a:gd name="connsiteY6" fmla="*/ 6858000 h 6858000"/>
+            </a:gdLst>
+            <a:ahLst/>
+            <a:cxnLst>
+              <a:cxn ang="0">
+                <a:pos x="connsiteX0" y="connsiteY0"/>
+              </a:cxn>
+              <a:cxn ang="0">
+                <a:pos x="connsiteX1" y="connsiteY1"/>
+              </a:cxn>
+              <a:cxn ang="0">
+                <a:pos x="connsiteX2" y="connsiteY2"/>
+              </a:cxn>
+              <a:cxn ang="0">
+                <a:pos x="connsiteX3" y="connsiteY3"/>
+              </a:cxn>
+              <a:cxn ang="0">
+                <a:pos x="connsiteX4" y="connsiteY4"/>
+              </a:cxn>
+              <a:cxn ang="0">
+                <a:pos x="connsiteX5" y="connsiteY5"/>
+              </a:cxn>
+              <a:cxn ang="0">
+                <a:pos x="connsiteX6" y="connsiteY6"/>
+              </a:cxn>
+            </a:cxnLst>
+            <a:rect l="l" t="t" r="r" b="b"/>
+            <a:pathLst>
+              <a:path w="6024154" h="6858000">
+                <a:moveTo>
+                  <a:pt x="0" y="0"/>
+                </a:moveTo>
+                <a:lnTo>
+                  <a:pt x="5953780" y="0"/>
+                </a:lnTo>
+                <a:lnTo>
+                  <a:pt x="5989880" y="284091"/>
+                </a:lnTo>
+                <a:cubicBezTo>
+                  <a:pt x="6012544" y="507260"/>
+                  <a:pt x="6024154" y="733696"/>
+                  <a:pt x="6024154" y="962844"/>
+                </a:cubicBezTo>
+                <a:cubicBezTo>
+                  <a:pt x="6024154" y="3483472"/>
+                  <a:pt x="4619336" y="5675986"/>
+                  <a:pt x="2549934" y="6800152"/>
+                </a:cubicBezTo>
+                <a:lnTo>
+                  <a:pt x="2436987" y="6858000"/>
+                </a:lnTo>
+                <a:lnTo>
+                  <a:pt x="0" y="6858000"/>
+                </a:lnTo>
+                <a:close/>
+              </a:path>
+            </a:pathLst>
+          </a:custGeom>
+          <a:ln w="28575">
+            <a:noFill/>
+          </a:ln>
         </p:spPr>
       </p:pic>
       <p:sp>
         <p:nvSpPr>
-          <p:cNvPr id="24" name="Content Placeholder 2">
+          <p:cNvPr id="12" name="Title 1">
             <a:extLst>
               <a:ext uri="{FF2B5EF4-FFF2-40B4-BE49-F238E27FC236}">
-                <a16:creationId xmlns:a16="http://schemas.microsoft.com/office/drawing/2014/main" id="{52313B83-B214-43D7-AC39-182CE4FA3E53}"/>
+                <a16:creationId xmlns:a16="http://schemas.microsoft.com/office/drawing/2014/main" id="{0B9C460C-DD3D-4F1C-9FEE-8EC7228DF8C8}"/>
               </a:ext>
             </a:extLst>
           </p:cNvPr>
@@ -11054,3218 +9801,286 @@
             <a:spLocks noGrp="1"/>
           </p:cNvSpPr>
           <p:nvPr>
-            <p:ph idx="1"/>
+            <p:ph type="ctrTitle"/>
           </p:nvPr>
         </p:nvSpPr>
         <p:spPr>
           <a:xfrm>
-            <a:off x="2071468" y="1275565"/>
-            <a:ext cx="6615291" cy="5541546"/>
+            <a:off x="6630235" y="890427"/>
+            <a:ext cx="4577335" cy="1264588"/>
           </a:xfrm>
         </p:spPr>
         <p:txBody>
-          <a:bodyPr>
+          <a:bodyPr anchor="ctr">
+            <a:normAutofit fontScale="90000"/>
+          </a:bodyPr>
+          <a:lstStyle/>
+          <a:p>
+            <a:pPr algn="ctr"/>
+            <a:r>
+              <a:rPr lang="en-US" sz="6000" dirty="0">
+                <a:latin typeface="Selawik Semibold" panose="020B0702040204020203" pitchFamily="34" charset="0"/>
+              </a:rPr>
+              <a:t>Final </a:t>
+            </a:r>
+            <a:br>
+              <a:rPr lang="en-US" sz="6000" dirty="0">
+                <a:latin typeface="Selawik Semibold" panose="020B0702040204020203" pitchFamily="34" charset="0"/>
+              </a:rPr>
+            </a:br>
+            <a:r>
+              <a:rPr lang="en-US" sz="6000" dirty="0">
+                <a:latin typeface="Selawik Semibold" panose="020B0702040204020203" pitchFamily="34" charset="0"/>
+              </a:rPr>
+              <a:t>Inspiration</a:t>
+            </a:r>
+          </a:p>
+        </p:txBody>
+      </p:sp>
+      <p:sp>
+        <p:nvSpPr>
+          <p:cNvPr id="16" name="Content Placeholder 8">
+            <a:extLst>
+              <a:ext uri="{FF2B5EF4-FFF2-40B4-BE49-F238E27FC236}">
+                <a16:creationId xmlns:a16="http://schemas.microsoft.com/office/drawing/2014/main" id="{EFC1D832-5298-413A-ACCB-93C0C72C636D}"/>
+              </a:ext>
+            </a:extLst>
+          </p:cNvPr>
+          <p:cNvSpPr txBox="1">
+            <a:spLocks/>
+          </p:cNvSpPr>
+          <p:nvPr/>
+        </p:nvSpPr>
+        <p:spPr>
+          <a:xfrm>
+            <a:off x="5478102" y="4344069"/>
+            <a:ext cx="5729468" cy="3247008"/>
+          </a:xfrm>
+          <a:prstGeom prst="rect">
+            <a:avLst/>
+          </a:prstGeom>
+        </p:spPr>
+        <p:txBody>
+          <a:bodyPr vert="horz" lIns="91440" tIns="45720" rIns="91440" bIns="45720" rtlCol="0">
             <a:normAutofit/>
           </a:bodyPr>
-          <a:lstStyle/>
-          <a:p>
-            <a:pPr>
-              <a:buSzPct val="100000"/>
-            </a:pPr>
-            <a:r>
-              <a:rPr lang="en-US" sz="2400" dirty="0">
+          <a:lstStyle>
+            <a:lvl1pPr marL="0" indent="0" algn="ctr" defTabSz="914400" rtl="0" eaLnBrk="1" latinLnBrk="0" hangingPunct="1">
+              <a:lnSpc>
+                <a:spcPct val="90000"/>
+              </a:lnSpc>
+              <a:spcBef>
+                <a:spcPts val="1000"/>
+              </a:spcBef>
+              <a:buFont typeface="Arial" panose="020B0604020202020204" pitchFamily="34" charset="0"/>
+              <a:buNone/>
+              <a:defRPr sz="2400" kern="1200">
                 <a:solidFill>
-                  <a:schemeClr val="bg1"/>
+                  <a:schemeClr val="tx1"/>
                 </a:solidFill>
+                <a:latin typeface="+mn-lt"/>
+                <a:ea typeface="+mn-ea"/>
+                <a:cs typeface="+mn-cs"/>
+              </a:defRPr>
+            </a:lvl1pPr>
+            <a:lvl2pPr marL="457200" indent="0" algn="ctr" defTabSz="914400" rtl="0" eaLnBrk="1" latinLnBrk="0" hangingPunct="1">
+              <a:lnSpc>
+                <a:spcPct val="90000"/>
+              </a:lnSpc>
+              <a:spcBef>
+                <a:spcPts val="500"/>
+              </a:spcBef>
+              <a:buFont typeface="Arial" panose="020B0604020202020204" pitchFamily="34" charset="0"/>
+              <a:buNone/>
+              <a:defRPr sz="2000" kern="1200">
+                <a:solidFill>
+                  <a:schemeClr val="tx1"/>
+                </a:solidFill>
+                <a:latin typeface="+mn-lt"/>
+                <a:ea typeface="+mn-ea"/>
+                <a:cs typeface="+mn-cs"/>
+              </a:defRPr>
+            </a:lvl2pPr>
+            <a:lvl3pPr marL="914400" indent="0" algn="ctr" defTabSz="914400" rtl="0" eaLnBrk="1" latinLnBrk="0" hangingPunct="1">
+              <a:lnSpc>
+                <a:spcPct val="90000"/>
+              </a:lnSpc>
+              <a:spcBef>
+                <a:spcPts val="500"/>
+              </a:spcBef>
+              <a:buFont typeface="Arial" panose="020B0604020202020204" pitchFamily="34" charset="0"/>
+              <a:buNone/>
+              <a:defRPr sz="1800" kern="1200">
+                <a:solidFill>
+                  <a:schemeClr val="tx1"/>
+                </a:solidFill>
+                <a:latin typeface="+mn-lt"/>
+                <a:ea typeface="+mn-ea"/>
+                <a:cs typeface="+mn-cs"/>
+              </a:defRPr>
+            </a:lvl3pPr>
+            <a:lvl4pPr marL="1371600" indent="0" algn="ctr" defTabSz="914400" rtl="0" eaLnBrk="1" latinLnBrk="0" hangingPunct="1">
+              <a:lnSpc>
+                <a:spcPct val="90000"/>
+              </a:lnSpc>
+              <a:spcBef>
+                <a:spcPts val="500"/>
+              </a:spcBef>
+              <a:buFont typeface="Arial" panose="020B0604020202020204" pitchFamily="34" charset="0"/>
+              <a:buNone/>
+              <a:defRPr sz="1600" kern="1200">
+                <a:solidFill>
+                  <a:schemeClr val="tx1"/>
+                </a:solidFill>
+                <a:latin typeface="+mn-lt"/>
+                <a:ea typeface="+mn-ea"/>
+                <a:cs typeface="+mn-cs"/>
+              </a:defRPr>
+            </a:lvl4pPr>
+            <a:lvl5pPr marL="1828800" indent="0" algn="ctr" defTabSz="914400" rtl="0" eaLnBrk="1" latinLnBrk="0" hangingPunct="1">
+              <a:lnSpc>
+                <a:spcPct val="90000"/>
+              </a:lnSpc>
+              <a:spcBef>
+                <a:spcPts val="500"/>
+              </a:spcBef>
+              <a:buFont typeface="Arial" panose="020B0604020202020204" pitchFamily="34" charset="0"/>
+              <a:buNone/>
+              <a:defRPr sz="1600" kern="1200">
+                <a:solidFill>
+                  <a:schemeClr val="tx1"/>
+                </a:solidFill>
+                <a:latin typeface="+mn-lt"/>
+                <a:ea typeface="+mn-ea"/>
+                <a:cs typeface="+mn-cs"/>
+              </a:defRPr>
+            </a:lvl5pPr>
+            <a:lvl6pPr marL="2286000" indent="0" algn="ctr" defTabSz="914400" rtl="0" eaLnBrk="1" latinLnBrk="0" hangingPunct="1">
+              <a:lnSpc>
+                <a:spcPct val="90000"/>
+              </a:lnSpc>
+              <a:spcBef>
+                <a:spcPts val="500"/>
+              </a:spcBef>
+              <a:buFont typeface="Arial" panose="020B0604020202020204" pitchFamily="34" charset="0"/>
+              <a:buNone/>
+              <a:defRPr sz="1600" kern="1200">
+                <a:solidFill>
+                  <a:schemeClr val="tx1"/>
+                </a:solidFill>
+                <a:latin typeface="+mn-lt"/>
+                <a:ea typeface="+mn-ea"/>
+                <a:cs typeface="+mn-cs"/>
+              </a:defRPr>
+            </a:lvl6pPr>
+            <a:lvl7pPr marL="2743200" indent="0" algn="ctr" defTabSz="914400" rtl="0" eaLnBrk="1" latinLnBrk="0" hangingPunct="1">
+              <a:lnSpc>
+                <a:spcPct val="90000"/>
+              </a:lnSpc>
+              <a:spcBef>
+                <a:spcPts val="500"/>
+              </a:spcBef>
+              <a:buFont typeface="Arial" panose="020B0604020202020204" pitchFamily="34" charset="0"/>
+              <a:buNone/>
+              <a:defRPr sz="1600" kern="1200">
+                <a:solidFill>
+                  <a:schemeClr val="tx1"/>
+                </a:solidFill>
+                <a:latin typeface="+mn-lt"/>
+                <a:ea typeface="+mn-ea"/>
+                <a:cs typeface="+mn-cs"/>
+              </a:defRPr>
+            </a:lvl7pPr>
+            <a:lvl8pPr marL="3200400" indent="0" algn="ctr" defTabSz="914400" rtl="0" eaLnBrk="1" latinLnBrk="0" hangingPunct="1">
+              <a:lnSpc>
+                <a:spcPct val="90000"/>
+              </a:lnSpc>
+              <a:spcBef>
+                <a:spcPts val="500"/>
+              </a:spcBef>
+              <a:buFont typeface="Arial" panose="020B0604020202020204" pitchFamily="34" charset="0"/>
+              <a:buNone/>
+              <a:defRPr sz="1600" kern="1200">
+                <a:solidFill>
+                  <a:schemeClr val="tx1"/>
+                </a:solidFill>
+                <a:latin typeface="+mn-lt"/>
+                <a:ea typeface="+mn-ea"/>
+                <a:cs typeface="+mn-cs"/>
+              </a:defRPr>
+            </a:lvl8pPr>
+            <a:lvl9pPr marL="3657600" indent="0" algn="ctr" defTabSz="914400" rtl="0" eaLnBrk="1" latinLnBrk="0" hangingPunct="1">
+              <a:lnSpc>
+                <a:spcPct val="90000"/>
+              </a:lnSpc>
+              <a:spcBef>
+                <a:spcPts val="500"/>
+              </a:spcBef>
+              <a:buFont typeface="Arial" panose="020B0604020202020204" pitchFamily="34" charset="0"/>
+              <a:buNone/>
+              <a:defRPr sz="1600" kern="1200">
+                <a:solidFill>
+                  <a:schemeClr val="tx1"/>
+                </a:solidFill>
+                <a:latin typeface="+mn-lt"/>
+                <a:ea typeface="+mn-ea"/>
+                <a:cs typeface="+mn-cs"/>
+              </a:defRPr>
+            </a:lvl9pPr>
+          </a:lstStyle>
+          <a:p>
+            <a:pPr algn="r"/>
+            <a:r>
+              <a:rPr lang="en-US" sz="2800" dirty="0">
                 <a:latin typeface="Selawik Semibold" panose="020B0702040204020203" pitchFamily="34" charset="0"/>
               </a:rPr>
-              <a:t>Justin Wolfers</a:t>
-            </a:r>
-          </a:p>
-          <a:p>
-            <a:pPr lvl="1">
-              <a:buSzPct val="100000"/>
-            </a:pPr>
-            <a:r>
-              <a:rPr lang="en-US" sz="2000" dirty="0">
-                <a:solidFill>
-                  <a:schemeClr val="bg1"/>
-                </a:solidFill>
+              <a:t>The greatest thing that happened to Cleveland is the worst thing that happened to Lebron James.</a:t>
+            </a:r>
+          </a:p>
+          <a:p>
+            <a:pPr algn="r"/>
+            <a:endParaRPr lang="en-US" sz="2800" dirty="0">
+              <a:latin typeface="Selawik Semibold" panose="020B0702040204020203" pitchFamily="34" charset="0"/>
+            </a:endParaRPr>
+          </a:p>
+          <a:p>
+            <a:pPr algn="r"/>
+            <a:r>
+              <a:rPr lang="en-US" sz="2800" dirty="0">
                 <a:latin typeface="Selawik Semibold" panose="020B0702040204020203" pitchFamily="34" charset="0"/>
               </a:rPr>
-              <a:t>Professor of Public Policy at Wharton</a:t>
-            </a:r>
-          </a:p>
-          <a:p>
-            <a:pPr lvl="1">
-              <a:buSzPct val="100000"/>
-            </a:pPr>
-            <a:r>
-              <a:rPr lang="en-US" sz="2000" dirty="0">
-                <a:solidFill>
-                  <a:schemeClr val="bg1"/>
-                </a:solidFill>
-                <a:latin typeface="Selawik Semibold" panose="020B0702040204020203" pitchFamily="34" charset="0"/>
-              </a:rPr>
-              <a:t>Claimed 5% of College Basketball Games are Fixed</a:t>
-            </a:r>
-          </a:p>
-          <a:p>
-            <a:pPr lvl="1">
-              <a:buSzPct val="100000"/>
-            </a:pPr>
-            <a:r>
-              <a:rPr lang="en-US" sz="2000" dirty="0">
-                <a:solidFill>
-                  <a:schemeClr val="bg1"/>
-                </a:solidFill>
-                <a:latin typeface="Selawik Semibold" panose="020B0702040204020203" pitchFamily="34" charset="0"/>
-              </a:rPr>
-              <a:t>Players Intentionally Play Worse (Point Shaving)</a:t>
-            </a:r>
-          </a:p>
-          <a:p>
-            <a:pPr lvl="1">
-              <a:buSzPct val="100000"/>
-            </a:pPr>
-            <a:r>
-              <a:rPr lang="en-US" sz="2000" dirty="0">
-                <a:solidFill>
-                  <a:schemeClr val="bg1"/>
-                </a:solidFill>
-                <a:latin typeface="Selawik Semibold" panose="020B0702040204020203" pitchFamily="34" charset="0"/>
-              </a:rPr>
-              <a:t>Is This Claim Defensible or is Justin Salty Because UPenn </a:t>
-            </a:r>
-            <a:r>
-              <a:rPr lang="en-US" sz="2000" dirty="0" err="1">
-                <a:solidFill>
-                  <a:schemeClr val="bg1"/>
-                </a:solidFill>
-                <a:latin typeface="Selawik Semibold" panose="020B0702040204020203" pitchFamily="34" charset="0"/>
-              </a:rPr>
-              <a:t>Ain’t</a:t>
-            </a:r>
-            <a:r>
-              <a:rPr lang="en-US" sz="2000" dirty="0">
-                <a:solidFill>
-                  <a:schemeClr val="bg1"/>
-                </a:solidFill>
-                <a:latin typeface="Selawik Semibold" panose="020B0702040204020203" pitchFamily="34" charset="0"/>
-              </a:rPr>
-              <a:t> Making it to the Tournament?</a:t>
-            </a:r>
-          </a:p>
-          <a:p>
-            <a:pPr lvl="1">
-              <a:buSzPct val="100000"/>
-            </a:pPr>
-            <a:endParaRPr lang="en-US" dirty="0">
-              <a:solidFill>
-                <a:schemeClr val="bg1"/>
-              </a:solidFill>
+              <a:t>- Mahatma Mario </a:t>
+            </a:r>
+          </a:p>
+          <a:p>
+            <a:pPr lvl="2" algn="r"/>
+            <a:endParaRPr lang="en-US" sz="2800" dirty="0">
               <a:latin typeface="Selawik Semibold" panose="020B0702040204020203" pitchFamily="34" charset="0"/>
             </a:endParaRPr>
           </a:p>
           <a:p>
-            <a:pPr>
-              <a:buSzPct val="100000"/>
-            </a:pPr>
-            <a:r>
-              <a:rPr lang="en-US" sz="2400" dirty="0">
-                <a:solidFill>
-                  <a:schemeClr val="bg1"/>
-                </a:solidFill>
-                <a:latin typeface="Selawik Semibold" panose="020B0702040204020203" pitchFamily="34" charset="0"/>
-              </a:rPr>
-              <a:t>Assumptions for Point Spreads</a:t>
-            </a:r>
-          </a:p>
-          <a:p>
-            <a:pPr lvl="1">
-              <a:buSzPct val="100000"/>
-            </a:pPr>
-            <a:r>
-              <a:rPr lang="en-US" sz="2000" dirty="0">
-                <a:solidFill>
-                  <a:schemeClr val="bg1"/>
-                </a:solidFill>
-                <a:latin typeface="Selawik Semibold" panose="020B0702040204020203" pitchFamily="34" charset="0"/>
-              </a:rPr>
-              <a:t>Prediction Errors are Evenly Distributed Around 0 (Unbiased and Symmetric)</a:t>
-            </a:r>
-          </a:p>
-          <a:p>
-            <a:pPr lvl="1">
-              <a:buSzPct val="100000"/>
-            </a:pPr>
-            <a:r>
-              <a:rPr lang="en-US" sz="2000" dirty="0">
-                <a:solidFill>
-                  <a:schemeClr val="bg1"/>
-                </a:solidFill>
-                <a:latin typeface="Selawik Semibold" panose="020B0702040204020203" pitchFamily="34" charset="0"/>
-              </a:rPr>
-              <a:t>Let X = Point Spread of Favorite and E[X] = 7</a:t>
-            </a:r>
-          </a:p>
-          <a:p>
-            <a:pPr lvl="1">
-              <a:buSzPct val="100000"/>
-            </a:pPr>
-            <a:r>
-              <a:rPr lang="en-US" sz="2000" dirty="0">
-                <a:solidFill>
-                  <a:schemeClr val="bg1"/>
-                </a:solidFill>
-                <a:latin typeface="Selawik Semibold" panose="020B0702040204020203" pitchFamily="34" charset="0"/>
-              </a:rPr>
-              <a:t>Consider Intervals:  A=(1,6) &amp; B=(8,13)</a:t>
-            </a:r>
-          </a:p>
-          <a:p>
-            <a:pPr lvl="1">
-              <a:buSzPct val="100000"/>
-            </a:pPr>
-            <a:r>
-              <a:rPr lang="en-US" sz="2000" dirty="0">
-                <a:solidFill>
-                  <a:schemeClr val="bg1"/>
-                </a:solidFill>
-                <a:latin typeface="Selawik Semibold" panose="020B0702040204020203" pitchFamily="34" charset="0"/>
-              </a:rPr>
-              <a:t>We Expect That Over a Long Period…</a:t>
-            </a:r>
-          </a:p>
-          <a:p>
-            <a:pPr lvl="1">
-              <a:buSzPct val="100000"/>
-            </a:pPr>
-            <a:endParaRPr lang="en-US" sz="2000" dirty="0">
-              <a:solidFill>
-                <a:schemeClr val="bg1"/>
-              </a:solidFill>
+            <a:pPr lvl="2" algn="r"/>
+            <a:endParaRPr lang="en-US" sz="2800" dirty="0">
               <a:latin typeface="Selawik Semibold" panose="020B0702040204020203" pitchFamily="34" charset="0"/>
             </a:endParaRPr>
           </a:p>
           <a:p>
-            <a:pPr marL="0" indent="0">
-              <a:buSzPct val="100000"/>
-              <a:buNone/>
-            </a:pPr>
-            <a:endParaRPr lang="en-US" sz="2400" dirty="0">
-              <a:solidFill>
-                <a:schemeClr val="bg1"/>
-              </a:solidFill>
+            <a:pPr lvl="2" algn="r"/>
+            <a:endParaRPr lang="en-US" sz="2800" dirty="0">
               <a:latin typeface="Selawik Semibold" panose="020B0702040204020203" pitchFamily="34" charset="0"/>
             </a:endParaRPr>
           </a:p>
-          <a:p>
-            <a:pPr marL="0" indent="0">
-              <a:buSzPct val="100000"/>
-              <a:buNone/>
-            </a:pPr>
-            <a:endParaRPr lang="en-US" sz="2400" dirty="0">
-              <a:solidFill>
-                <a:schemeClr val="bg1"/>
-              </a:solidFill>
-              <a:latin typeface="Selawik Semibold" panose="020B0702040204020203" pitchFamily="34" charset="0"/>
-            </a:endParaRPr>
-          </a:p>
-          <a:p>
-            <a:pPr lvl="1">
-              <a:buSzPct val="100000"/>
-            </a:pPr>
-            <a:endParaRPr lang="en-US" sz="2000" dirty="0">
-              <a:solidFill>
-                <a:schemeClr val="bg1"/>
-              </a:solidFill>
-              <a:latin typeface="Selawik Semibold" panose="020B0702040204020203" pitchFamily="34" charset="0"/>
-            </a:endParaRPr>
-          </a:p>
         </p:txBody>
       </p:sp>
-      <p:cxnSp>
-        <p:nvCxnSpPr>
-          <p:cNvPr id="33" name="Straight Connector 32">
-            <a:extLst>
-              <a:ext uri="{FF2B5EF4-FFF2-40B4-BE49-F238E27FC236}">
-                <a16:creationId xmlns:a16="http://schemas.microsoft.com/office/drawing/2014/main" id="{1164AB91-DF9B-4348-85B4-B3DBD68D0AB8}"/>
-              </a:ext>
-            </a:extLst>
-          </p:cNvPr>
-          <p:cNvCxnSpPr>
-            <a:cxnSpLocks/>
-          </p:cNvCxnSpPr>
-          <p:nvPr/>
-        </p:nvCxnSpPr>
-        <p:spPr>
-          <a:xfrm flipV="1">
-            <a:off x="1772959" y="1060174"/>
-            <a:ext cx="9513948" cy="40889"/>
-          </a:xfrm>
-          <a:prstGeom prst="line">
-            <a:avLst/>
-          </a:prstGeom>
-          <a:ln w="101600">
-            <a:solidFill>
-              <a:schemeClr val="bg1"/>
-            </a:solidFill>
-          </a:ln>
-        </p:spPr>
-        <p:style>
-          <a:lnRef idx="1">
-            <a:schemeClr val="accent1"/>
-          </a:lnRef>
-          <a:fillRef idx="0">
-            <a:schemeClr val="accent1"/>
-          </a:fillRef>
-          <a:effectRef idx="0">
-            <a:schemeClr val="accent1"/>
-          </a:effectRef>
-          <a:fontRef idx="minor">
-            <a:schemeClr val="tx1"/>
-          </a:fontRef>
-        </p:style>
-      </p:cxnSp>
-      <p:pic>
-        <p:nvPicPr>
-          <p:cNvPr id="35" name="Picture 34" descr="A picture containing clipart&#10;&#10;Description automatically generated">
-            <a:extLst>
-              <a:ext uri="{FF2B5EF4-FFF2-40B4-BE49-F238E27FC236}">
-                <a16:creationId xmlns:a16="http://schemas.microsoft.com/office/drawing/2014/main" id="{36A4252C-FA56-4DE4-B601-DA4D32813E54}"/>
-              </a:ext>
-            </a:extLst>
-          </p:cNvPr>
-          <p:cNvPicPr>
-            <a:picLocks noChangeAspect="1"/>
-          </p:cNvPicPr>
-          <p:nvPr/>
-        </p:nvPicPr>
-        <p:blipFill rotWithShape="1">
-          <a:blip r:embed="rId5">
-            <a:extLst>
-              <a:ext uri="{28A0092B-C50C-407E-A947-70E740481C1C}">
-                <a14:useLocalDpi xmlns:a14="http://schemas.microsoft.com/office/drawing/2010/main" val="0"/>
-              </a:ext>
-            </a:extLst>
-          </a:blip>
-          <a:srcRect l="11332" r="8033" b="-1"/>
-          <a:stretch/>
-        </p:blipFill>
-        <p:spPr>
-          <a:xfrm>
-            <a:off x="450297" y="2817212"/>
-            <a:ext cx="1598904" cy="1115388"/>
-          </a:xfrm>
-          <a:prstGeom prst="rect">
-            <a:avLst/>
-          </a:prstGeom>
-        </p:spPr>
-      </p:pic>
-      <p:cxnSp>
-        <p:nvCxnSpPr>
-          <p:cNvPr id="42" name="Straight Connector 41">
-            <a:extLst>
-              <a:ext uri="{FF2B5EF4-FFF2-40B4-BE49-F238E27FC236}">
-                <a16:creationId xmlns:a16="http://schemas.microsoft.com/office/drawing/2014/main" id="{0AC0AF4A-02B5-401B-9183-DFBDCAC17CB5}"/>
-              </a:ext>
-            </a:extLst>
-          </p:cNvPr>
-          <p:cNvCxnSpPr>
-            <a:cxnSpLocks/>
-          </p:cNvCxnSpPr>
-          <p:nvPr/>
-        </p:nvCxnSpPr>
-        <p:spPr>
-          <a:xfrm flipV="1">
-            <a:off x="1443448" y="1087104"/>
-            <a:ext cx="364940" cy="567192"/>
-          </a:xfrm>
-          <a:prstGeom prst="line">
-            <a:avLst/>
-          </a:prstGeom>
-          <a:ln w="101600">
-            <a:solidFill>
-              <a:schemeClr val="bg1"/>
-            </a:solidFill>
-          </a:ln>
-        </p:spPr>
-        <p:style>
-          <a:lnRef idx="1">
-            <a:schemeClr val="accent1"/>
-          </a:lnRef>
-          <a:fillRef idx="0">
-            <a:schemeClr val="accent1"/>
-          </a:fillRef>
-          <a:effectRef idx="0">
-            <a:schemeClr val="accent1"/>
-          </a:effectRef>
-          <a:fontRef idx="minor">
-            <a:schemeClr val="tx1"/>
-          </a:fontRef>
-        </p:style>
-      </p:cxnSp>
-      <p:cxnSp>
-        <p:nvCxnSpPr>
-          <p:cNvPr id="44" name="Straight Connector 43">
-            <a:extLst>
-              <a:ext uri="{FF2B5EF4-FFF2-40B4-BE49-F238E27FC236}">
-                <a16:creationId xmlns:a16="http://schemas.microsoft.com/office/drawing/2014/main" id="{3C0D842E-CE3C-450F-A5A5-11DDD6118C09}"/>
-              </a:ext>
-            </a:extLst>
-          </p:cNvPr>
-          <p:cNvCxnSpPr>
-            <a:cxnSpLocks/>
-          </p:cNvCxnSpPr>
-          <p:nvPr/>
-        </p:nvCxnSpPr>
-        <p:spPr>
-          <a:xfrm>
-            <a:off x="443317" y="-93164"/>
-            <a:ext cx="1000131" cy="1802428"/>
-          </a:xfrm>
-          <a:prstGeom prst="line">
-            <a:avLst/>
-          </a:prstGeom>
-          <a:ln w="101600">
-            <a:solidFill>
-              <a:schemeClr val="bg1"/>
-            </a:solidFill>
-          </a:ln>
-        </p:spPr>
-        <p:style>
-          <a:lnRef idx="1">
-            <a:schemeClr val="accent1"/>
-          </a:lnRef>
-          <a:fillRef idx="0">
-            <a:schemeClr val="accent1"/>
-          </a:fillRef>
-          <a:effectRef idx="0">
-            <a:schemeClr val="accent1"/>
-          </a:effectRef>
-          <a:fontRef idx="minor">
-            <a:schemeClr val="tx1"/>
-          </a:fontRef>
-        </p:style>
-      </p:cxnSp>
-      <p:cxnSp>
-        <p:nvCxnSpPr>
-          <p:cNvPr id="52" name="Straight Connector 51">
-            <a:extLst>
-              <a:ext uri="{FF2B5EF4-FFF2-40B4-BE49-F238E27FC236}">
-                <a16:creationId xmlns:a16="http://schemas.microsoft.com/office/drawing/2014/main" id="{67D3C56B-D516-4628-8E26-F56918CF8C92}"/>
-              </a:ext>
-            </a:extLst>
-          </p:cNvPr>
-          <p:cNvCxnSpPr>
-            <a:cxnSpLocks/>
-          </p:cNvCxnSpPr>
-          <p:nvPr/>
-        </p:nvCxnSpPr>
-        <p:spPr>
-          <a:xfrm>
-            <a:off x="369948" y="3889614"/>
-            <a:ext cx="1590634" cy="0"/>
-          </a:xfrm>
-          <a:prstGeom prst="line">
-            <a:avLst/>
-          </a:prstGeom>
-          <a:ln w="101600">
-            <a:solidFill>
-              <a:srgbClr val="A6A1A1"/>
-            </a:solidFill>
-          </a:ln>
-        </p:spPr>
-        <p:style>
-          <a:lnRef idx="1">
-            <a:schemeClr val="accent1"/>
-          </a:lnRef>
-          <a:fillRef idx="0">
-            <a:schemeClr val="accent1"/>
-          </a:fillRef>
-          <a:effectRef idx="0">
-            <a:schemeClr val="accent1"/>
-          </a:effectRef>
-          <a:fontRef idx="minor">
-            <a:schemeClr val="tx1"/>
-          </a:fontRef>
-        </p:style>
-      </p:cxnSp>
-      <p:cxnSp>
-        <p:nvCxnSpPr>
-          <p:cNvPr id="57" name="Straight Connector 56">
-            <a:extLst>
-              <a:ext uri="{FF2B5EF4-FFF2-40B4-BE49-F238E27FC236}">
-                <a16:creationId xmlns:a16="http://schemas.microsoft.com/office/drawing/2014/main" id="{B290DB4C-815D-42FC-98C1-898CC129644A}"/>
-              </a:ext>
-            </a:extLst>
-          </p:cNvPr>
-          <p:cNvCxnSpPr>
-            <a:cxnSpLocks/>
-          </p:cNvCxnSpPr>
-          <p:nvPr/>
-        </p:nvCxnSpPr>
-        <p:spPr>
-          <a:xfrm>
-            <a:off x="373606" y="2789797"/>
-            <a:ext cx="1590634" cy="0"/>
-          </a:xfrm>
-          <a:prstGeom prst="line">
-            <a:avLst/>
-          </a:prstGeom>
-          <a:ln w="101600">
-            <a:solidFill>
-              <a:srgbClr val="A6A1A1"/>
-            </a:solidFill>
-          </a:ln>
-        </p:spPr>
-        <p:style>
-          <a:lnRef idx="1">
-            <a:schemeClr val="accent1"/>
-          </a:lnRef>
-          <a:fillRef idx="0">
-            <a:schemeClr val="accent1"/>
-          </a:fillRef>
-          <a:effectRef idx="0">
-            <a:schemeClr val="accent1"/>
-          </a:effectRef>
-          <a:fontRef idx="minor">
-            <a:schemeClr val="tx1"/>
-          </a:fontRef>
-        </p:style>
-      </p:cxnSp>
-      <p:cxnSp>
-        <p:nvCxnSpPr>
-          <p:cNvPr id="58" name="Straight Connector 57">
-            <a:extLst>
-              <a:ext uri="{FF2B5EF4-FFF2-40B4-BE49-F238E27FC236}">
-                <a16:creationId xmlns:a16="http://schemas.microsoft.com/office/drawing/2014/main" id="{B7FDB3DF-10DC-4872-BCF3-6F2CC6DD0F1C}"/>
-              </a:ext>
-            </a:extLst>
-          </p:cNvPr>
-          <p:cNvCxnSpPr>
-            <a:cxnSpLocks/>
-          </p:cNvCxnSpPr>
-          <p:nvPr/>
-        </p:nvCxnSpPr>
-        <p:spPr>
-          <a:xfrm>
-            <a:off x="373606" y="5047988"/>
-            <a:ext cx="1590634" cy="0"/>
-          </a:xfrm>
-          <a:prstGeom prst="line">
-            <a:avLst/>
-          </a:prstGeom>
-          <a:ln w="101600">
-            <a:solidFill>
-              <a:schemeClr val="bg1">
-                <a:lumMod val="65000"/>
-              </a:schemeClr>
-            </a:solidFill>
-          </a:ln>
-        </p:spPr>
-        <p:style>
-          <a:lnRef idx="1">
-            <a:schemeClr val="accent1"/>
-          </a:lnRef>
-          <a:fillRef idx="0">
-            <a:schemeClr val="accent1"/>
-          </a:fillRef>
-          <a:effectRef idx="0">
-            <a:schemeClr val="accent1"/>
-          </a:effectRef>
-          <a:fontRef idx="minor">
-            <a:schemeClr val="tx1"/>
-          </a:fontRef>
-        </p:style>
-      </p:cxnSp>
-      <p:pic>
-        <p:nvPicPr>
-          <p:cNvPr id="61" name="Picture 60" descr="A close up of a toy&#10;&#10;Description automatically generated">
-            <a:extLst>
-              <a:ext uri="{FF2B5EF4-FFF2-40B4-BE49-F238E27FC236}">
-                <a16:creationId xmlns:a16="http://schemas.microsoft.com/office/drawing/2014/main" id="{96AE0023-E4EA-4D16-8B99-96DA8E83150F}"/>
-              </a:ext>
-            </a:extLst>
-          </p:cNvPr>
-          <p:cNvPicPr>
-            <a:picLocks noChangeAspect="1"/>
-          </p:cNvPicPr>
-          <p:nvPr/>
-        </p:nvPicPr>
-        <p:blipFill rotWithShape="1">
-          <a:blip r:embed="rId4">
-            <a:extLst>
-              <a:ext uri="{28A0092B-C50C-407E-A947-70E740481C1C}">
-                <a14:useLocalDpi xmlns:a14="http://schemas.microsoft.com/office/drawing/2010/main" val="0"/>
-              </a:ext>
-            </a:extLst>
-          </a:blip>
-          <a:srcRect t="11405" r="-2" b="25800"/>
-          <a:stretch/>
-        </p:blipFill>
-        <p:spPr>
-          <a:xfrm>
-            <a:off x="455571" y="6190676"/>
-            <a:ext cx="1598646" cy="1115388"/>
-          </a:xfrm>
-          <a:prstGeom prst="rect">
-            <a:avLst/>
-          </a:prstGeom>
-        </p:spPr>
-      </p:pic>
-      <p:pic>
-        <p:nvPicPr>
-          <p:cNvPr id="62" name="Picture 61" descr="A picture containing clipart&#10;&#10;Description automatically generated">
-            <a:extLst>
-              <a:ext uri="{FF2B5EF4-FFF2-40B4-BE49-F238E27FC236}">
-                <a16:creationId xmlns:a16="http://schemas.microsoft.com/office/drawing/2014/main" id="{569B3D08-70E8-4C8B-A239-7C18FB492C6D}"/>
-              </a:ext>
-            </a:extLst>
-          </p:cNvPr>
-          <p:cNvPicPr>
-            <a:picLocks noChangeAspect="1"/>
-          </p:cNvPicPr>
-          <p:nvPr/>
-        </p:nvPicPr>
-        <p:blipFill rotWithShape="1">
-          <a:blip r:embed="rId5">
-            <a:extLst>
-              <a:ext uri="{28A0092B-C50C-407E-A947-70E740481C1C}">
-                <a14:useLocalDpi xmlns:a14="http://schemas.microsoft.com/office/drawing/2010/main" val="0"/>
-              </a:ext>
-            </a:extLst>
-          </a:blip>
-          <a:srcRect l="11332" r="8033" b="-1"/>
-          <a:stretch/>
-        </p:blipFill>
-        <p:spPr>
-          <a:xfrm>
-            <a:off x="450297" y="5075288"/>
-            <a:ext cx="1598904" cy="1115388"/>
-          </a:xfrm>
-          <a:prstGeom prst="rect">
-            <a:avLst/>
-          </a:prstGeom>
-        </p:spPr>
-      </p:pic>
-      <p:cxnSp>
-        <p:nvCxnSpPr>
-          <p:cNvPr id="63" name="Straight Connector 62">
-            <a:extLst>
-              <a:ext uri="{FF2B5EF4-FFF2-40B4-BE49-F238E27FC236}">
-                <a16:creationId xmlns:a16="http://schemas.microsoft.com/office/drawing/2014/main" id="{20DB3758-374A-4C64-B771-E4915100FBBC}"/>
-              </a:ext>
-            </a:extLst>
-          </p:cNvPr>
-          <p:cNvCxnSpPr>
-            <a:cxnSpLocks/>
-          </p:cNvCxnSpPr>
-          <p:nvPr/>
-        </p:nvCxnSpPr>
-        <p:spPr>
-          <a:xfrm>
-            <a:off x="369948" y="6147690"/>
-            <a:ext cx="1590634" cy="0"/>
-          </a:xfrm>
-          <a:prstGeom prst="line">
-            <a:avLst/>
-          </a:prstGeom>
-          <a:ln w="101600">
-            <a:solidFill>
-              <a:srgbClr val="A6A1A1"/>
-            </a:solidFill>
-          </a:ln>
-        </p:spPr>
-        <p:style>
-          <a:lnRef idx="1">
-            <a:schemeClr val="accent1"/>
-          </a:lnRef>
-          <a:fillRef idx="0">
-            <a:schemeClr val="accent1"/>
-          </a:fillRef>
-          <a:effectRef idx="0">
-            <a:schemeClr val="accent1"/>
-          </a:effectRef>
-          <a:fontRef idx="minor">
-            <a:schemeClr val="tx1"/>
-          </a:fontRef>
-        </p:style>
-      </p:cxnSp>
-      <p:cxnSp>
-        <p:nvCxnSpPr>
-          <p:cNvPr id="64" name="Straight Connector 63">
-            <a:extLst>
-              <a:ext uri="{FF2B5EF4-FFF2-40B4-BE49-F238E27FC236}">
-                <a16:creationId xmlns:a16="http://schemas.microsoft.com/office/drawing/2014/main" id="{3BDADCEE-4407-4364-B613-6D0D45453CB7}"/>
-              </a:ext>
-            </a:extLst>
-          </p:cNvPr>
-          <p:cNvCxnSpPr>
-            <a:cxnSpLocks/>
-          </p:cNvCxnSpPr>
-          <p:nvPr/>
-        </p:nvCxnSpPr>
-        <p:spPr>
-          <a:xfrm>
-            <a:off x="373606" y="5047873"/>
-            <a:ext cx="1590634" cy="0"/>
-          </a:xfrm>
-          <a:prstGeom prst="line">
-            <a:avLst/>
-          </a:prstGeom>
-          <a:ln w="101600">
-            <a:solidFill>
-              <a:srgbClr val="A6A1A1"/>
-            </a:solidFill>
-          </a:ln>
-        </p:spPr>
-        <p:style>
-          <a:lnRef idx="1">
-            <a:schemeClr val="accent1"/>
-          </a:lnRef>
-          <a:fillRef idx="0">
-            <a:schemeClr val="accent1"/>
-          </a:fillRef>
-          <a:effectRef idx="0">
-            <a:schemeClr val="accent1"/>
-          </a:effectRef>
-          <a:fontRef idx="minor">
-            <a:schemeClr val="tx1"/>
-          </a:fontRef>
-        </p:style>
-      </p:cxnSp>
-      <p:cxnSp>
-        <p:nvCxnSpPr>
-          <p:cNvPr id="65" name="Straight Connector 64">
-            <a:extLst>
-              <a:ext uri="{FF2B5EF4-FFF2-40B4-BE49-F238E27FC236}">
-                <a16:creationId xmlns:a16="http://schemas.microsoft.com/office/drawing/2014/main" id="{DFF830B1-81C0-4325-8FC2-FD52D52FBC55}"/>
-              </a:ext>
-            </a:extLst>
-          </p:cNvPr>
-          <p:cNvCxnSpPr>
-            <a:cxnSpLocks/>
-          </p:cNvCxnSpPr>
-          <p:nvPr/>
-        </p:nvCxnSpPr>
-        <p:spPr>
-          <a:xfrm>
-            <a:off x="373606" y="7306064"/>
-            <a:ext cx="1590634" cy="0"/>
-          </a:xfrm>
-          <a:prstGeom prst="line">
-            <a:avLst/>
-          </a:prstGeom>
-          <a:ln w="101600">
-            <a:solidFill>
-              <a:schemeClr val="bg1">
-                <a:lumMod val="65000"/>
-              </a:schemeClr>
-            </a:solidFill>
-          </a:ln>
-        </p:spPr>
-        <p:style>
-          <a:lnRef idx="1">
-            <a:schemeClr val="accent1"/>
-          </a:lnRef>
-          <a:fillRef idx="0">
-            <a:schemeClr val="accent1"/>
-          </a:fillRef>
-          <a:effectRef idx="0">
-            <a:schemeClr val="accent1"/>
-          </a:effectRef>
-          <a:fontRef idx="minor">
-            <a:schemeClr val="tx1"/>
-          </a:fontRef>
-        </p:style>
-      </p:cxnSp>
-      <p:cxnSp>
-        <p:nvCxnSpPr>
-          <p:cNvPr id="37" name="Straight Connector 36">
-            <a:extLst>
-              <a:ext uri="{FF2B5EF4-FFF2-40B4-BE49-F238E27FC236}">
-                <a16:creationId xmlns:a16="http://schemas.microsoft.com/office/drawing/2014/main" id="{AD695731-30B6-474A-893D-D960E2F39AF9}"/>
-              </a:ext>
-            </a:extLst>
-          </p:cNvPr>
-          <p:cNvCxnSpPr>
-            <a:cxnSpLocks/>
-          </p:cNvCxnSpPr>
-          <p:nvPr/>
-        </p:nvCxnSpPr>
-        <p:spPr>
-          <a:xfrm flipV="1">
-            <a:off x="2010803" y="1087104"/>
-            <a:ext cx="0" cy="5770896"/>
-          </a:xfrm>
-          <a:prstGeom prst="line">
-            <a:avLst/>
-          </a:prstGeom>
-          <a:ln w="101600">
-            <a:solidFill>
-              <a:schemeClr val="bg1"/>
-            </a:solidFill>
-          </a:ln>
-        </p:spPr>
-        <p:style>
-          <a:lnRef idx="1">
-            <a:schemeClr val="accent1"/>
-          </a:lnRef>
-          <a:fillRef idx="0">
-            <a:schemeClr val="accent1"/>
-          </a:fillRef>
-          <a:effectRef idx="0">
-            <a:schemeClr val="accent1"/>
-          </a:effectRef>
-          <a:fontRef idx="minor">
-            <a:schemeClr val="tx1"/>
-          </a:fontRef>
-        </p:style>
-      </p:cxnSp>
-      <p:pic>
-        <p:nvPicPr>
-          <p:cNvPr id="4" name="Picture 3">
-            <a:extLst>
-              <a:ext uri="{FF2B5EF4-FFF2-40B4-BE49-F238E27FC236}">
-                <a16:creationId xmlns:a16="http://schemas.microsoft.com/office/drawing/2014/main" id="{826D34D4-BDCC-41C3-8478-B0016B6CA41D}"/>
-              </a:ext>
-            </a:extLst>
-          </p:cNvPr>
-          <p:cNvPicPr>
-            <a:picLocks noChangeAspect="1"/>
-          </p:cNvPicPr>
-          <p:nvPr/>
-        </p:nvPicPr>
-        <p:blipFill>
-          <a:blip r:embed="rId6"/>
-          <a:stretch>
-            <a:fillRect/>
-          </a:stretch>
-        </p:blipFill>
-        <p:spPr>
-          <a:xfrm>
-            <a:off x="9243384" y="2332743"/>
-            <a:ext cx="2401943" cy="4415627"/>
-          </a:xfrm>
-          <a:prstGeom prst="rect">
-            <a:avLst/>
-          </a:prstGeom>
-          <a:ln w="38100">
-            <a:solidFill>
-              <a:srgbClr val="A6A1A1"/>
-            </a:solidFill>
-          </a:ln>
-        </p:spPr>
-      </p:pic>
-      <mc:AlternateContent xmlns:mc="http://schemas.openxmlformats.org/markup-compatibility/2006" xmlns:a14="http://schemas.microsoft.com/office/drawing/2010/main">
-        <mc:Choice Requires="a14">
-          <p:sp>
-            <p:nvSpPr>
-              <p:cNvPr id="21" name="TextBox 20">
-                <a:extLst>
-                  <a:ext uri="{FF2B5EF4-FFF2-40B4-BE49-F238E27FC236}">
-                    <a16:creationId xmlns:a16="http://schemas.microsoft.com/office/drawing/2014/main" id="{9466654A-714D-45F2-8F54-EBFF133358D0}"/>
-                  </a:ext>
-                </a:extLst>
-              </p:cNvPr>
-              <p:cNvSpPr txBox="1"/>
-              <p:nvPr/>
-            </p:nvSpPr>
-            <p:spPr>
-              <a:xfrm>
-                <a:off x="1583464" y="5947635"/>
-                <a:ext cx="4512536" cy="400110"/>
-              </a:xfrm>
-              <a:prstGeom prst="rect">
-                <a:avLst/>
-              </a:prstGeom>
-              <a:noFill/>
-            </p:spPr>
-            <p:txBody>
-              <a:bodyPr wrap="square" rtlCol="0">
-                <a:spAutoFit/>
-              </a:bodyPr>
-              <a:lstStyle/>
-              <a:p>
-                <a:pPr/>
-                <a14:m>
-                  <m:oMathPara xmlns:m="http://schemas.openxmlformats.org/officeDocument/2006/math">
-                    <m:oMathParaPr>
-                      <m:jc m:val="centerGroup"/>
-                    </m:oMathParaPr>
-                    <m:oMath xmlns:m="http://schemas.openxmlformats.org/officeDocument/2006/math">
-                      <m:r>
-                        <a:rPr lang="en-US" sz="2000" b="0" i="1" smtClean="0">
-                          <a:solidFill>
-                            <a:schemeClr val="bg1"/>
-                          </a:solidFill>
-                          <a:latin typeface="Cambria Math" panose="02040503050406030204" pitchFamily="18" charset="0"/>
-                        </a:rPr>
-                        <m:t>𝑃</m:t>
-                      </m:r>
-                      <m:d>
-                        <m:dPr>
-                          <m:ctrlPr>
-                            <a:rPr lang="en-US" sz="2000" b="0" i="1" smtClean="0">
-                              <a:solidFill>
-                                <a:schemeClr val="bg1"/>
-                              </a:solidFill>
-                              <a:latin typeface="Cambria Math" panose="02040503050406030204" pitchFamily="18" charset="0"/>
-                            </a:rPr>
-                          </m:ctrlPr>
-                        </m:dPr>
-                        <m:e>
-                          <m:r>
-                            <a:rPr lang="en-US" sz="2000" b="0" i="1" smtClean="0">
-                              <a:solidFill>
-                                <a:schemeClr val="bg1"/>
-                              </a:solidFill>
-                              <a:latin typeface="Cambria Math" panose="02040503050406030204" pitchFamily="18" charset="0"/>
-                            </a:rPr>
-                            <m:t>𝑋</m:t>
-                          </m:r>
-                          <m:r>
-                            <a:rPr lang="en-US" sz="2000" b="0" i="1" smtClean="0">
-                              <a:solidFill>
-                                <a:schemeClr val="bg1"/>
-                              </a:solidFill>
-                              <a:latin typeface="Cambria Math" panose="02040503050406030204" pitchFamily="18" charset="0"/>
-                            </a:rPr>
-                            <m:t>∈</m:t>
-                          </m:r>
-                          <m:r>
-                            <a:rPr lang="en-US" sz="2000" b="0" i="1" smtClean="0">
-                              <a:solidFill>
-                                <a:schemeClr val="bg1"/>
-                              </a:solidFill>
-                              <a:latin typeface="Cambria Math" panose="02040503050406030204" pitchFamily="18" charset="0"/>
-                            </a:rPr>
-                            <m:t>𝐴</m:t>
-                          </m:r>
-                        </m:e>
-                      </m:d>
-                      <m:r>
-                        <a:rPr lang="en-US" sz="2000" b="0" i="1" smtClean="0">
-                          <a:solidFill>
-                            <a:schemeClr val="bg1"/>
-                          </a:solidFill>
-                          <a:latin typeface="Cambria Math" panose="02040503050406030204" pitchFamily="18" charset="0"/>
-                        </a:rPr>
-                        <m:t>≈</m:t>
-                      </m:r>
-                      <m:r>
-                        <a:rPr lang="en-US" sz="2000" b="0" i="1" smtClean="0">
-                          <a:solidFill>
-                            <a:schemeClr val="bg1"/>
-                          </a:solidFill>
-                          <a:latin typeface="Cambria Math" panose="02040503050406030204" pitchFamily="18" charset="0"/>
-                        </a:rPr>
-                        <m:t>𝑃</m:t>
-                      </m:r>
-                      <m:r>
-                        <a:rPr lang="en-US" sz="2000" b="0" i="1" smtClean="0">
-                          <a:solidFill>
-                            <a:schemeClr val="bg1"/>
-                          </a:solidFill>
-                          <a:latin typeface="Cambria Math" panose="02040503050406030204" pitchFamily="18" charset="0"/>
-                        </a:rPr>
-                        <m:t>(</m:t>
-                      </m:r>
-                      <m:r>
-                        <a:rPr lang="en-US" sz="2000" b="0" i="1" smtClean="0">
-                          <a:solidFill>
-                            <a:schemeClr val="bg1"/>
-                          </a:solidFill>
-                          <a:latin typeface="Cambria Math" panose="02040503050406030204" pitchFamily="18" charset="0"/>
-                        </a:rPr>
-                        <m:t>𝑋</m:t>
-                      </m:r>
-                      <m:r>
-                        <a:rPr lang="en-US" sz="2000" b="0" i="1" smtClean="0">
-                          <a:solidFill>
-                            <a:schemeClr val="bg1"/>
-                          </a:solidFill>
-                          <a:latin typeface="Cambria Math" panose="02040503050406030204" pitchFamily="18" charset="0"/>
-                        </a:rPr>
-                        <m:t>∈</m:t>
-                      </m:r>
-                      <m:r>
-                        <a:rPr lang="en-US" sz="2000" b="0" i="1" smtClean="0">
-                          <a:solidFill>
-                            <a:schemeClr val="bg1"/>
-                          </a:solidFill>
-                          <a:latin typeface="Cambria Math" panose="02040503050406030204" pitchFamily="18" charset="0"/>
-                        </a:rPr>
-                        <m:t>𝐵</m:t>
-                      </m:r>
-                      <m:r>
-                        <a:rPr lang="en-US" sz="2000" b="0" i="1" smtClean="0">
-                          <a:solidFill>
-                            <a:schemeClr val="bg1"/>
-                          </a:solidFill>
-                          <a:latin typeface="Cambria Math" panose="02040503050406030204" pitchFamily="18" charset="0"/>
-                        </a:rPr>
-                        <m:t>)</m:t>
-                      </m:r>
-                    </m:oMath>
-                  </m:oMathPara>
-                </a14:m>
-                <a:endParaRPr lang="en-US" sz="2000" dirty="0">
-                  <a:solidFill>
-                    <a:schemeClr val="bg1"/>
-                  </a:solidFill>
-                </a:endParaRPr>
-              </a:p>
-            </p:txBody>
-          </p:sp>
-        </mc:Choice>
-        <mc:Fallback xmlns="">
-          <p:sp>
-            <p:nvSpPr>
-              <p:cNvPr id="21" name="TextBox 20">
-                <a:extLst>
-                  <a:ext uri="{FF2B5EF4-FFF2-40B4-BE49-F238E27FC236}">
-                    <a16:creationId xmlns:a16="http://schemas.microsoft.com/office/drawing/2014/main" id="{9466654A-714D-45F2-8F54-EBFF133358D0}"/>
-                  </a:ext>
-                </a:extLst>
-              </p:cNvPr>
-              <p:cNvSpPr txBox="1">
-                <a:spLocks noRot="1" noChangeAspect="1" noMove="1" noResize="1" noEditPoints="1" noAdjustHandles="1" noChangeArrowheads="1" noChangeShapeType="1" noTextEdit="1"/>
-              </p:cNvSpPr>
-              <p:nvPr/>
-            </p:nvSpPr>
-            <p:spPr>
-              <a:xfrm>
-                <a:off x="1583464" y="5947635"/>
-                <a:ext cx="4512536" cy="400110"/>
-              </a:xfrm>
-              <a:prstGeom prst="rect">
-                <a:avLst/>
-              </a:prstGeom>
-              <a:blipFill>
-                <a:blip r:embed="rId7"/>
-                <a:stretch>
-                  <a:fillRect b="-18462"/>
-                </a:stretch>
-              </a:blipFill>
-            </p:spPr>
-            <p:txBody>
-              <a:bodyPr/>
-              <a:lstStyle/>
-              <a:p>
-                <a:r>
-                  <a:rPr lang="en-US">
-                    <a:noFill/>
-                  </a:rPr>
-                  <a:t> </a:t>
-                </a:r>
-              </a:p>
-            </p:txBody>
-          </p:sp>
-        </mc:Fallback>
-      </mc:AlternateContent>
     </p:spTree>
     <p:extLst>
       <p:ext uri="{BB962C8B-B14F-4D97-AF65-F5344CB8AC3E}">
-        <p14:creationId xmlns:p14="http://schemas.microsoft.com/office/powerpoint/2010/main" val="1558401804"/>
+        <p14:creationId xmlns:p14="http://schemas.microsoft.com/office/powerpoint/2010/main" val="1593475065"/>
       </p:ext>
     </p:extLst>
   </p:cSld>
   <p:clrMapOvr>
-    <a:masterClrMapping/>
-  </p:clrMapOvr>
-</p:sld>
-</file>
-
-<file path=ppt/slides/slide8.xml><?xml version="1.0" encoding="utf-8"?>
-<p:sld xmlns:a="http://schemas.openxmlformats.org/drawingml/2006/main" xmlns:r="http://schemas.openxmlformats.org/officeDocument/2006/relationships" xmlns:p="http://schemas.openxmlformats.org/presentationml/2006/main">
-  <p:cSld>
-    <p:bg>
-      <p:bgPr>
-        <a:solidFill>
-          <a:srgbClr val="395583"/>
-        </a:solidFill>
-        <a:effectLst/>
-      </p:bgPr>
-    </p:bg>
-    <p:spTree>
-      <p:nvGrpSpPr>
-        <p:cNvPr id="1" name=""/>
-        <p:cNvGrpSpPr/>
-        <p:nvPr/>
-      </p:nvGrpSpPr>
-      <p:grpSpPr>
-        <a:xfrm>
-          <a:off x="0" y="0"/>
-          <a:ext cx="0" cy="0"/>
-          <a:chOff x="0" y="0"/>
-          <a:chExt cx="0" cy="0"/>
-        </a:xfrm>
-      </p:grpSpPr>
-      <p:pic>
-        <p:nvPicPr>
-          <p:cNvPr id="23" name="Graphic 22" descr="Basketball">
-            <a:extLst>
-              <a:ext uri="{FF2B5EF4-FFF2-40B4-BE49-F238E27FC236}">
-                <a16:creationId xmlns:a16="http://schemas.microsoft.com/office/drawing/2014/main" id="{E9648A1B-FAF4-4D5E-A5FA-056876B6D1ED}"/>
-              </a:ext>
-            </a:extLst>
-          </p:cNvPr>
-          <p:cNvPicPr>
-            <a:picLocks noChangeAspect="1"/>
-          </p:cNvPicPr>
-          <p:nvPr/>
-        </p:nvPicPr>
-        <p:blipFill>
-          <a:blip r:embed="rId2">
-            <a:extLst>
-              <a:ext uri="{28A0092B-C50C-407E-A947-70E740481C1C}">
-                <a14:useLocalDpi xmlns:a14="http://schemas.microsoft.com/office/drawing/2010/main" val="0"/>
-              </a:ext>
-              <a:ext uri="{96DAC541-7B7A-43D3-8B79-37D633B846F1}">
-                <asvg:svgBlip xmlns:asvg="http://schemas.microsoft.com/office/drawing/2016/SVG/main" r:embed="rId3"/>
-              </a:ext>
-            </a:extLst>
-          </a:blip>
-          <a:stretch>
-            <a:fillRect/>
-          </a:stretch>
-        </p:blipFill>
-        <p:spPr>
-          <a:xfrm>
-            <a:off x="744683" y="-47773"/>
-            <a:ext cx="1236707" cy="1236707"/>
-          </a:xfrm>
-          <a:prstGeom prst="rect">
-            <a:avLst/>
-          </a:prstGeom>
-        </p:spPr>
-      </p:pic>
-      <p:sp>
-        <p:nvSpPr>
-          <p:cNvPr id="2" name="Title 1">
-            <a:extLst>
-              <a:ext uri="{FF2B5EF4-FFF2-40B4-BE49-F238E27FC236}">
-                <a16:creationId xmlns:a16="http://schemas.microsoft.com/office/drawing/2014/main" id="{9DA33D13-A6DD-4F70-90E0-B2FBF766CA6D}"/>
-              </a:ext>
-            </a:extLst>
-          </p:cNvPr>
-          <p:cNvSpPr>
-            <a:spLocks noGrp="1"/>
-          </p:cNvSpPr>
-          <p:nvPr>
-            <p:ph type="title"/>
-          </p:nvPr>
-        </p:nvSpPr>
-        <p:spPr>
-          <a:xfrm>
-            <a:off x="2146146" y="288168"/>
-            <a:ext cx="9746927" cy="772006"/>
-          </a:xfrm>
-        </p:spPr>
-        <p:txBody>
-          <a:bodyPr>
-            <a:normAutofit/>
-          </a:bodyPr>
-          <a:lstStyle/>
-          <a:p>
-            <a:r>
-              <a:rPr lang="en-US" dirty="0">
-                <a:solidFill>
-                  <a:schemeClr val="bg1"/>
-                </a:solidFill>
-                <a:latin typeface="Selawik Semibold" panose="020B0702040204020203" pitchFamily="34" charset="0"/>
-              </a:rPr>
-              <a:t>Fixing College Basketball Games</a:t>
-            </a:r>
-          </a:p>
-        </p:txBody>
-      </p:sp>
-      <p:pic>
-        <p:nvPicPr>
-          <p:cNvPr id="27" name="Picture 26" descr="A close up of a toy&#10;&#10;Description automatically generated">
-            <a:extLst>
-              <a:ext uri="{FF2B5EF4-FFF2-40B4-BE49-F238E27FC236}">
-                <a16:creationId xmlns:a16="http://schemas.microsoft.com/office/drawing/2014/main" id="{F3F65D40-5045-4F6A-881C-5E044D5BEB71}"/>
-              </a:ext>
-            </a:extLst>
-          </p:cNvPr>
-          <p:cNvPicPr>
-            <a:picLocks noChangeAspect="1"/>
-          </p:cNvPicPr>
-          <p:nvPr/>
-        </p:nvPicPr>
-        <p:blipFill rotWithShape="1">
-          <a:blip r:embed="rId4">
-            <a:extLst>
-              <a:ext uri="{28A0092B-C50C-407E-A947-70E740481C1C}">
-                <a14:useLocalDpi xmlns:a14="http://schemas.microsoft.com/office/drawing/2010/main" val="0"/>
-              </a:ext>
-            </a:extLst>
-          </a:blip>
-          <a:srcRect t="11405" r="-2" b="25800"/>
-          <a:stretch/>
-        </p:blipFill>
-        <p:spPr>
-          <a:xfrm>
-            <a:off x="455571" y="3932600"/>
-            <a:ext cx="1598646" cy="1115388"/>
-          </a:xfrm>
-          <a:prstGeom prst="rect">
-            <a:avLst/>
-          </a:prstGeom>
-        </p:spPr>
-      </p:pic>
-      <p:sp>
-        <p:nvSpPr>
-          <p:cNvPr id="24" name="Content Placeholder 2">
-            <a:extLst>
-              <a:ext uri="{FF2B5EF4-FFF2-40B4-BE49-F238E27FC236}">
-                <a16:creationId xmlns:a16="http://schemas.microsoft.com/office/drawing/2014/main" id="{52313B83-B214-43D7-AC39-182CE4FA3E53}"/>
-              </a:ext>
-            </a:extLst>
-          </p:cNvPr>
-          <p:cNvSpPr>
-            <a:spLocks noGrp="1"/>
-          </p:cNvSpPr>
-          <p:nvPr>
-            <p:ph idx="1"/>
-          </p:nvPr>
-        </p:nvSpPr>
-        <p:spPr>
-          <a:xfrm>
-            <a:off x="2071468" y="1275565"/>
-            <a:ext cx="8588810" cy="5541546"/>
-          </a:xfrm>
-        </p:spPr>
-        <p:txBody>
-          <a:bodyPr>
-            <a:normAutofit/>
-          </a:bodyPr>
-          <a:lstStyle/>
-          <a:p>
-            <a:pPr>
-              <a:buSzPct val="100000"/>
-            </a:pPr>
-            <a:r>
-              <a:rPr lang="en-US" sz="2400" dirty="0">
-                <a:solidFill>
-                  <a:schemeClr val="bg1"/>
-                </a:solidFill>
-                <a:latin typeface="Selawik Semibold" panose="020B0702040204020203" pitchFamily="34" charset="0"/>
-              </a:rPr>
-              <a:t>Justin’s Discovery of the Serious Conspiracy</a:t>
-            </a:r>
-          </a:p>
-          <a:p>
-            <a:pPr lvl="1">
-              <a:buSzPct val="100000"/>
-            </a:pPr>
-            <a:r>
-              <a:rPr lang="en-US" sz="2000" dirty="0">
-                <a:solidFill>
-                  <a:schemeClr val="bg1"/>
-                </a:solidFill>
-                <a:latin typeface="Selawik Semibold" panose="020B0702040204020203" pitchFamily="34" charset="0"/>
-              </a:rPr>
-              <a:t>Considered Games Where a Team was Favored by More than 12 Points (Strong Favorites)</a:t>
-            </a:r>
-            <a:br>
-              <a:rPr lang="en-US" sz="2000" dirty="0">
-                <a:solidFill>
-                  <a:schemeClr val="bg1"/>
-                </a:solidFill>
-                <a:latin typeface="Selawik Semibold" panose="020B0702040204020203" pitchFamily="34" charset="0"/>
-              </a:rPr>
-            </a:br>
-            <a:r>
-              <a:rPr lang="en-US" sz="2000" dirty="0">
-                <a:solidFill>
-                  <a:schemeClr val="bg1"/>
-                </a:solidFill>
-                <a:latin typeface="Selawik Semibold" panose="020B0702040204020203" pitchFamily="34" charset="0"/>
-              </a:rPr>
-              <a:t>Forecast Errors Not Symmetrically Distributed</a:t>
-            </a:r>
-          </a:p>
-          <a:p>
-            <a:pPr lvl="1">
-              <a:buSzPct val="100000"/>
-            </a:pPr>
-            <a:r>
-              <a:rPr lang="en-US" sz="2000" dirty="0">
-                <a:solidFill>
-                  <a:schemeClr val="bg1"/>
-                </a:solidFill>
-                <a:latin typeface="Selawik Semibold" panose="020B0702040204020203" pitchFamily="34" charset="0"/>
-              </a:rPr>
-              <a:t>46.2% of the Time, Favorite Won by Less Points</a:t>
-            </a:r>
-          </a:p>
-          <a:p>
-            <a:pPr lvl="1">
-              <a:buSzPct val="100000"/>
-            </a:pPr>
-            <a:r>
-              <a:rPr lang="en-US" sz="2000" dirty="0">
-                <a:solidFill>
-                  <a:schemeClr val="bg1"/>
-                </a:solidFill>
-                <a:latin typeface="Selawik Semibold" panose="020B0702040204020203" pitchFamily="34" charset="0"/>
-              </a:rPr>
-              <a:t>40.7% of the Time, Favorite Won by More Points</a:t>
-            </a:r>
-          </a:p>
-          <a:p>
-            <a:pPr lvl="1">
-              <a:buSzPct val="100000"/>
-            </a:pPr>
-            <a:r>
-              <a:rPr lang="en-US" sz="2000" dirty="0">
-                <a:solidFill>
-                  <a:schemeClr val="bg1"/>
-                </a:solidFill>
-                <a:latin typeface="Selawik Semibold" panose="020B0702040204020203" pitchFamily="34" charset="0"/>
-              </a:rPr>
-              <a:t>The 5.5% Difference Due to Players Cheating?</a:t>
-            </a:r>
-          </a:p>
-          <a:p>
-            <a:pPr lvl="1">
-              <a:buSzPct val="100000"/>
-            </a:pPr>
-            <a:endParaRPr lang="en-US" sz="2000" dirty="0">
-              <a:solidFill>
-                <a:schemeClr val="bg1"/>
-              </a:solidFill>
-              <a:latin typeface="Selawik Semibold" panose="020B0702040204020203" pitchFamily="34" charset="0"/>
-            </a:endParaRPr>
-          </a:p>
-          <a:p>
-            <a:pPr>
-              <a:buSzPct val="100000"/>
-            </a:pPr>
-            <a:r>
-              <a:rPr lang="en-US" sz="2200" dirty="0">
-                <a:solidFill>
-                  <a:schemeClr val="bg1"/>
-                </a:solidFill>
-                <a:latin typeface="Selawik Semibold" panose="020B0702040204020203" pitchFamily="34" charset="0"/>
-              </a:rPr>
-              <a:t>Pr</a:t>
-            </a:r>
-            <a:r>
-              <a:rPr lang="en-US" sz="2400" dirty="0">
-                <a:solidFill>
-                  <a:schemeClr val="bg1"/>
-                </a:solidFill>
-                <a:latin typeface="Selawik Semibold" panose="020B0702040204020203" pitchFamily="34" charset="0"/>
-              </a:rPr>
-              <a:t>oblem With This Conclusion</a:t>
-            </a:r>
-          </a:p>
-          <a:p>
-            <a:pPr lvl="1">
-              <a:buSzPct val="100000"/>
-            </a:pPr>
-            <a:r>
-              <a:rPr lang="en-US" sz="2000" dirty="0">
-                <a:solidFill>
-                  <a:schemeClr val="bg1"/>
-                </a:solidFill>
-                <a:latin typeface="Selawik Semibold" panose="020B0702040204020203" pitchFamily="34" charset="0"/>
-              </a:rPr>
-              <a:t>Spreads Change as People Make Bets</a:t>
-            </a:r>
-          </a:p>
-          <a:p>
-            <a:pPr lvl="1">
-              <a:buSzPct val="100000"/>
-            </a:pPr>
-            <a:r>
-              <a:rPr lang="en-US" sz="2000" dirty="0">
-                <a:solidFill>
-                  <a:schemeClr val="bg1"/>
-                </a:solidFill>
-                <a:latin typeface="Selawik Semibold" panose="020B0702040204020203" pitchFamily="34" charset="0"/>
-              </a:rPr>
-              <a:t>Therefore, Closing Spreads May not Represent  the Actual Expectation of the Spread</a:t>
-            </a:r>
-          </a:p>
-          <a:p>
-            <a:pPr marL="0" indent="0">
-              <a:buSzPct val="100000"/>
-              <a:buNone/>
-            </a:pPr>
-            <a:endParaRPr lang="en-US" sz="2400" dirty="0">
-              <a:solidFill>
-                <a:schemeClr val="bg1"/>
-              </a:solidFill>
-              <a:latin typeface="Selawik Semibold" panose="020B0702040204020203" pitchFamily="34" charset="0"/>
-            </a:endParaRPr>
-          </a:p>
-          <a:p>
-            <a:pPr lvl="1">
-              <a:buSzPct val="100000"/>
-            </a:pPr>
-            <a:endParaRPr lang="en-US" sz="2000" dirty="0">
-              <a:solidFill>
-                <a:schemeClr val="bg1"/>
-              </a:solidFill>
-              <a:latin typeface="Selawik Semibold" panose="020B0702040204020203" pitchFamily="34" charset="0"/>
-            </a:endParaRPr>
-          </a:p>
-        </p:txBody>
-      </p:sp>
-      <p:cxnSp>
-        <p:nvCxnSpPr>
-          <p:cNvPr id="33" name="Straight Connector 32">
-            <a:extLst>
-              <a:ext uri="{FF2B5EF4-FFF2-40B4-BE49-F238E27FC236}">
-                <a16:creationId xmlns:a16="http://schemas.microsoft.com/office/drawing/2014/main" id="{1164AB91-DF9B-4348-85B4-B3DBD68D0AB8}"/>
-              </a:ext>
-            </a:extLst>
-          </p:cNvPr>
-          <p:cNvCxnSpPr>
-            <a:cxnSpLocks/>
-          </p:cNvCxnSpPr>
-          <p:nvPr/>
-        </p:nvCxnSpPr>
-        <p:spPr>
-          <a:xfrm flipV="1">
-            <a:off x="1772959" y="1060174"/>
-            <a:ext cx="9513948" cy="40889"/>
-          </a:xfrm>
-          <a:prstGeom prst="line">
-            <a:avLst/>
-          </a:prstGeom>
-          <a:ln w="101600">
-            <a:solidFill>
-              <a:schemeClr val="bg1"/>
-            </a:solidFill>
-          </a:ln>
-        </p:spPr>
-        <p:style>
-          <a:lnRef idx="1">
-            <a:schemeClr val="accent1"/>
-          </a:lnRef>
-          <a:fillRef idx="0">
-            <a:schemeClr val="accent1"/>
-          </a:fillRef>
-          <a:effectRef idx="0">
-            <a:schemeClr val="accent1"/>
-          </a:effectRef>
-          <a:fontRef idx="minor">
-            <a:schemeClr val="tx1"/>
-          </a:fontRef>
-        </p:style>
-      </p:cxnSp>
-      <p:pic>
-        <p:nvPicPr>
-          <p:cNvPr id="35" name="Picture 34" descr="A picture containing clipart&#10;&#10;Description automatically generated">
-            <a:extLst>
-              <a:ext uri="{FF2B5EF4-FFF2-40B4-BE49-F238E27FC236}">
-                <a16:creationId xmlns:a16="http://schemas.microsoft.com/office/drawing/2014/main" id="{36A4252C-FA56-4DE4-B601-DA4D32813E54}"/>
-              </a:ext>
-            </a:extLst>
-          </p:cNvPr>
-          <p:cNvPicPr>
-            <a:picLocks noChangeAspect="1"/>
-          </p:cNvPicPr>
-          <p:nvPr/>
-        </p:nvPicPr>
-        <p:blipFill rotWithShape="1">
-          <a:blip r:embed="rId5">
-            <a:extLst>
-              <a:ext uri="{28A0092B-C50C-407E-A947-70E740481C1C}">
-                <a14:useLocalDpi xmlns:a14="http://schemas.microsoft.com/office/drawing/2010/main" val="0"/>
-              </a:ext>
-            </a:extLst>
-          </a:blip>
-          <a:srcRect l="11332" r="8033" b="-1"/>
-          <a:stretch/>
-        </p:blipFill>
-        <p:spPr>
-          <a:xfrm>
-            <a:off x="450297" y="2817212"/>
-            <a:ext cx="1598904" cy="1115388"/>
-          </a:xfrm>
-          <a:prstGeom prst="rect">
-            <a:avLst/>
-          </a:prstGeom>
-        </p:spPr>
-      </p:pic>
-      <p:cxnSp>
-        <p:nvCxnSpPr>
-          <p:cNvPr id="42" name="Straight Connector 41">
-            <a:extLst>
-              <a:ext uri="{FF2B5EF4-FFF2-40B4-BE49-F238E27FC236}">
-                <a16:creationId xmlns:a16="http://schemas.microsoft.com/office/drawing/2014/main" id="{0AC0AF4A-02B5-401B-9183-DFBDCAC17CB5}"/>
-              </a:ext>
-            </a:extLst>
-          </p:cNvPr>
-          <p:cNvCxnSpPr>
-            <a:cxnSpLocks/>
-          </p:cNvCxnSpPr>
-          <p:nvPr/>
-        </p:nvCxnSpPr>
-        <p:spPr>
-          <a:xfrm flipV="1">
-            <a:off x="1443448" y="1087104"/>
-            <a:ext cx="364940" cy="567192"/>
-          </a:xfrm>
-          <a:prstGeom prst="line">
-            <a:avLst/>
-          </a:prstGeom>
-          <a:ln w="101600">
-            <a:solidFill>
-              <a:schemeClr val="bg1"/>
-            </a:solidFill>
-          </a:ln>
-        </p:spPr>
-        <p:style>
-          <a:lnRef idx="1">
-            <a:schemeClr val="accent1"/>
-          </a:lnRef>
-          <a:fillRef idx="0">
-            <a:schemeClr val="accent1"/>
-          </a:fillRef>
-          <a:effectRef idx="0">
-            <a:schemeClr val="accent1"/>
-          </a:effectRef>
-          <a:fontRef idx="minor">
-            <a:schemeClr val="tx1"/>
-          </a:fontRef>
-        </p:style>
-      </p:cxnSp>
-      <p:cxnSp>
-        <p:nvCxnSpPr>
-          <p:cNvPr id="44" name="Straight Connector 43">
-            <a:extLst>
-              <a:ext uri="{FF2B5EF4-FFF2-40B4-BE49-F238E27FC236}">
-                <a16:creationId xmlns:a16="http://schemas.microsoft.com/office/drawing/2014/main" id="{3C0D842E-CE3C-450F-A5A5-11DDD6118C09}"/>
-              </a:ext>
-            </a:extLst>
-          </p:cNvPr>
-          <p:cNvCxnSpPr>
-            <a:cxnSpLocks/>
-          </p:cNvCxnSpPr>
-          <p:nvPr/>
-        </p:nvCxnSpPr>
-        <p:spPr>
-          <a:xfrm>
-            <a:off x="443317" y="-93164"/>
-            <a:ext cx="1000131" cy="1802428"/>
-          </a:xfrm>
-          <a:prstGeom prst="line">
-            <a:avLst/>
-          </a:prstGeom>
-          <a:ln w="101600">
-            <a:solidFill>
-              <a:schemeClr val="bg1"/>
-            </a:solidFill>
-          </a:ln>
-        </p:spPr>
-        <p:style>
-          <a:lnRef idx="1">
-            <a:schemeClr val="accent1"/>
-          </a:lnRef>
-          <a:fillRef idx="0">
-            <a:schemeClr val="accent1"/>
-          </a:fillRef>
-          <a:effectRef idx="0">
-            <a:schemeClr val="accent1"/>
-          </a:effectRef>
-          <a:fontRef idx="minor">
-            <a:schemeClr val="tx1"/>
-          </a:fontRef>
-        </p:style>
-      </p:cxnSp>
-      <p:cxnSp>
-        <p:nvCxnSpPr>
-          <p:cNvPr id="52" name="Straight Connector 51">
-            <a:extLst>
-              <a:ext uri="{FF2B5EF4-FFF2-40B4-BE49-F238E27FC236}">
-                <a16:creationId xmlns:a16="http://schemas.microsoft.com/office/drawing/2014/main" id="{67D3C56B-D516-4628-8E26-F56918CF8C92}"/>
-              </a:ext>
-            </a:extLst>
-          </p:cNvPr>
-          <p:cNvCxnSpPr>
-            <a:cxnSpLocks/>
-          </p:cNvCxnSpPr>
-          <p:nvPr/>
-        </p:nvCxnSpPr>
-        <p:spPr>
-          <a:xfrm>
-            <a:off x="369948" y="3889614"/>
-            <a:ext cx="1590634" cy="0"/>
-          </a:xfrm>
-          <a:prstGeom prst="line">
-            <a:avLst/>
-          </a:prstGeom>
-          <a:ln w="101600">
-            <a:solidFill>
-              <a:srgbClr val="A6A1A1"/>
-            </a:solidFill>
-          </a:ln>
-        </p:spPr>
-        <p:style>
-          <a:lnRef idx="1">
-            <a:schemeClr val="accent1"/>
-          </a:lnRef>
-          <a:fillRef idx="0">
-            <a:schemeClr val="accent1"/>
-          </a:fillRef>
-          <a:effectRef idx="0">
-            <a:schemeClr val="accent1"/>
-          </a:effectRef>
-          <a:fontRef idx="minor">
-            <a:schemeClr val="tx1"/>
-          </a:fontRef>
-        </p:style>
-      </p:cxnSp>
-      <p:cxnSp>
-        <p:nvCxnSpPr>
-          <p:cNvPr id="57" name="Straight Connector 56">
-            <a:extLst>
-              <a:ext uri="{FF2B5EF4-FFF2-40B4-BE49-F238E27FC236}">
-                <a16:creationId xmlns:a16="http://schemas.microsoft.com/office/drawing/2014/main" id="{B290DB4C-815D-42FC-98C1-898CC129644A}"/>
-              </a:ext>
-            </a:extLst>
-          </p:cNvPr>
-          <p:cNvCxnSpPr>
-            <a:cxnSpLocks/>
-          </p:cNvCxnSpPr>
-          <p:nvPr/>
-        </p:nvCxnSpPr>
-        <p:spPr>
-          <a:xfrm>
-            <a:off x="373606" y="2789797"/>
-            <a:ext cx="1590634" cy="0"/>
-          </a:xfrm>
-          <a:prstGeom prst="line">
-            <a:avLst/>
-          </a:prstGeom>
-          <a:ln w="101600">
-            <a:solidFill>
-              <a:srgbClr val="A6A1A1"/>
-            </a:solidFill>
-          </a:ln>
-        </p:spPr>
-        <p:style>
-          <a:lnRef idx="1">
-            <a:schemeClr val="accent1"/>
-          </a:lnRef>
-          <a:fillRef idx="0">
-            <a:schemeClr val="accent1"/>
-          </a:fillRef>
-          <a:effectRef idx="0">
-            <a:schemeClr val="accent1"/>
-          </a:effectRef>
-          <a:fontRef idx="minor">
-            <a:schemeClr val="tx1"/>
-          </a:fontRef>
-        </p:style>
-      </p:cxnSp>
-      <p:cxnSp>
-        <p:nvCxnSpPr>
-          <p:cNvPr id="58" name="Straight Connector 57">
-            <a:extLst>
-              <a:ext uri="{FF2B5EF4-FFF2-40B4-BE49-F238E27FC236}">
-                <a16:creationId xmlns:a16="http://schemas.microsoft.com/office/drawing/2014/main" id="{B7FDB3DF-10DC-4872-BCF3-6F2CC6DD0F1C}"/>
-              </a:ext>
-            </a:extLst>
-          </p:cNvPr>
-          <p:cNvCxnSpPr>
-            <a:cxnSpLocks/>
-          </p:cNvCxnSpPr>
-          <p:nvPr/>
-        </p:nvCxnSpPr>
-        <p:spPr>
-          <a:xfrm>
-            <a:off x="373606" y="5047988"/>
-            <a:ext cx="1590634" cy="0"/>
-          </a:xfrm>
-          <a:prstGeom prst="line">
-            <a:avLst/>
-          </a:prstGeom>
-          <a:ln w="101600">
-            <a:solidFill>
-              <a:schemeClr val="bg1">
-                <a:lumMod val="65000"/>
-              </a:schemeClr>
-            </a:solidFill>
-          </a:ln>
-        </p:spPr>
-        <p:style>
-          <a:lnRef idx="1">
-            <a:schemeClr val="accent1"/>
-          </a:lnRef>
-          <a:fillRef idx="0">
-            <a:schemeClr val="accent1"/>
-          </a:fillRef>
-          <a:effectRef idx="0">
-            <a:schemeClr val="accent1"/>
-          </a:effectRef>
-          <a:fontRef idx="minor">
-            <a:schemeClr val="tx1"/>
-          </a:fontRef>
-        </p:style>
-      </p:cxnSp>
-      <p:pic>
-        <p:nvPicPr>
-          <p:cNvPr id="61" name="Picture 60" descr="A close up of a toy&#10;&#10;Description automatically generated">
-            <a:extLst>
-              <a:ext uri="{FF2B5EF4-FFF2-40B4-BE49-F238E27FC236}">
-                <a16:creationId xmlns:a16="http://schemas.microsoft.com/office/drawing/2014/main" id="{96AE0023-E4EA-4D16-8B99-96DA8E83150F}"/>
-              </a:ext>
-            </a:extLst>
-          </p:cNvPr>
-          <p:cNvPicPr>
-            <a:picLocks noChangeAspect="1"/>
-          </p:cNvPicPr>
-          <p:nvPr/>
-        </p:nvPicPr>
-        <p:blipFill rotWithShape="1">
-          <a:blip r:embed="rId4">
-            <a:extLst>
-              <a:ext uri="{28A0092B-C50C-407E-A947-70E740481C1C}">
-                <a14:useLocalDpi xmlns:a14="http://schemas.microsoft.com/office/drawing/2010/main" val="0"/>
-              </a:ext>
-            </a:extLst>
-          </a:blip>
-          <a:srcRect t="11405" r="-2" b="25800"/>
-          <a:stretch/>
-        </p:blipFill>
-        <p:spPr>
-          <a:xfrm>
-            <a:off x="455571" y="6190676"/>
-            <a:ext cx="1598646" cy="1115388"/>
-          </a:xfrm>
-          <a:prstGeom prst="rect">
-            <a:avLst/>
-          </a:prstGeom>
-        </p:spPr>
-      </p:pic>
-      <p:pic>
-        <p:nvPicPr>
-          <p:cNvPr id="62" name="Picture 61" descr="A picture containing clipart&#10;&#10;Description automatically generated">
-            <a:extLst>
-              <a:ext uri="{FF2B5EF4-FFF2-40B4-BE49-F238E27FC236}">
-                <a16:creationId xmlns:a16="http://schemas.microsoft.com/office/drawing/2014/main" id="{569B3D08-70E8-4C8B-A239-7C18FB492C6D}"/>
-              </a:ext>
-            </a:extLst>
-          </p:cNvPr>
-          <p:cNvPicPr>
-            <a:picLocks noChangeAspect="1"/>
-          </p:cNvPicPr>
-          <p:nvPr/>
-        </p:nvPicPr>
-        <p:blipFill rotWithShape="1">
-          <a:blip r:embed="rId5">
-            <a:extLst>
-              <a:ext uri="{28A0092B-C50C-407E-A947-70E740481C1C}">
-                <a14:useLocalDpi xmlns:a14="http://schemas.microsoft.com/office/drawing/2010/main" val="0"/>
-              </a:ext>
-            </a:extLst>
-          </a:blip>
-          <a:srcRect l="11332" r="8033" b="-1"/>
-          <a:stretch/>
-        </p:blipFill>
-        <p:spPr>
-          <a:xfrm>
-            <a:off x="450297" y="5075288"/>
-            <a:ext cx="1598904" cy="1115388"/>
-          </a:xfrm>
-          <a:prstGeom prst="rect">
-            <a:avLst/>
-          </a:prstGeom>
-        </p:spPr>
-      </p:pic>
-      <p:cxnSp>
-        <p:nvCxnSpPr>
-          <p:cNvPr id="63" name="Straight Connector 62">
-            <a:extLst>
-              <a:ext uri="{FF2B5EF4-FFF2-40B4-BE49-F238E27FC236}">
-                <a16:creationId xmlns:a16="http://schemas.microsoft.com/office/drawing/2014/main" id="{20DB3758-374A-4C64-B771-E4915100FBBC}"/>
-              </a:ext>
-            </a:extLst>
-          </p:cNvPr>
-          <p:cNvCxnSpPr>
-            <a:cxnSpLocks/>
-          </p:cNvCxnSpPr>
-          <p:nvPr/>
-        </p:nvCxnSpPr>
-        <p:spPr>
-          <a:xfrm>
-            <a:off x="369948" y="6147690"/>
-            <a:ext cx="1590634" cy="0"/>
-          </a:xfrm>
-          <a:prstGeom prst="line">
-            <a:avLst/>
-          </a:prstGeom>
-          <a:ln w="101600">
-            <a:solidFill>
-              <a:srgbClr val="A6A1A1"/>
-            </a:solidFill>
-          </a:ln>
-        </p:spPr>
-        <p:style>
-          <a:lnRef idx="1">
-            <a:schemeClr val="accent1"/>
-          </a:lnRef>
-          <a:fillRef idx="0">
-            <a:schemeClr val="accent1"/>
-          </a:fillRef>
-          <a:effectRef idx="0">
-            <a:schemeClr val="accent1"/>
-          </a:effectRef>
-          <a:fontRef idx="minor">
-            <a:schemeClr val="tx1"/>
-          </a:fontRef>
-        </p:style>
-      </p:cxnSp>
-      <p:cxnSp>
-        <p:nvCxnSpPr>
-          <p:cNvPr id="64" name="Straight Connector 63">
-            <a:extLst>
-              <a:ext uri="{FF2B5EF4-FFF2-40B4-BE49-F238E27FC236}">
-                <a16:creationId xmlns:a16="http://schemas.microsoft.com/office/drawing/2014/main" id="{3BDADCEE-4407-4364-B613-6D0D45453CB7}"/>
-              </a:ext>
-            </a:extLst>
-          </p:cNvPr>
-          <p:cNvCxnSpPr>
-            <a:cxnSpLocks/>
-          </p:cNvCxnSpPr>
-          <p:nvPr/>
-        </p:nvCxnSpPr>
-        <p:spPr>
-          <a:xfrm>
-            <a:off x="373606" y="5047873"/>
-            <a:ext cx="1590634" cy="0"/>
-          </a:xfrm>
-          <a:prstGeom prst="line">
-            <a:avLst/>
-          </a:prstGeom>
-          <a:ln w="101600">
-            <a:solidFill>
-              <a:srgbClr val="A6A1A1"/>
-            </a:solidFill>
-          </a:ln>
-        </p:spPr>
-        <p:style>
-          <a:lnRef idx="1">
-            <a:schemeClr val="accent1"/>
-          </a:lnRef>
-          <a:fillRef idx="0">
-            <a:schemeClr val="accent1"/>
-          </a:fillRef>
-          <a:effectRef idx="0">
-            <a:schemeClr val="accent1"/>
-          </a:effectRef>
-          <a:fontRef idx="minor">
-            <a:schemeClr val="tx1"/>
-          </a:fontRef>
-        </p:style>
-      </p:cxnSp>
-      <p:cxnSp>
-        <p:nvCxnSpPr>
-          <p:cNvPr id="65" name="Straight Connector 64">
-            <a:extLst>
-              <a:ext uri="{FF2B5EF4-FFF2-40B4-BE49-F238E27FC236}">
-                <a16:creationId xmlns:a16="http://schemas.microsoft.com/office/drawing/2014/main" id="{DFF830B1-81C0-4325-8FC2-FD52D52FBC55}"/>
-              </a:ext>
-            </a:extLst>
-          </p:cNvPr>
-          <p:cNvCxnSpPr>
-            <a:cxnSpLocks/>
-          </p:cNvCxnSpPr>
-          <p:nvPr/>
-        </p:nvCxnSpPr>
-        <p:spPr>
-          <a:xfrm>
-            <a:off x="373606" y="7306064"/>
-            <a:ext cx="1590634" cy="0"/>
-          </a:xfrm>
-          <a:prstGeom prst="line">
-            <a:avLst/>
-          </a:prstGeom>
-          <a:ln w="101600">
-            <a:solidFill>
-              <a:schemeClr val="bg1">
-                <a:lumMod val="65000"/>
-              </a:schemeClr>
-            </a:solidFill>
-          </a:ln>
-        </p:spPr>
-        <p:style>
-          <a:lnRef idx="1">
-            <a:schemeClr val="accent1"/>
-          </a:lnRef>
-          <a:fillRef idx="0">
-            <a:schemeClr val="accent1"/>
-          </a:fillRef>
-          <a:effectRef idx="0">
-            <a:schemeClr val="accent1"/>
-          </a:effectRef>
-          <a:fontRef idx="minor">
-            <a:schemeClr val="tx1"/>
-          </a:fontRef>
-        </p:style>
-      </p:cxnSp>
-      <p:cxnSp>
-        <p:nvCxnSpPr>
-          <p:cNvPr id="37" name="Straight Connector 36">
-            <a:extLst>
-              <a:ext uri="{FF2B5EF4-FFF2-40B4-BE49-F238E27FC236}">
-                <a16:creationId xmlns:a16="http://schemas.microsoft.com/office/drawing/2014/main" id="{AD695731-30B6-474A-893D-D960E2F39AF9}"/>
-              </a:ext>
-            </a:extLst>
-          </p:cNvPr>
-          <p:cNvCxnSpPr>
-            <a:cxnSpLocks/>
-          </p:cNvCxnSpPr>
-          <p:nvPr/>
-        </p:nvCxnSpPr>
-        <p:spPr>
-          <a:xfrm flipV="1">
-            <a:off x="2010803" y="1087104"/>
-            <a:ext cx="0" cy="5770896"/>
-          </a:xfrm>
-          <a:prstGeom prst="line">
-            <a:avLst/>
-          </a:prstGeom>
-          <a:ln w="101600">
-            <a:solidFill>
-              <a:schemeClr val="bg1"/>
-            </a:solidFill>
-          </a:ln>
-        </p:spPr>
-        <p:style>
-          <a:lnRef idx="1">
-            <a:schemeClr val="accent1"/>
-          </a:lnRef>
-          <a:fillRef idx="0">
-            <a:schemeClr val="accent1"/>
-          </a:fillRef>
-          <a:effectRef idx="0">
-            <a:schemeClr val="accent1"/>
-          </a:effectRef>
-          <a:fontRef idx="minor">
-            <a:schemeClr val="tx1"/>
-          </a:fontRef>
-        </p:style>
-      </p:cxnSp>
-    </p:spTree>
-    <p:extLst>
-      <p:ext uri="{BB962C8B-B14F-4D97-AF65-F5344CB8AC3E}">
-        <p14:creationId xmlns:p14="http://schemas.microsoft.com/office/powerpoint/2010/main" val="2889862641"/>
-      </p:ext>
-    </p:extLst>
-  </p:cSld>
-  <p:clrMapOvr>
-    <a:masterClrMapping/>
-  </p:clrMapOvr>
-</p:sld>
-</file>
-
-<file path=ppt/slides/slide9.xml><?xml version="1.0" encoding="utf-8"?>
-<p:sld xmlns:a="http://schemas.openxmlformats.org/drawingml/2006/main" xmlns:r="http://schemas.openxmlformats.org/officeDocument/2006/relationships" xmlns:p="http://schemas.openxmlformats.org/presentationml/2006/main">
-  <p:cSld>
-    <p:bg>
-      <p:bgPr>
-        <a:solidFill>
-          <a:srgbClr val="395583"/>
-        </a:solidFill>
-        <a:effectLst/>
-      </p:bgPr>
-    </p:bg>
-    <p:spTree>
-      <p:nvGrpSpPr>
-        <p:cNvPr id="1" name=""/>
-        <p:cNvGrpSpPr/>
-        <p:nvPr/>
-      </p:nvGrpSpPr>
-      <p:grpSpPr>
-        <a:xfrm>
-          <a:off x="0" y="0"/>
-          <a:ext cx="0" cy="0"/>
-          <a:chOff x="0" y="0"/>
-          <a:chExt cx="0" cy="0"/>
-        </a:xfrm>
-      </p:grpSpPr>
-      <p:pic>
-        <p:nvPicPr>
-          <p:cNvPr id="23" name="Graphic 22" descr="Basketball">
-            <a:extLst>
-              <a:ext uri="{FF2B5EF4-FFF2-40B4-BE49-F238E27FC236}">
-                <a16:creationId xmlns:a16="http://schemas.microsoft.com/office/drawing/2014/main" id="{E9648A1B-FAF4-4D5E-A5FA-056876B6D1ED}"/>
-              </a:ext>
-            </a:extLst>
-          </p:cNvPr>
-          <p:cNvPicPr>
-            <a:picLocks noChangeAspect="1"/>
-          </p:cNvPicPr>
-          <p:nvPr/>
-        </p:nvPicPr>
-        <p:blipFill>
-          <a:blip r:embed="rId2">
-            <a:extLst>
-              <a:ext uri="{28A0092B-C50C-407E-A947-70E740481C1C}">
-                <a14:useLocalDpi xmlns:a14="http://schemas.microsoft.com/office/drawing/2010/main" val="0"/>
-              </a:ext>
-              <a:ext uri="{96DAC541-7B7A-43D3-8B79-37D633B846F1}">
-                <asvg:svgBlip xmlns:asvg="http://schemas.microsoft.com/office/drawing/2016/SVG/main" r:embed="rId3"/>
-              </a:ext>
-            </a:extLst>
-          </a:blip>
-          <a:stretch>
-            <a:fillRect/>
-          </a:stretch>
-        </p:blipFill>
-        <p:spPr>
-          <a:xfrm>
-            <a:off x="744683" y="-47773"/>
-            <a:ext cx="1236707" cy="1236707"/>
-          </a:xfrm>
-          <a:prstGeom prst="rect">
-            <a:avLst/>
-          </a:prstGeom>
-        </p:spPr>
-      </p:pic>
-      <p:sp>
-        <p:nvSpPr>
-          <p:cNvPr id="2" name="Title 1">
-            <a:extLst>
-              <a:ext uri="{FF2B5EF4-FFF2-40B4-BE49-F238E27FC236}">
-                <a16:creationId xmlns:a16="http://schemas.microsoft.com/office/drawing/2014/main" id="{9DA33D13-A6DD-4F70-90E0-B2FBF766CA6D}"/>
-              </a:ext>
-            </a:extLst>
-          </p:cNvPr>
-          <p:cNvSpPr>
-            <a:spLocks noGrp="1"/>
-          </p:cNvSpPr>
-          <p:nvPr>
-            <p:ph type="title"/>
-          </p:nvPr>
-        </p:nvSpPr>
-        <p:spPr>
-          <a:xfrm>
-            <a:off x="2146146" y="288168"/>
-            <a:ext cx="9746927" cy="772006"/>
-          </a:xfrm>
-        </p:spPr>
-        <p:txBody>
-          <a:bodyPr>
-            <a:normAutofit/>
-          </a:bodyPr>
-          <a:lstStyle/>
-          <a:p>
-            <a:r>
-              <a:rPr lang="en-US" dirty="0">
-                <a:solidFill>
-                  <a:schemeClr val="bg1"/>
-                </a:solidFill>
-                <a:latin typeface="Selawik Semibold" panose="020B0702040204020203" pitchFamily="34" charset="0"/>
-              </a:rPr>
-              <a:t>Fixing College Basketball Games</a:t>
-            </a:r>
-          </a:p>
-        </p:txBody>
-      </p:sp>
-      <p:pic>
-        <p:nvPicPr>
-          <p:cNvPr id="27" name="Picture 26" descr="A close up of a toy&#10;&#10;Description automatically generated">
-            <a:extLst>
-              <a:ext uri="{FF2B5EF4-FFF2-40B4-BE49-F238E27FC236}">
-                <a16:creationId xmlns:a16="http://schemas.microsoft.com/office/drawing/2014/main" id="{F3F65D40-5045-4F6A-881C-5E044D5BEB71}"/>
-              </a:ext>
-            </a:extLst>
-          </p:cNvPr>
-          <p:cNvPicPr>
-            <a:picLocks noChangeAspect="1"/>
-          </p:cNvPicPr>
-          <p:nvPr/>
-        </p:nvPicPr>
-        <p:blipFill rotWithShape="1">
-          <a:blip r:embed="rId4">
-            <a:extLst>
-              <a:ext uri="{28A0092B-C50C-407E-A947-70E740481C1C}">
-                <a14:useLocalDpi xmlns:a14="http://schemas.microsoft.com/office/drawing/2010/main" val="0"/>
-              </a:ext>
-            </a:extLst>
-          </a:blip>
-          <a:srcRect t="11405" r="-2" b="25800"/>
-          <a:stretch/>
-        </p:blipFill>
-        <p:spPr>
-          <a:xfrm>
-            <a:off x="455571" y="3932600"/>
-            <a:ext cx="1598646" cy="1115388"/>
-          </a:xfrm>
-          <a:prstGeom prst="rect">
-            <a:avLst/>
-          </a:prstGeom>
-        </p:spPr>
-      </p:pic>
-      <p:sp>
-        <p:nvSpPr>
-          <p:cNvPr id="24" name="Content Placeholder 2">
-            <a:extLst>
-              <a:ext uri="{FF2B5EF4-FFF2-40B4-BE49-F238E27FC236}">
-                <a16:creationId xmlns:a16="http://schemas.microsoft.com/office/drawing/2014/main" id="{52313B83-B214-43D7-AC39-182CE4FA3E53}"/>
-              </a:ext>
-            </a:extLst>
-          </p:cNvPr>
-          <p:cNvSpPr>
-            <a:spLocks noGrp="1"/>
-          </p:cNvSpPr>
-          <p:nvPr>
-            <p:ph idx="1"/>
-          </p:nvPr>
-        </p:nvSpPr>
-        <p:spPr>
-          <a:xfrm>
-            <a:off x="2071468" y="1275565"/>
-            <a:ext cx="8588810" cy="5541546"/>
-          </a:xfrm>
-        </p:spPr>
-        <p:txBody>
-          <a:bodyPr>
-            <a:normAutofit/>
-          </a:bodyPr>
-          <a:lstStyle/>
-          <a:p>
-            <a:pPr>
-              <a:buSzPct val="100000"/>
-            </a:pPr>
-            <a:r>
-              <a:rPr lang="en-US" sz="2400" dirty="0">
-                <a:solidFill>
-                  <a:schemeClr val="bg1"/>
-                </a:solidFill>
-                <a:latin typeface="Selawik Semibold" panose="020B0702040204020203" pitchFamily="34" charset="0"/>
-              </a:rPr>
-              <a:t>General Notation</a:t>
-            </a:r>
-          </a:p>
-          <a:p>
-            <a:pPr lvl="1">
-              <a:buSzPct val="100000"/>
-            </a:pPr>
-            <a:r>
-              <a:rPr lang="en-US" sz="2000" dirty="0">
-                <a:solidFill>
-                  <a:schemeClr val="bg1"/>
-                </a:solidFill>
-                <a:latin typeface="Selawik Semibold" panose="020B0702040204020203" pitchFamily="34" charset="0"/>
-              </a:rPr>
-              <a:t>Let X = Point Spread of Favorite and E[X] = S</a:t>
-            </a:r>
-          </a:p>
-          <a:p>
-            <a:pPr lvl="1">
-              <a:buSzPct val="100000"/>
-            </a:pPr>
-            <a:r>
-              <a:rPr lang="en-US" sz="2000" dirty="0">
-                <a:solidFill>
-                  <a:schemeClr val="bg1"/>
-                </a:solidFill>
-                <a:latin typeface="Selawik Semibold" panose="020B0702040204020203" pitchFamily="34" charset="0"/>
-              </a:rPr>
-              <a:t>Consider Intervals:  A=(1,S-1) &amp; B=(S+1,2S-1)</a:t>
-            </a:r>
-            <a:endParaRPr lang="en-US" sz="2400" dirty="0">
-              <a:solidFill>
-                <a:schemeClr val="bg1"/>
-              </a:solidFill>
-              <a:latin typeface="Selawik Semibold" panose="020B0702040204020203" pitchFamily="34" charset="0"/>
-            </a:endParaRPr>
-          </a:p>
-          <a:p>
-            <a:pPr>
-              <a:buSzPct val="100000"/>
-            </a:pPr>
-            <a:r>
-              <a:rPr lang="en-US" sz="2400" dirty="0">
-                <a:solidFill>
-                  <a:schemeClr val="bg1"/>
-                </a:solidFill>
-                <a:latin typeface="Selawik Semibold" panose="020B0702040204020203" pitchFamily="34" charset="0"/>
-              </a:rPr>
-              <a:t>Rebuttal by Heston and Bernhardt</a:t>
-            </a:r>
-          </a:p>
-          <a:p>
-            <a:pPr lvl="1">
-              <a:buSzPct val="100000"/>
-            </a:pPr>
-            <a:r>
-              <a:rPr lang="en-US" sz="2000" dirty="0">
-                <a:solidFill>
-                  <a:schemeClr val="bg1"/>
-                </a:solidFill>
-                <a:latin typeface="Selawik Semibold" panose="020B0702040204020203" pitchFamily="34" charset="0"/>
-              </a:rPr>
-              <a:t>Examined Strong Favorites Where the Spread Increased from the Opening Line</a:t>
-            </a:r>
-          </a:p>
-          <a:p>
-            <a:pPr lvl="1">
-              <a:buSzPct val="100000"/>
-            </a:pPr>
-            <a:r>
-              <a:rPr lang="en-US" sz="2000" dirty="0">
-                <a:solidFill>
-                  <a:schemeClr val="bg1"/>
-                </a:solidFill>
-                <a:latin typeface="Selawik Semibold" panose="020B0702040204020203" pitchFamily="34" charset="0"/>
-              </a:rPr>
-              <a:t>More Betting on the Favorite Causes this Increase Which Would Lead to a Lack of Incentive for Point Shaving</a:t>
-            </a:r>
-          </a:p>
-          <a:p>
-            <a:pPr marL="274320" lvl="1" indent="0">
-              <a:buSzPct val="100000"/>
-              <a:buNone/>
-            </a:pPr>
-            <a:endParaRPr lang="en-US" sz="2000" dirty="0">
-              <a:solidFill>
-                <a:schemeClr val="bg1"/>
-              </a:solidFill>
-              <a:latin typeface="Selawik Semibold" panose="020B0702040204020203" pitchFamily="34" charset="0"/>
-            </a:endParaRPr>
-          </a:p>
-          <a:p>
-            <a:pPr marL="274320" lvl="1" indent="0">
-              <a:buSzPct val="100000"/>
-              <a:buNone/>
-            </a:pPr>
-            <a:endParaRPr lang="en-US" sz="2000" dirty="0">
-              <a:solidFill>
-                <a:schemeClr val="bg1"/>
-              </a:solidFill>
-              <a:latin typeface="Selawik Semibold" panose="020B0702040204020203" pitchFamily="34" charset="0"/>
-            </a:endParaRPr>
-          </a:p>
-          <a:p>
-            <a:pPr lvl="1">
-              <a:buSzPct val="100000"/>
-            </a:pPr>
-            <a:r>
-              <a:rPr lang="en-US" sz="2000" dirty="0">
-                <a:solidFill>
-                  <a:schemeClr val="bg1"/>
-                </a:solidFill>
-                <a:latin typeface="Selawik Semibold" panose="020B0702040204020203" pitchFamily="34" charset="0"/>
-              </a:rPr>
-              <a:t>Examined Strong Favorites Where the Spread Decreased from the Opening Line</a:t>
-            </a:r>
-          </a:p>
-          <a:p>
-            <a:pPr lvl="1">
-              <a:buSzPct val="100000"/>
-            </a:pPr>
-            <a:r>
-              <a:rPr lang="en-US" sz="2000" dirty="0">
-                <a:solidFill>
-                  <a:schemeClr val="bg1"/>
-                </a:solidFill>
-                <a:latin typeface="Selawik Semibold" panose="020B0702040204020203" pitchFamily="34" charset="0"/>
-              </a:rPr>
-              <a:t>More Betting on the Underdog Causes this Decrease Which Would Lead to an Incentive for Point Shaving</a:t>
-            </a:r>
-          </a:p>
-          <a:p>
-            <a:pPr marL="0" indent="0">
-              <a:buSzPct val="100000"/>
-              <a:buNone/>
-            </a:pPr>
-            <a:endParaRPr lang="en-US" sz="2400" dirty="0">
-              <a:solidFill>
-                <a:schemeClr val="bg1"/>
-              </a:solidFill>
-              <a:latin typeface="Selawik Semibold" panose="020B0702040204020203" pitchFamily="34" charset="0"/>
-            </a:endParaRPr>
-          </a:p>
-          <a:p>
-            <a:pPr lvl="1">
-              <a:buSzPct val="100000"/>
-            </a:pPr>
-            <a:endParaRPr lang="en-US" sz="2000" dirty="0">
-              <a:solidFill>
-                <a:schemeClr val="bg1"/>
-              </a:solidFill>
-              <a:latin typeface="Selawik Semibold" panose="020B0702040204020203" pitchFamily="34" charset="0"/>
-            </a:endParaRPr>
-          </a:p>
-        </p:txBody>
-      </p:sp>
-      <p:cxnSp>
-        <p:nvCxnSpPr>
-          <p:cNvPr id="33" name="Straight Connector 32">
-            <a:extLst>
-              <a:ext uri="{FF2B5EF4-FFF2-40B4-BE49-F238E27FC236}">
-                <a16:creationId xmlns:a16="http://schemas.microsoft.com/office/drawing/2014/main" id="{1164AB91-DF9B-4348-85B4-B3DBD68D0AB8}"/>
-              </a:ext>
-            </a:extLst>
-          </p:cNvPr>
-          <p:cNvCxnSpPr>
-            <a:cxnSpLocks/>
-          </p:cNvCxnSpPr>
-          <p:nvPr/>
-        </p:nvCxnSpPr>
-        <p:spPr>
-          <a:xfrm flipV="1">
-            <a:off x="1772959" y="1060174"/>
-            <a:ext cx="9513948" cy="40889"/>
-          </a:xfrm>
-          <a:prstGeom prst="line">
-            <a:avLst/>
-          </a:prstGeom>
-          <a:ln w="101600">
-            <a:solidFill>
-              <a:schemeClr val="bg1"/>
-            </a:solidFill>
-          </a:ln>
-        </p:spPr>
-        <p:style>
-          <a:lnRef idx="1">
-            <a:schemeClr val="accent1"/>
-          </a:lnRef>
-          <a:fillRef idx="0">
-            <a:schemeClr val="accent1"/>
-          </a:fillRef>
-          <a:effectRef idx="0">
-            <a:schemeClr val="accent1"/>
-          </a:effectRef>
-          <a:fontRef idx="minor">
-            <a:schemeClr val="tx1"/>
-          </a:fontRef>
-        </p:style>
-      </p:cxnSp>
-      <p:pic>
-        <p:nvPicPr>
-          <p:cNvPr id="35" name="Picture 34" descr="A picture containing clipart&#10;&#10;Description automatically generated">
-            <a:extLst>
-              <a:ext uri="{FF2B5EF4-FFF2-40B4-BE49-F238E27FC236}">
-                <a16:creationId xmlns:a16="http://schemas.microsoft.com/office/drawing/2014/main" id="{36A4252C-FA56-4DE4-B601-DA4D32813E54}"/>
-              </a:ext>
-            </a:extLst>
-          </p:cNvPr>
-          <p:cNvPicPr>
-            <a:picLocks noChangeAspect="1"/>
-          </p:cNvPicPr>
-          <p:nvPr/>
-        </p:nvPicPr>
-        <p:blipFill rotWithShape="1">
-          <a:blip r:embed="rId5">
-            <a:extLst>
-              <a:ext uri="{28A0092B-C50C-407E-A947-70E740481C1C}">
-                <a14:useLocalDpi xmlns:a14="http://schemas.microsoft.com/office/drawing/2010/main" val="0"/>
-              </a:ext>
-            </a:extLst>
-          </a:blip>
-          <a:srcRect l="11332" r="8033" b="-1"/>
-          <a:stretch/>
-        </p:blipFill>
-        <p:spPr>
-          <a:xfrm>
-            <a:off x="450297" y="2817212"/>
-            <a:ext cx="1598904" cy="1115388"/>
-          </a:xfrm>
-          <a:prstGeom prst="rect">
-            <a:avLst/>
-          </a:prstGeom>
-        </p:spPr>
-      </p:pic>
-      <p:cxnSp>
-        <p:nvCxnSpPr>
-          <p:cNvPr id="42" name="Straight Connector 41">
-            <a:extLst>
-              <a:ext uri="{FF2B5EF4-FFF2-40B4-BE49-F238E27FC236}">
-                <a16:creationId xmlns:a16="http://schemas.microsoft.com/office/drawing/2014/main" id="{0AC0AF4A-02B5-401B-9183-DFBDCAC17CB5}"/>
-              </a:ext>
-            </a:extLst>
-          </p:cNvPr>
-          <p:cNvCxnSpPr>
-            <a:cxnSpLocks/>
-          </p:cNvCxnSpPr>
-          <p:nvPr/>
-        </p:nvCxnSpPr>
-        <p:spPr>
-          <a:xfrm flipV="1">
-            <a:off x="1443448" y="1087104"/>
-            <a:ext cx="364940" cy="567192"/>
-          </a:xfrm>
-          <a:prstGeom prst="line">
-            <a:avLst/>
-          </a:prstGeom>
-          <a:ln w="101600">
-            <a:solidFill>
-              <a:schemeClr val="bg1"/>
-            </a:solidFill>
-          </a:ln>
-        </p:spPr>
-        <p:style>
-          <a:lnRef idx="1">
-            <a:schemeClr val="accent1"/>
-          </a:lnRef>
-          <a:fillRef idx="0">
-            <a:schemeClr val="accent1"/>
-          </a:fillRef>
-          <a:effectRef idx="0">
-            <a:schemeClr val="accent1"/>
-          </a:effectRef>
-          <a:fontRef idx="minor">
-            <a:schemeClr val="tx1"/>
-          </a:fontRef>
-        </p:style>
-      </p:cxnSp>
-      <p:cxnSp>
-        <p:nvCxnSpPr>
-          <p:cNvPr id="44" name="Straight Connector 43">
-            <a:extLst>
-              <a:ext uri="{FF2B5EF4-FFF2-40B4-BE49-F238E27FC236}">
-                <a16:creationId xmlns:a16="http://schemas.microsoft.com/office/drawing/2014/main" id="{3C0D842E-CE3C-450F-A5A5-11DDD6118C09}"/>
-              </a:ext>
-            </a:extLst>
-          </p:cNvPr>
-          <p:cNvCxnSpPr>
-            <a:cxnSpLocks/>
-          </p:cNvCxnSpPr>
-          <p:nvPr/>
-        </p:nvCxnSpPr>
-        <p:spPr>
-          <a:xfrm>
-            <a:off x="443317" y="-93164"/>
-            <a:ext cx="1000131" cy="1802428"/>
-          </a:xfrm>
-          <a:prstGeom prst="line">
-            <a:avLst/>
-          </a:prstGeom>
-          <a:ln w="101600">
-            <a:solidFill>
-              <a:schemeClr val="bg1"/>
-            </a:solidFill>
-          </a:ln>
-        </p:spPr>
-        <p:style>
-          <a:lnRef idx="1">
-            <a:schemeClr val="accent1"/>
-          </a:lnRef>
-          <a:fillRef idx="0">
-            <a:schemeClr val="accent1"/>
-          </a:fillRef>
-          <a:effectRef idx="0">
-            <a:schemeClr val="accent1"/>
-          </a:effectRef>
-          <a:fontRef idx="minor">
-            <a:schemeClr val="tx1"/>
-          </a:fontRef>
-        </p:style>
-      </p:cxnSp>
-      <p:cxnSp>
-        <p:nvCxnSpPr>
-          <p:cNvPr id="52" name="Straight Connector 51">
-            <a:extLst>
-              <a:ext uri="{FF2B5EF4-FFF2-40B4-BE49-F238E27FC236}">
-                <a16:creationId xmlns:a16="http://schemas.microsoft.com/office/drawing/2014/main" id="{67D3C56B-D516-4628-8E26-F56918CF8C92}"/>
-              </a:ext>
-            </a:extLst>
-          </p:cNvPr>
-          <p:cNvCxnSpPr>
-            <a:cxnSpLocks/>
-          </p:cNvCxnSpPr>
-          <p:nvPr/>
-        </p:nvCxnSpPr>
-        <p:spPr>
-          <a:xfrm>
-            <a:off x="369948" y="3889614"/>
-            <a:ext cx="1590634" cy="0"/>
-          </a:xfrm>
-          <a:prstGeom prst="line">
-            <a:avLst/>
-          </a:prstGeom>
-          <a:ln w="101600">
-            <a:solidFill>
-              <a:srgbClr val="A6A1A1"/>
-            </a:solidFill>
-          </a:ln>
-        </p:spPr>
-        <p:style>
-          <a:lnRef idx="1">
-            <a:schemeClr val="accent1"/>
-          </a:lnRef>
-          <a:fillRef idx="0">
-            <a:schemeClr val="accent1"/>
-          </a:fillRef>
-          <a:effectRef idx="0">
-            <a:schemeClr val="accent1"/>
-          </a:effectRef>
-          <a:fontRef idx="minor">
-            <a:schemeClr val="tx1"/>
-          </a:fontRef>
-        </p:style>
-      </p:cxnSp>
-      <p:cxnSp>
-        <p:nvCxnSpPr>
-          <p:cNvPr id="57" name="Straight Connector 56">
-            <a:extLst>
-              <a:ext uri="{FF2B5EF4-FFF2-40B4-BE49-F238E27FC236}">
-                <a16:creationId xmlns:a16="http://schemas.microsoft.com/office/drawing/2014/main" id="{B290DB4C-815D-42FC-98C1-898CC129644A}"/>
-              </a:ext>
-            </a:extLst>
-          </p:cNvPr>
-          <p:cNvCxnSpPr>
-            <a:cxnSpLocks/>
-          </p:cNvCxnSpPr>
-          <p:nvPr/>
-        </p:nvCxnSpPr>
-        <p:spPr>
-          <a:xfrm>
-            <a:off x="373606" y="2789797"/>
-            <a:ext cx="1590634" cy="0"/>
-          </a:xfrm>
-          <a:prstGeom prst="line">
-            <a:avLst/>
-          </a:prstGeom>
-          <a:ln w="101600">
-            <a:solidFill>
-              <a:srgbClr val="A6A1A1"/>
-            </a:solidFill>
-          </a:ln>
-        </p:spPr>
-        <p:style>
-          <a:lnRef idx="1">
-            <a:schemeClr val="accent1"/>
-          </a:lnRef>
-          <a:fillRef idx="0">
-            <a:schemeClr val="accent1"/>
-          </a:fillRef>
-          <a:effectRef idx="0">
-            <a:schemeClr val="accent1"/>
-          </a:effectRef>
-          <a:fontRef idx="minor">
-            <a:schemeClr val="tx1"/>
-          </a:fontRef>
-        </p:style>
-      </p:cxnSp>
-      <p:cxnSp>
-        <p:nvCxnSpPr>
-          <p:cNvPr id="58" name="Straight Connector 57">
-            <a:extLst>
-              <a:ext uri="{FF2B5EF4-FFF2-40B4-BE49-F238E27FC236}">
-                <a16:creationId xmlns:a16="http://schemas.microsoft.com/office/drawing/2014/main" id="{B7FDB3DF-10DC-4872-BCF3-6F2CC6DD0F1C}"/>
-              </a:ext>
-            </a:extLst>
-          </p:cNvPr>
-          <p:cNvCxnSpPr>
-            <a:cxnSpLocks/>
-          </p:cNvCxnSpPr>
-          <p:nvPr/>
-        </p:nvCxnSpPr>
-        <p:spPr>
-          <a:xfrm>
-            <a:off x="373606" y="5047988"/>
-            <a:ext cx="1590634" cy="0"/>
-          </a:xfrm>
-          <a:prstGeom prst="line">
-            <a:avLst/>
-          </a:prstGeom>
-          <a:ln w="101600">
-            <a:solidFill>
-              <a:schemeClr val="bg1">
-                <a:lumMod val="65000"/>
-              </a:schemeClr>
-            </a:solidFill>
-          </a:ln>
-        </p:spPr>
-        <p:style>
-          <a:lnRef idx="1">
-            <a:schemeClr val="accent1"/>
-          </a:lnRef>
-          <a:fillRef idx="0">
-            <a:schemeClr val="accent1"/>
-          </a:fillRef>
-          <a:effectRef idx="0">
-            <a:schemeClr val="accent1"/>
-          </a:effectRef>
-          <a:fontRef idx="minor">
-            <a:schemeClr val="tx1"/>
-          </a:fontRef>
-        </p:style>
-      </p:cxnSp>
-      <p:pic>
-        <p:nvPicPr>
-          <p:cNvPr id="61" name="Picture 60" descr="A close up of a toy&#10;&#10;Description automatically generated">
-            <a:extLst>
-              <a:ext uri="{FF2B5EF4-FFF2-40B4-BE49-F238E27FC236}">
-                <a16:creationId xmlns:a16="http://schemas.microsoft.com/office/drawing/2014/main" id="{96AE0023-E4EA-4D16-8B99-96DA8E83150F}"/>
-              </a:ext>
-            </a:extLst>
-          </p:cNvPr>
-          <p:cNvPicPr>
-            <a:picLocks noChangeAspect="1"/>
-          </p:cNvPicPr>
-          <p:nvPr/>
-        </p:nvPicPr>
-        <p:blipFill rotWithShape="1">
-          <a:blip r:embed="rId4">
-            <a:extLst>
-              <a:ext uri="{28A0092B-C50C-407E-A947-70E740481C1C}">
-                <a14:useLocalDpi xmlns:a14="http://schemas.microsoft.com/office/drawing/2010/main" val="0"/>
-              </a:ext>
-            </a:extLst>
-          </a:blip>
-          <a:srcRect t="11405" r="-2" b="25800"/>
-          <a:stretch/>
-        </p:blipFill>
-        <p:spPr>
-          <a:xfrm>
-            <a:off x="455571" y="6190676"/>
-            <a:ext cx="1598646" cy="1115388"/>
-          </a:xfrm>
-          <a:prstGeom prst="rect">
-            <a:avLst/>
-          </a:prstGeom>
-        </p:spPr>
-      </p:pic>
-      <p:pic>
-        <p:nvPicPr>
-          <p:cNvPr id="62" name="Picture 61" descr="A picture containing clipart&#10;&#10;Description automatically generated">
-            <a:extLst>
-              <a:ext uri="{FF2B5EF4-FFF2-40B4-BE49-F238E27FC236}">
-                <a16:creationId xmlns:a16="http://schemas.microsoft.com/office/drawing/2014/main" id="{569B3D08-70E8-4C8B-A239-7C18FB492C6D}"/>
-              </a:ext>
-            </a:extLst>
-          </p:cNvPr>
-          <p:cNvPicPr>
-            <a:picLocks noChangeAspect="1"/>
-          </p:cNvPicPr>
-          <p:nvPr/>
-        </p:nvPicPr>
-        <p:blipFill rotWithShape="1">
-          <a:blip r:embed="rId5">
-            <a:extLst>
-              <a:ext uri="{28A0092B-C50C-407E-A947-70E740481C1C}">
-                <a14:useLocalDpi xmlns:a14="http://schemas.microsoft.com/office/drawing/2010/main" val="0"/>
-              </a:ext>
-            </a:extLst>
-          </a:blip>
-          <a:srcRect l="11332" r="8033" b="-1"/>
-          <a:stretch/>
-        </p:blipFill>
-        <p:spPr>
-          <a:xfrm>
-            <a:off x="450297" y="5075288"/>
-            <a:ext cx="1598904" cy="1115388"/>
-          </a:xfrm>
-          <a:prstGeom prst="rect">
-            <a:avLst/>
-          </a:prstGeom>
-        </p:spPr>
-      </p:pic>
-      <p:cxnSp>
-        <p:nvCxnSpPr>
-          <p:cNvPr id="63" name="Straight Connector 62">
-            <a:extLst>
-              <a:ext uri="{FF2B5EF4-FFF2-40B4-BE49-F238E27FC236}">
-                <a16:creationId xmlns:a16="http://schemas.microsoft.com/office/drawing/2014/main" id="{20DB3758-374A-4C64-B771-E4915100FBBC}"/>
-              </a:ext>
-            </a:extLst>
-          </p:cNvPr>
-          <p:cNvCxnSpPr>
-            <a:cxnSpLocks/>
-          </p:cNvCxnSpPr>
-          <p:nvPr/>
-        </p:nvCxnSpPr>
-        <p:spPr>
-          <a:xfrm>
-            <a:off x="369948" y="6147690"/>
-            <a:ext cx="1590634" cy="0"/>
-          </a:xfrm>
-          <a:prstGeom prst="line">
-            <a:avLst/>
-          </a:prstGeom>
-          <a:ln w="101600">
-            <a:solidFill>
-              <a:srgbClr val="A6A1A1"/>
-            </a:solidFill>
-          </a:ln>
-        </p:spPr>
-        <p:style>
-          <a:lnRef idx="1">
-            <a:schemeClr val="accent1"/>
-          </a:lnRef>
-          <a:fillRef idx="0">
-            <a:schemeClr val="accent1"/>
-          </a:fillRef>
-          <a:effectRef idx="0">
-            <a:schemeClr val="accent1"/>
-          </a:effectRef>
-          <a:fontRef idx="minor">
-            <a:schemeClr val="tx1"/>
-          </a:fontRef>
-        </p:style>
-      </p:cxnSp>
-      <p:cxnSp>
-        <p:nvCxnSpPr>
-          <p:cNvPr id="64" name="Straight Connector 63">
-            <a:extLst>
-              <a:ext uri="{FF2B5EF4-FFF2-40B4-BE49-F238E27FC236}">
-                <a16:creationId xmlns:a16="http://schemas.microsoft.com/office/drawing/2014/main" id="{3BDADCEE-4407-4364-B613-6D0D45453CB7}"/>
-              </a:ext>
-            </a:extLst>
-          </p:cNvPr>
-          <p:cNvCxnSpPr>
-            <a:cxnSpLocks/>
-          </p:cNvCxnSpPr>
-          <p:nvPr/>
-        </p:nvCxnSpPr>
-        <p:spPr>
-          <a:xfrm>
-            <a:off x="373606" y="5047873"/>
-            <a:ext cx="1590634" cy="0"/>
-          </a:xfrm>
-          <a:prstGeom prst="line">
-            <a:avLst/>
-          </a:prstGeom>
-          <a:ln w="101600">
-            <a:solidFill>
-              <a:srgbClr val="A6A1A1"/>
-            </a:solidFill>
-          </a:ln>
-        </p:spPr>
-        <p:style>
-          <a:lnRef idx="1">
-            <a:schemeClr val="accent1"/>
-          </a:lnRef>
-          <a:fillRef idx="0">
-            <a:schemeClr val="accent1"/>
-          </a:fillRef>
-          <a:effectRef idx="0">
-            <a:schemeClr val="accent1"/>
-          </a:effectRef>
-          <a:fontRef idx="minor">
-            <a:schemeClr val="tx1"/>
-          </a:fontRef>
-        </p:style>
-      </p:cxnSp>
-      <p:cxnSp>
-        <p:nvCxnSpPr>
-          <p:cNvPr id="65" name="Straight Connector 64">
-            <a:extLst>
-              <a:ext uri="{FF2B5EF4-FFF2-40B4-BE49-F238E27FC236}">
-                <a16:creationId xmlns:a16="http://schemas.microsoft.com/office/drawing/2014/main" id="{DFF830B1-81C0-4325-8FC2-FD52D52FBC55}"/>
-              </a:ext>
-            </a:extLst>
-          </p:cNvPr>
-          <p:cNvCxnSpPr>
-            <a:cxnSpLocks/>
-          </p:cNvCxnSpPr>
-          <p:nvPr/>
-        </p:nvCxnSpPr>
-        <p:spPr>
-          <a:xfrm>
-            <a:off x="373606" y="7306064"/>
-            <a:ext cx="1590634" cy="0"/>
-          </a:xfrm>
-          <a:prstGeom prst="line">
-            <a:avLst/>
-          </a:prstGeom>
-          <a:ln w="101600">
-            <a:solidFill>
-              <a:schemeClr val="bg1">
-                <a:lumMod val="65000"/>
-              </a:schemeClr>
-            </a:solidFill>
-          </a:ln>
-        </p:spPr>
-        <p:style>
-          <a:lnRef idx="1">
-            <a:schemeClr val="accent1"/>
-          </a:lnRef>
-          <a:fillRef idx="0">
-            <a:schemeClr val="accent1"/>
-          </a:fillRef>
-          <a:effectRef idx="0">
-            <a:schemeClr val="accent1"/>
-          </a:effectRef>
-          <a:fontRef idx="minor">
-            <a:schemeClr val="tx1"/>
-          </a:fontRef>
-        </p:style>
-      </p:cxnSp>
-      <p:cxnSp>
-        <p:nvCxnSpPr>
-          <p:cNvPr id="37" name="Straight Connector 36">
-            <a:extLst>
-              <a:ext uri="{FF2B5EF4-FFF2-40B4-BE49-F238E27FC236}">
-                <a16:creationId xmlns:a16="http://schemas.microsoft.com/office/drawing/2014/main" id="{AD695731-30B6-474A-893D-D960E2F39AF9}"/>
-              </a:ext>
-            </a:extLst>
-          </p:cNvPr>
-          <p:cNvCxnSpPr>
-            <a:cxnSpLocks/>
-          </p:cNvCxnSpPr>
-          <p:nvPr/>
-        </p:nvCxnSpPr>
-        <p:spPr>
-          <a:xfrm flipV="1">
-            <a:off x="2010803" y="1087104"/>
-            <a:ext cx="0" cy="5770896"/>
-          </a:xfrm>
-          <a:prstGeom prst="line">
-            <a:avLst/>
-          </a:prstGeom>
-          <a:ln w="101600">
-            <a:solidFill>
-              <a:schemeClr val="bg1"/>
-            </a:solidFill>
-          </a:ln>
-        </p:spPr>
-        <p:style>
-          <a:lnRef idx="1">
-            <a:schemeClr val="accent1"/>
-          </a:lnRef>
-          <a:fillRef idx="0">
-            <a:schemeClr val="accent1"/>
-          </a:fillRef>
-          <a:effectRef idx="0">
-            <a:schemeClr val="accent1"/>
-          </a:effectRef>
-          <a:fontRef idx="minor">
-            <a:schemeClr val="tx1"/>
-          </a:fontRef>
-        </p:style>
-      </p:cxnSp>
-      <mc:AlternateContent xmlns:mc="http://schemas.openxmlformats.org/markup-compatibility/2006" xmlns:a14="http://schemas.microsoft.com/office/drawing/2010/main">
-        <mc:Choice Requires="a14">
-          <p:sp>
-            <p:nvSpPr>
-              <p:cNvPr id="22" name="TextBox 21">
-                <a:extLst>
-                  <a:ext uri="{FF2B5EF4-FFF2-40B4-BE49-F238E27FC236}">
-                    <a16:creationId xmlns:a16="http://schemas.microsoft.com/office/drawing/2014/main" id="{B8E9D250-5B93-4FC2-923B-CC26509F87EA}"/>
-                  </a:ext>
-                </a:extLst>
-              </p:cNvPr>
-              <p:cNvSpPr txBox="1"/>
-              <p:nvPr/>
-            </p:nvSpPr>
-            <p:spPr>
-              <a:xfrm>
-                <a:off x="1885553" y="4325325"/>
-                <a:ext cx="6283666" cy="400110"/>
-              </a:xfrm>
-              <a:prstGeom prst="rect">
-                <a:avLst/>
-              </a:prstGeom>
-              <a:noFill/>
-            </p:spPr>
-            <p:txBody>
-              <a:bodyPr wrap="square" rtlCol="0">
-                <a:spAutoFit/>
-              </a:bodyPr>
-              <a:lstStyle/>
-              <a:p>
-                <a:pPr/>
-                <a14:m>
-                  <m:oMathPara xmlns:m="http://schemas.openxmlformats.org/officeDocument/2006/math">
-                    <m:oMathParaPr>
-                      <m:jc m:val="centerGroup"/>
-                    </m:oMathParaPr>
-                    <m:oMath xmlns:m="http://schemas.openxmlformats.org/officeDocument/2006/math">
-                      <m:r>
-                        <a:rPr lang="en-US" sz="2000" b="0" i="1" smtClean="0">
-                          <a:solidFill>
-                            <a:schemeClr val="bg1"/>
-                          </a:solidFill>
-                          <a:latin typeface="Cambria Math" panose="02040503050406030204" pitchFamily="18" charset="0"/>
-                        </a:rPr>
-                        <m:t>𝑃</m:t>
-                      </m:r>
-                      <m:d>
-                        <m:dPr>
-                          <m:ctrlPr>
-                            <a:rPr lang="en-US" sz="2000" b="0" i="1" smtClean="0">
-                              <a:solidFill>
-                                <a:schemeClr val="bg1"/>
-                              </a:solidFill>
-                              <a:latin typeface="Cambria Math" panose="02040503050406030204" pitchFamily="18" charset="0"/>
-                            </a:rPr>
-                          </m:ctrlPr>
-                        </m:dPr>
-                        <m:e>
-                          <m:r>
-                            <a:rPr lang="en-US" sz="2000" b="0" i="1" smtClean="0">
-                              <a:solidFill>
-                                <a:schemeClr val="bg1"/>
-                              </a:solidFill>
-                              <a:latin typeface="Cambria Math" panose="02040503050406030204" pitchFamily="18" charset="0"/>
-                            </a:rPr>
-                            <m:t>𝑋</m:t>
-                          </m:r>
-                          <m:r>
-                            <a:rPr lang="en-US" sz="2000" b="0" i="1" smtClean="0">
-                              <a:solidFill>
-                                <a:schemeClr val="bg1"/>
-                              </a:solidFill>
-                              <a:latin typeface="Cambria Math" panose="02040503050406030204" pitchFamily="18" charset="0"/>
-                            </a:rPr>
-                            <m:t>∈</m:t>
-                          </m:r>
-                          <m:r>
-                            <a:rPr lang="en-US" sz="2000" b="0" i="1" smtClean="0">
-                              <a:solidFill>
-                                <a:schemeClr val="bg1"/>
-                              </a:solidFill>
-                              <a:latin typeface="Cambria Math" panose="02040503050406030204" pitchFamily="18" charset="0"/>
-                            </a:rPr>
-                            <m:t>𝐴</m:t>
-                          </m:r>
-                        </m:e>
-                      </m:d>
-                      <m:r>
-                        <a:rPr lang="en-US" sz="2000" b="0" i="1" smtClean="0">
-                          <a:solidFill>
-                            <a:schemeClr val="bg1"/>
-                          </a:solidFill>
-                          <a:latin typeface="Cambria Math" panose="02040503050406030204" pitchFamily="18" charset="0"/>
-                        </a:rPr>
-                        <m:t>=45.15%&gt;39.54%=</m:t>
-                      </m:r>
-                      <m:r>
-                        <a:rPr lang="en-US" sz="2000" b="0" i="1" smtClean="0">
-                          <a:solidFill>
-                            <a:schemeClr val="bg1"/>
-                          </a:solidFill>
-                          <a:latin typeface="Cambria Math" panose="02040503050406030204" pitchFamily="18" charset="0"/>
-                        </a:rPr>
-                        <m:t>𝑃</m:t>
-                      </m:r>
-                      <m:r>
-                        <a:rPr lang="en-US" sz="2000" b="0" i="1" smtClean="0">
-                          <a:solidFill>
-                            <a:schemeClr val="bg1"/>
-                          </a:solidFill>
-                          <a:latin typeface="Cambria Math" panose="02040503050406030204" pitchFamily="18" charset="0"/>
-                        </a:rPr>
-                        <m:t>(</m:t>
-                      </m:r>
-                      <m:r>
-                        <a:rPr lang="en-US" sz="2000" b="0" i="1" smtClean="0">
-                          <a:solidFill>
-                            <a:schemeClr val="bg1"/>
-                          </a:solidFill>
-                          <a:latin typeface="Cambria Math" panose="02040503050406030204" pitchFamily="18" charset="0"/>
-                        </a:rPr>
-                        <m:t>𝑋</m:t>
-                      </m:r>
-                      <m:r>
-                        <a:rPr lang="en-US" sz="2000" b="0" i="1" smtClean="0">
-                          <a:solidFill>
-                            <a:schemeClr val="bg1"/>
-                          </a:solidFill>
-                          <a:latin typeface="Cambria Math" panose="02040503050406030204" pitchFamily="18" charset="0"/>
-                        </a:rPr>
-                        <m:t>∈</m:t>
-                      </m:r>
-                      <m:r>
-                        <a:rPr lang="en-US" sz="2000" b="0" i="1" smtClean="0">
-                          <a:solidFill>
-                            <a:schemeClr val="bg1"/>
-                          </a:solidFill>
-                          <a:latin typeface="Cambria Math" panose="02040503050406030204" pitchFamily="18" charset="0"/>
-                        </a:rPr>
-                        <m:t>𝐵</m:t>
-                      </m:r>
-                      <m:r>
-                        <a:rPr lang="en-US" sz="2000" b="0" i="1" smtClean="0">
-                          <a:solidFill>
-                            <a:schemeClr val="bg1"/>
-                          </a:solidFill>
-                          <a:latin typeface="Cambria Math" panose="02040503050406030204" pitchFamily="18" charset="0"/>
-                        </a:rPr>
-                        <m:t>)</m:t>
-                      </m:r>
-                    </m:oMath>
-                  </m:oMathPara>
-                </a14:m>
-                <a:endParaRPr lang="en-US" sz="2000" dirty="0">
-                  <a:solidFill>
-                    <a:schemeClr val="bg1"/>
-                  </a:solidFill>
-                </a:endParaRPr>
-              </a:p>
-            </p:txBody>
-          </p:sp>
-        </mc:Choice>
-        <mc:Fallback xmlns="">
-          <p:sp>
-            <p:nvSpPr>
-              <p:cNvPr id="22" name="TextBox 21">
-                <a:extLst>
-                  <a:ext uri="{FF2B5EF4-FFF2-40B4-BE49-F238E27FC236}">
-                    <a16:creationId xmlns:a16="http://schemas.microsoft.com/office/drawing/2014/main" id="{B8E9D250-5B93-4FC2-923B-CC26509F87EA}"/>
-                  </a:ext>
-                </a:extLst>
-              </p:cNvPr>
-              <p:cNvSpPr txBox="1">
-                <a:spLocks noRot="1" noChangeAspect="1" noMove="1" noResize="1" noEditPoints="1" noAdjustHandles="1" noChangeArrowheads="1" noChangeShapeType="1" noTextEdit="1"/>
-              </p:cNvSpPr>
-              <p:nvPr/>
-            </p:nvSpPr>
-            <p:spPr>
-              <a:xfrm>
-                <a:off x="1885553" y="4325325"/>
-                <a:ext cx="6283666" cy="400110"/>
-              </a:xfrm>
-              <a:prstGeom prst="rect">
-                <a:avLst/>
-              </a:prstGeom>
-              <a:blipFill>
-                <a:blip r:embed="rId6"/>
-                <a:stretch>
-                  <a:fillRect b="-18462"/>
-                </a:stretch>
-              </a:blipFill>
-            </p:spPr>
-            <p:txBody>
-              <a:bodyPr/>
-              <a:lstStyle/>
-              <a:p>
-                <a:r>
-                  <a:rPr lang="en-US">
-                    <a:noFill/>
-                  </a:rPr>
-                  <a:t> </a:t>
-                </a:r>
-              </a:p>
-            </p:txBody>
-          </p:sp>
-        </mc:Fallback>
-      </mc:AlternateContent>
-      <mc:AlternateContent xmlns:mc="http://schemas.openxmlformats.org/markup-compatibility/2006" xmlns:a14="http://schemas.microsoft.com/office/drawing/2010/main">
-        <mc:Choice Requires="a14">
-          <p:sp>
-            <p:nvSpPr>
-              <p:cNvPr id="26" name="TextBox 25">
-                <a:extLst>
-                  <a:ext uri="{FF2B5EF4-FFF2-40B4-BE49-F238E27FC236}">
-                    <a16:creationId xmlns:a16="http://schemas.microsoft.com/office/drawing/2014/main" id="{89B9FD66-04DF-411F-81F7-BEF455E0551F}"/>
-                  </a:ext>
-                </a:extLst>
-              </p:cNvPr>
-              <p:cNvSpPr txBox="1"/>
-              <p:nvPr/>
-            </p:nvSpPr>
-            <p:spPr>
-              <a:xfrm>
-                <a:off x="1808388" y="6238439"/>
-                <a:ext cx="6283666" cy="400110"/>
-              </a:xfrm>
-              <a:prstGeom prst="rect">
-                <a:avLst/>
-              </a:prstGeom>
-              <a:noFill/>
-            </p:spPr>
-            <p:txBody>
-              <a:bodyPr wrap="square" rtlCol="0">
-                <a:spAutoFit/>
-              </a:bodyPr>
-              <a:lstStyle/>
-              <a:p>
-                <a:pPr/>
-                <a14:m>
-                  <m:oMathPara xmlns:m="http://schemas.openxmlformats.org/officeDocument/2006/math">
-                    <m:oMathParaPr>
-                      <m:jc m:val="centerGroup"/>
-                    </m:oMathParaPr>
-                    <m:oMath xmlns:m="http://schemas.openxmlformats.org/officeDocument/2006/math">
-                      <m:r>
-                        <a:rPr lang="en-US" sz="2000" b="0" i="1" smtClean="0">
-                          <a:solidFill>
-                            <a:schemeClr val="bg1"/>
-                          </a:solidFill>
-                          <a:latin typeface="Cambria Math" panose="02040503050406030204" pitchFamily="18" charset="0"/>
-                        </a:rPr>
-                        <m:t>𝑃</m:t>
-                      </m:r>
-                      <m:d>
-                        <m:dPr>
-                          <m:ctrlPr>
-                            <a:rPr lang="en-US" sz="2000" b="0" i="1" smtClean="0">
-                              <a:solidFill>
-                                <a:schemeClr val="bg1"/>
-                              </a:solidFill>
-                              <a:latin typeface="Cambria Math" panose="02040503050406030204" pitchFamily="18" charset="0"/>
-                            </a:rPr>
-                          </m:ctrlPr>
-                        </m:dPr>
-                        <m:e>
-                          <m:r>
-                            <a:rPr lang="en-US" sz="2000" b="0" i="1" smtClean="0">
-                              <a:solidFill>
-                                <a:schemeClr val="bg1"/>
-                              </a:solidFill>
-                              <a:latin typeface="Cambria Math" panose="02040503050406030204" pitchFamily="18" charset="0"/>
-                            </a:rPr>
-                            <m:t>𝑋</m:t>
-                          </m:r>
-                          <m:r>
-                            <a:rPr lang="en-US" sz="2000" b="0" i="1" smtClean="0">
-                              <a:solidFill>
-                                <a:schemeClr val="bg1"/>
-                              </a:solidFill>
-                              <a:latin typeface="Cambria Math" panose="02040503050406030204" pitchFamily="18" charset="0"/>
-                            </a:rPr>
-                            <m:t>∈</m:t>
-                          </m:r>
-                          <m:r>
-                            <a:rPr lang="en-US" sz="2000" b="0" i="1" smtClean="0">
-                              <a:solidFill>
-                                <a:schemeClr val="bg1"/>
-                              </a:solidFill>
-                              <a:latin typeface="Cambria Math" panose="02040503050406030204" pitchFamily="18" charset="0"/>
-                            </a:rPr>
-                            <m:t>𝐴</m:t>
-                          </m:r>
-                        </m:e>
-                      </m:d>
-                      <m:r>
-                        <a:rPr lang="en-US" sz="2000" b="0" i="1" smtClean="0">
-                          <a:solidFill>
-                            <a:schemeClr val="bg1"/>
-                          </a:solidFill>
-                          <a:latin typeface="Cambria Math" panose="02040503050406030204" pitchFamily="18" charset="0"/>
-                        </a:rPr>
-                        <m:t>=45.12%&gt;39.54%=</m:t>
-                      </m:r>
-                      <m:r>
-                        <a:rPr lang="en-US" sz="2000" b="0" i="1" smtClean="0">
-                          <a:solidFill>
-                            <a:schemeClr val="bg1"/>
-                          </a:solidFill>
-                          <a:latin typeface="Cambria Math" panose="02040503050406030204" pitchFamily="18" charset="0"/>
-                        </a:rPr>
-                        <m:t>𝑃</m:t>
-                      </m:r>
-                      <m:r>
-                        <a:rPr lang="en-US" sz="2000" b="0" i="1" smtClean="0">
-                          <a:solidFill>
-                            <a:schemeClr val="bg1"/>
-                          </a:solidFill>
-                          <a:latin typeface="Cambria Math" panose="02040503050406030204" pitchFamily="18" charset="0"/>
-                        </a:rPr>
-                        <m:t>(</m:t>
-                      </m:r>
-                      <m:r>
-                        <a:rPr lang="en-US" sz="2000" b="0" i="1" smtClean="0">
-                          <a:solidFill>
-                            <a:schemeClr val="bg1"/>
-                          </a:solidFill>
-                          <a:latin typeface="Cambria Math" panose="02040503050406030204" pitchFamily="18" charset="0"/>
-                        </a:rPr>
-                        <m:t>𝑋</m:t>
-                      </m:r>
-                      <m:r>
-                        <a:rPr lang="en-US" sz="2000" b="0" i="1" smtClean="0">
-                          <a:solidFill>
-                            <a:schemeClr val="bg1"/>
-                          </a:solidFill>
-                          <a:latin typeface="Cambria Math" panose="02040503050406030204" pitchFamily="18" charset="0"/>
-                        </a:rPr>
-                        <m:t>∈</m:t>
-                      </m:r>
-                      <m:r>
-                        <a:rPr lang="en-US" sz="2000" b="0" i="1" smtClean="0">
-                          <a:solidFill>
-                            <a:schemeClr val="bg1"/>
-                          </a:solidFill>
-                          <a:latin typeface="Cambria Math" panose="02040503050406030204" pitchFamily="18" charset="0"/>
-                        </a:rPr>
-                        <m:t>𝐵</m:t>
-                      </m:r>
-                      <m:r>
-                        <a:rPr lang="en-US" sz="2000" b="0" i="1" smtClean="0">
-                          <a:solidFill>
-                            <a:schemeClr val="bg1"/>
-                          </a:solidFill>
-                          <a:latin typeface="Cambria Math" panose="02040503050406030204" pitchFamily="18" charset="0"/>
-                        </a:rPr>
-                        <m:t>)</m:t>
-                      </m:r>
-                    </m:oMath>
-                  </m:oMathPara>
-                </a14:m>
-                <a:endParaRPr lang="en-US" sz="2000" dirty="0">
-                  <a:solidFill>
-                    <a:schemeClr val="bg1"/>
-                  </a:solidFill>
-                </a:endParaRPr>
-              </a:p>
-            </p:txBody>
-          </p:sp>
-        </mc:Choice>
-        <mc:Fallback xmlns="">
-          <p:sp>
-            <p:nvSpPr>
-              <p:cNvPr id="26" name="TextBox 25">
-                <a:extLst>
-                  <a:ext uri="{FF2B5EF4-FFF2-40B4-BE49-F238E27FC236}">
-                    <a16:creationId xmlns:a16="http://schemas.microsoft.com/office/drawing/2014/main" id="{89B9FD66-04DF-411F-81F7-BEF455E0551F}"/>
-                  </a:ext>
-                </a:extLst>
-              </p:cNvPr>
-              <p:cNvSpPr txBox="1">
-                <a:spLocks noRot="1" noChangeAspect="1" noMove="1" noResize="1" noEditPoints="1" noAdjustHandles="1" noChangeArrowheads="1" noChangeShapeType="1" noTextEdit="1"/>
-              </p:cNvSpPr>
-              <p:nvPr/>
-            </p:nvSpPr>
-            <p:spPr>
-              <a:xfrm>
-                <a:off x="1808388" y="6238439"/>
-                <a:ext cx="6283666" cy="400110"/>
-              </a:xfrm>
-              <a:prstGeom prst="rect">
-                <a:avLst/>
-              </a:prstGeom>
-              <a:blipFill>
-                <a:blip r:embed="rId7"/>
-                <a:stretch>
-                  <a:fillRect b="-18182"/>
-                </a:stretch>
-              </a:blipFill>
-            </p:spPr>
-            <p:txBody>
-              <a:bodyPr/>
-              <a:lstStyle/>
-              <a:p>
-                <a:r>
-                  <a:rPr lang="en-US">
-                    <a:noFill/>
-                  </a:rPr>
-                  <a:t> </a:t>
-                </a:r>
-              </a:p>
-            </p:txBody>
-          </p:sp>
-        </mc:Fallback>
-      </mc:AlternateContent>
-    </p:spTree>
-    <p:extLst>
-      <p:ext uri="{BB962C8B-B14F-4D97-AF65-F5344CB8AC3E}">
-        <p14:creationId xmlns:p14="http://schemas.microsoft.com/office/powerpoint/2010/main" val="2408797848"/>
-      </p:ext>
-    </p:extLst>
-  </p:cSld>
-  <p:clrMapOvr>
-    <a:masterClrMapping/>
+    <a:overrideClrMapping bg1="dk1" tx1="lt1" bg2="dk2" tx2="lt2" accent1="accent1" accent2="accent2" accent3="accent3" accent4="accent4" accent5="accent5" accent6="accent6" hlink="hlink" folHlink="folHlink"/>
   </p:clrMapOvr>
 </p:sld>
 </file>
